--- a/Bloque 1 - Introducción al desarrollo multiplataforma con .NET MAUI/Taller0 - Bienvenido al taller.pptx
+++ b/Bloque 1 - Introducción al desarrollo multiplataforma con .NET MAUI/Taller0 - Bienvenido al taller.pptx
@@ -6,21 +6,23 @@
     <p:sldMasterId id="2147483793" r:id="rId2"/>
   </p:sldMasterIdLst>
   <p:notesMasterIdLst>
-    <p:notesMasterId r:id="rId15"/>
+    <p:notesMasterId r:id="rId17"/>
   </p:notesMasterIdLst>
   <p:sldIdLst>
     <p:sldId id="291" r:id="rId3"/>
     <p:sldId id="2147469515" r:id="rId4"/>
     <p:sldId id="10266" r:id="rId5"/>
-    <p:sldId id="2147469517" r:id="rId6"/>
-    <p:sldId id="271" r:id="rId7"/>
-    <p:sldId id="2147469516" r:id="rId8"/>
-    <p:sldId id="2147469518" r:id="rId9"/>
-    <p:sldId id="2147469519" r:id="rId10"/>
-    <p:sldId id="2147469520" r:id="rId11"/>
-    <p:sldId id="2147469521" r:id="rId12"/>
-    <p:sldId id="8416" r:id="rId13"/>
-    <p:sldId id="282" r:id="rId14"/>
+    <p:sldId id="2147469520" r:id="rId6"/>
+    <p:sldId id="2147469522" r:id="rId7"/>
+    <p:sldId id="2147469517" r:id="rId8"/>
+    <p:sldId id="271" r:id="rId9"/>
+    <p:sldId id="2147469516" r:id="rId10"/>
+    <p:sldId id="2147469518" r:id="rId11"/>
+    <p:sldId id="2147469519" r:id="rId12"/>
+    <p:sldId id="2147469521" r:id="rId13"/>
+    <p:sldId id="8416" r:id="rId14"/>
+    <p:sldId id="2147469523" r:id="rId15"/>
+    <p:sldId id="282" r:id="rId16"/>
   </p:sldIdLst>
   <p:sldSz cx="12192000" cy="6858000"/>
   <p:notesSz cx="6858000" cy="9144000"/>
@@ -3459,7 +3461,7 @@
           <a:p>
             <a:fld id="{A334C884-B1D7-A043-A4AA-521744755A4B}" type="datetimeFigureOut">
               <a:rPr lang="en-US" smtClean="0"/>
-              <a:t>4/2/2022</a:t>
+              <a:t>4/12/2022</a:t>
             </a:fld>
             <a:endParaRPr lang="en-US"/>
           </a:p>
@@ -3845,7 +3847,7 @@
           <a:p>
             <a:fld id="{E74353ED-ACB2-44BF-A903-985B0AF962B7}" type="datetime1">
               <a:rPr lang="en-US" smtClean="0"/>
-              <a:t>4/2/2022</a:t>
+              <a:t>4/12/2022</a:t>
             </a:fld>
             <a:endParaRPr lang="en-US" dirty="0"/>
           </a:p>
@@ -3869,7 +3871,7 @@
             <a:fld id="{B4008EB6-D09E-4580-8CD6-DDB14511944F}" type="slidenum">
               <a:rPr lang="en-US" smtClean="0"/>
               <a:pPr/>
-              <a:t>12</a:t>
+              <a:t>14</a:t>
             </a:fld>
             <a:endParaRPr lang="en-US" dirty="0"/>
           </a:p>
@@ -6608,7 +6610,7 @@
           <a:p>
             <a:fld id="{0A627400-D089-7447-864B-77479EBD4214}" type="datetimeFigureOut">
               <a:rPr lang="en-US" smtClean="0"/>
-              <a:t>4/2/2022</a:t>
+              <a:t>4/12/2022</a:t>
             </a:fld>
             <a:endParaRPr lang="en-US"/>
           </a:p>
@@ -6806,7 +6808,7 @@
           <a:p>
             <a:fld id="{0A627400-D089-7447-864B-77479EBD4214}" type="datetimeFigureOut">
               <a:rPr lang="en-US" smtClean="0"/>
-              <a:t>4/2/2022</a:t>
+              <a:t>4/12/2022</a:t>
             </a:fld>
             <a:endParaRPr lang="en-US"/>
           </a:p>
@@ -7081,7 +7083,7 @@
           <a:p>
             <a:fld id="{0A627400-D089-7447-864B-77479EBD4214}" type="datetimeFigureOut">
               <a:rPr lang="en-US" smtClean="0"/>
-              <a:t>4/2/2022</a:t>
+              <a:t>4/12/2022</a:t>
             </a:fld>
             <a:endParaRPr lang="en-US"/>
           </a:p>
@@ -7546,7 +7548,7 @@
           <a:p>
             <a:fld id="{0A627400-D089-7447-864B-77479EBD4214}" type="datetimeFigureOut">
               <a:rPr lang="en-US" smtClean="0"/>
-              <a:t>4/2/2022</a:t>
+              <a:t>4/12/2022</a:t>
             </a:fld>
             <a:endParaRPr lang="en-US"/>
           </a:p>
@@ -7958,7 +7960,7 @@
           <a:p>
             <a:fld id="{0A627400-D089-7447-864B-77479EBD4214}" type="datetimeFigureOut">
               <a:rPr lang="en-US" smtClean="0"/>
-              <a:t>4/2/2022</a:t>
+              <a:t>4/12/2022</a:t>
             </a:fld>
             <a:endParaRPr lang="en-US"/>
           </a:p>
@@ -8164,7 +8166,7 @@
           <a:p>
             <a:fld id="{0A627400-D089-7447-864B-77479EBD4214}" type="datetimeFigureOut">
               <a:rPr lang="en-US" smtClean="0"/>
-              <a:t>4/2/2022</a:t>
+              <a:t>4/12/2022</a:t>
             </a:fld>
             <a:endParaRPr lang="en-US"/>
           </a:p>
@@ -8306,7 +8308,7 @@
             <a:fld id="{0A627400-D089-7447-864B-77479EBD4214}" type="datetimeFigureOut">
               <a:rPr lang="en-US" smtClean="0"/>
               <a:pPr/>
-              <a:t>4/2/2022</a:t>
+              <a:t>4/12/2022</a:t>
             </a:fld>
             <a:endParaRPr lang="en-US"/>
           </a:p>
@@ -8470,7 +8472,7 @@
           <a:p>
             <a:fld id="{0A627400-D089-7447-864B-77479EBD4214}" type="datetimeFigureOut">
               <a:rPr lang="en-US" smtClean="0"/>
-              <a:t>4/2/2022</a:t>
+              <a:t>4/12/2022</a:t>
             </a:fld>
             <a:endParaRPr lang="en-US"/>
           </a:p>
@@ -8583,7 +8585,7 @@
           <a:p>
             <a:fld id="{0A627400-D089-7447-864B-77479EBD4214}" type="datetimeFigureOut">
               <a:rPr lang="en-US" smtClean="0"/>
-              <a:t>4/2/2022</a:t>
+              <a:t>4/12/2022</a:t>
             </a:fld>
             <a:endParaRPr lang="en-US"/>
           </a:p>
@@ -8894,7 +8896,7 @@
           <a:p>
             <a:fld id="{0A627400-D089-7447-864B-77479EBD4214}" type="datetimeFigureOut">
               <a:rPr lang="en-US" smtClean="0"/>
-              <a:t>4/2/2022</a:t>
+              <a:t>4/12/2022</a:t>
             </a:fld>
             <a:endParaRPr lang="en-US"/>
           </a:p>
@@ -9182,7 +9184,7 @@
           <a:p>
             <a:fld id="{0A627400-D089-7447-864B-77479EBD4214}" type="datetimeFigureOut">
               <a:rPr lang="en-US" smtClean="0"/>
-              <a:t>4/2/2022</a:t>
+              <a:t>4/12/2022</a:t>
             </a:fld>
             <a:endParaRPr lang="en-US"/>
           </a:p>
@@ -11435,7 +11437,7 @@
             <a:fld id="{0A627400-D089-7447-864B-77479EBD4214}" type="datetimeFigureOut">
               <a:rPr lang="en-US" smtClean="0"/>
               <a:pPr/>
-              <a:t>4/2/2022</a:t>
+              <a:t>4/12/2022</a:t>
             </a:fld>
             <a:endParaRPr lang="en-US"/>
           </a:p>
@@ -11964,7 +11966,7 @@
         <p:spPr>
           <a:xfrm>
             <a:off x="1503286" y="5644613"/>
-            <a:ext cx="2440268" cy="761555"/>
+            <a:ext cx="2814190" cy="761555"/>
           </a:xfrm>
           <a:prstGeom prst="rect">
             <a:avLst/>
@@ -12167,3915 +12169,6 @@
 </file>
 
 <file path=ppt/slides/slide10.xml><?xml version="1.0" encoding="utf-8"?>
-<p:sld xmlns:a="http://schemas.openxmlformats.org/drawingml/2006/main" xmlns:r="http://schemas.openxmlformats.org/officeDocument/2006/relationships" xmlns:p="http://schemas.openxmlformats.org/presentationml/2006/main">
-  <p:cSld>
-    <p:spTree>
-      <p:nvGrpSpPr>
-        <p:cNvPr id="1" name=""/>
-        <p:cNvGrpSpPr/>
-        <p:nvPr/>
-      </p:nvGrpSpPr>
-      <p:grpSpPr>
-        <a:xfrm>
-          <a:off x="0" y="0"/>
-          <a:ext cx="0" cy="0"/>
-          <a:chOff x="0" y="0"/>
-          <a:chExt cx="0" cy="0"/>
-        </a:xfrm>
-      </p:grpSpPr>
-      <p:sp>
-        <p:nvSpPr>
-          <p:cNvPr id="2" name="Title 1">
-            <a:extLst>
-              <a:ext uri="{FF2B5EF4-FFF2-40B4-BE49-F238E27FC236}">
-                <a16:creationId xmlns:a16="http://schemas.microsoft.com/office/drawing/2014/main" id="{243FAE69-6AB9-4165-AE0C-478D4EEED379}"/>
-              </a:ext>
-            </a:extLst>
-          </p:cNvPr>
-          <p:cNvSpPr>
-            <a:spLocks noGrp="1"/>
-          </p:cNvSpPr>
-          <p:nvPr>
-            <p:ph type="title"/>
-          </p:nvPr>
-        </p:nvSpPr>
-        <p:spPr/>
-        <p:txBody>
-          <a:bodyPr/>
-          <a:lstStyle/>
-          <a:p>
-            <a:r>
-              <a:rPr lang="en-US" dirty="0"/>
-              <a:t>¿Por </a:t>
-            </a:r>
-            <a:r>
-              <a:rPr lang="en-US" dirty="0" err="1"/>
-              <a:t>qué</a:t>
-            </a:r>
-            <a:r>
-              <a:rPr lang="en-US" dirty="0"/>
-              <a:t>?</a:t>
-            </a:r>
-          </a:p>
-        </p:txBody>
-      </p:sp>
-    </p:spTree>
-    <p:extLst>
-      <p:ext uri="{BB962C8B-B14F-4D97-AF65-F5344CB8AC3E}">
-        <p14:creationId xmlns:p14="http://schemas.microsoft.com/office/powerpoint/2010/main" val="127209645"/>
-      </p:ext>
-    </p:extLst>
-  </p:cSld>
-  <p:clrMapOvr>
-    <a:masterClrMapping/>
-  </p:clrMapOvr>
-  <p:transition>
-    <p:fade/>
-  </p:transition>
-</p:sld>
-</file>
-
-<file path=ppt/slides/slide11.xml><?xml version="1.0" encoding="utf-8"?>
-<p:sld xmlns:a="http://schemas.openxmlformats.org/drawingml/2006/main" xmlns:r="http://schemas.openxmlformats.org/officeDocument/2006/relationships" xmlns:p="http://schemas.openxmlformats.org/presentationml/2006/main">
-  <p:cSld>
-    <p:spTree>
-      <p:nvGrpSpPr>
-        <p:cNvPr id="1" name=""/>
-        <p:cNvGrpSpPr/>
-        <p:nvPr/>
-      </p:nvGrpSpPr>
-      <p:grpSpPr>
-        <a:xfrm>
-          <a:off x="0" y="0"/>
-          <a:ext cx="0" cy="0"/>
-          <a:chOff x="0" y="0"/>
-          <a:chExt cx="0" cy="0"/>
-        </a:xfrm>
-      </p:grpSpPr>
-      <p:sp>
-        <p:nvSpPr>
-          <p:cNvPr id="3" name="Rectangle 2">
-            <a:extLst>
-              <a:ext uri="{FF2B5EF4-FFF2-40B4-BE49-F238E27FC236}">
-                <a16:creationId xmlns:a16="http://schemas.microsoft.com/office/drawing/2014/main" id="{D7F13926-2CED-46D8-B8A0-AA531EFDAB01}"/>
-              </a:ext>
-            </a:extLst>
-          </p:cNvPr>
-          <p:cNvSpPr/>
-          <p:nvPr/>
-        </p:nvSpPr>
-        <p:spPr>
-          <a:xfrm>
-            <a:off x="1" y="1270332"/>
-            <a:ext cx="12191999" cy="4317336"/>
-          </a:xfrm>
-          <a:prstGeom prst="rect">
-            <a:avLst/>
-          </a:prstGeom>
-        </p:spPr>
-        <p:txBody>
-          <a:bodyPr wrap="square">
-            <a:spAutoFit/>
-          </a:bodyPr>
-          <a:lstStyle/>
-          <a:p>
-            <a:pPr algn="ctr" defTabSz="914358">
-              <a:lnSpc>
-                <a:spcPct val="150000"/>
-              </a:lnSpc>
-            </a:pPr>
-            <a:r>
-              <a:rPr lang="en-US" sz="2800" dirty="0" err="1">
-                <a:solidFill>
-                  <a:srgbClr val="512BD4"/>
-                </a:solidFill>
-                <a:latin typeface="Segoe UI Light"/>
-                <a:ea typeface="Segoe UI Symbol" panose="020B0502040204020203" pitchFamily="34" charset="0"/>
-              </a:rPr>
-              <a:t>Esto</a:t>
-            </a:r>
-            <a:r>
-              <a:rPr lang="en-US" sz="2800" dirty="0">
-                <a:solidFill>
-                  <a:srgbClr val="512BD4"/>
-                </a:solidFill>
-                <a:latin typeface="Segoe UI Light"/>
-                <a:ea typeface="Segoe UI Symbol" panose="020B0502040204020203" pitchFamily="34" charset="0"/>
-              </a:rPr>
-              <a:t> es un </a:t>
-            </a:r>
-            <a:r>
-              <a:rPr lang="en-US" sz="4000" b="1" dirty="0">
-                <a:solidFill>
-                  <a:srgbClr val="512BD4"/>
-                </a:solidFill>
-                <a:latin typeface="Segoe UI Light"/>
-                <a:ea typeface="Segoe UI Symbol" panose="020B0502040204020203" pitchFamily="34" charset="0"/>
-              </a:rPr>
-              <a:t>taller </a:t>
-            </a:r>
-            <a:endParaRPr lang="en-US" sz="2800" dirty="0">
-              <a:solidFill>
-                <a:srgbClr val="512BD4"/>
-              </a:solidFill>
-              <a:latin typeface="Segoe UI Light"/>
-              <a:ea typeface="Segoe UI Symbol" panose="020B0502040204020203" pitchFamily="34" charset="0"/>
-            </a:endParaRPr>
-          </a:p>
-          <a:p>
-            <a:pPr algn="ctr" defTabSz="914358">
-              <a:lnSpc>
-                <a:spcPct val="150000"/>
-              </a:lnSpc>
-            </a:pPr>
-            <a:r>
-              <a:rPr lang="en-US" sz="2800" dirty="0">
-                <a:solidFill>
-                  <a:srgbClr val="512BD4"/>
-                </a:solidFill>
-                <a:latin typeface="Segoe UI Light"/>
-                <a:ea typeface="Segoe UI Symbol" panose="020B0502040204020203" pitchFamily="34" charset="0"/>
-              </a:rPr>
-              <a:t>para </a:t>
-            </a:r>
-            <a:r>
-              <a:rPr lang="en-US" sz="2800" dirty="0" err="1">
-                <a:solidFill>
-                  <a:srgbClr val="512BD4"/>
-                </a:solidFill>
-                <a:latin typeface="Segoe UI Light"/>
-                <a:ea typeface="Segoe UI Symbol" panose="020B0502040204020203" pitchFamily="34" charset="0"/>
-              </a:rPr>
-              <a:t>aprender</a:t>
-            </a:r>
-            <a:r>
-              <a:rPr lang="en-US" sz="2800" dirty="0">
-                <a:solidFill>
-                  <a:srgbClr val="512BD4"/>
-                </a:solidFill>
-                <a:latin typeface="Segoe UI Light"/>
-                <a:ea typeface="Segoe UI Symbol" panose="020B0502040204020203" pitchFamily="34" charset="0"/>
-              </a:rPr>
-              <a:t> </a:t>
-            </a:r>
-            <a:r>
-              <a:rPr lang="en-US" sz="2800" dirty="0" err="1">
-                <a:solidFill>
-                  <a:srgbClr val="512BD4"/>
-                </a:solidFill>
-                <a:latin typeface="Segoe UI Light"/>
-                <a:ea typeface="Segoe UI Symbol" panose="020B0502040204020203" pitchFamily="34" charset="0"/>
-              </a:rPr>
-              <a:t>conceptos</a:t>
-            </a:r>
-            <a:r>
-              <a:rPr lang="en-US" sz="2800" dirty="0">
-                <a:solidFill>
-                  <a:srgbClr val="512BD4"/>
-                </a:solidFill>
-                <a:latin typeface="Segoe UI Light"/>
-                <a:ea typeface="Segoe UI Symbol" panose="020B0502040204020203" pitchFamily="34" charset="0"/>
-              </a:rPr>
-              <a:t> </a:t>
-            </a:r>
-            <a:r>
-              <a:rPr lang="en-US" sz="2800" dirty="0" err="1">
-                <a:solidFill>
-                  <a:srgbClr val="512BD4"/>
-                </a:solidFill>
-                <a:latin typeface="Segoe UI Light"/>
-                <a:ea typeface="Segoe UI Symbol" panose="020B0502040204020203" pitchFamily="34" charset="0"/>
-              </a:rPr>
-              <a:t>básicos</a:t>
-            </a:r>
-            <a:r>
-              <a:rPr lang="en-US" sz="2800" dirty="0">
-                <a:solidFill>
-                  <a:srgbClr val="512BD4"/>
-                </a:solidFill>
-                <a:latin typeface="Segoe UI Light"/>
-                <a:ea typeface="Segoe UI Symbol" panose="020B0502040204020203" pitchFamily="34" charset="0"/>
-              </a:rPr>
-              <a:t> </a:t>
-            </a:r>
-            <a:r>
-              <a:rPr lang="en-US" sz="2800" dirty="0" err="1">
-                <a:solidFill>
-                  <a:srgbClr val="512BD4"/>
-                </a:solidFill>
-                <a:latin typeface="Segoe UI Light"/>
-                <a:ea typeface="Segoe UI Symbol" panose="020B0502040204020203" pitchFamily="34" charset="0"/>
-              </a:rPr>
-              <a:t>relacionados</a:t>
-            </a:r>
-            <a:r>
-              <a:rPr lang="en-US" sz="2800" dirty="0">
-                <a:solidFill>
-                  <a:srgbClr val="512BD4"/>
-                </a:solidFill>
-                <a:latin typeface="Segoe UI Light"/>
-                <a:ea typeface="Segoe UI Symbol" panose="020B0502040204020203" pitchFamily="34" charset="0"/>
-              </a:rPr>
-              <a:t> con</a:t>
-            </a:r>
-          </a:p>
-          <a:p>
-            <a:pPr algn="ctr" defTabSz="914358">
-              <a:lnSpc>
-                <a:spcPct val="150000"/>
-              </a:lnSpc>
-            </a:pPr>
-            <a:r>
-              <a:rPr lang="en-US" sz="4000" b="1" dirty="0" err="1">
-                <a:solidFill>
-                  <a:srgbClr val="512BD4"/>
-                </a:solidFill>
-                <a:latin typeface="Segoe UI Light"/>
-                <a:ea typeface="Segoe UI Symbol" panose="020B0502040204020203" pitchFamily="34" charset="0"/>
-              </a:rPr>
-              <a:t>el</a:t>
-            </a:r>
-            <a:r>
-              <a:rPr lang="en-US" sz="4000" b="1" dirty="0">
-                <a:solidFill>
-                  <a:srgbClr val="512BD4"/>
-                </a:solidFill>
-                <a:latin typeface="Segoe UI Light"/>
-                <a:ea typeface="Segoe UI Symbol" panose="020B0502040204020203" pitchFamily="34" charset="0"/>
-              </a:rPr>
-              <a:t> Desarrollo de apps con .NET MAUI</a:t>
-            </a:r>
-          </a:p>
-          <a:p>
-            <a:pPr algn="ctr" defTabSz="914358">
-              <a:lnSpc>
-                <a:spcPct val="150000"/>
-              </a:lnSpc>
-            </a:pPr>
-            <a:r>
-              <a:rPr lang="en-US" sz="2800" dirty="0" err="1">
-                <a:solidFill>
-                  <a:srgbClr val="512BD4"/>
-                </a:solidFill>
-                <a:latin typeface="Segoe UI Light"/>
-                <a:ea typeface="Segoe UI Symbol" panose="020B0502040204020203" pitchFamily="34" charset="0"/>
-              </a:rPr>
-              <a:t>pero</a:t>
-            </a:r>
-            <a:r>
-              <a:rPr lang="en-US" sz="2800" dirty="0">
-                <a:solidFill>
-                  <a:srgbClr val="512BD4"/>
-                </a:solidFill>
-                <a:latin typeface="Segoe UI Light"/>
-                <a:ea typeface="Segoe UI Symbol" panose="020B0502040204020203" pitchFamily="34" charset="0"/>
-              </a:rPr>
-              <a:t> </a:t>
-            </a:r>
-            <a:r>
-              <a:rPr lang="en-US" sz="4000" b="1" dirty="0">
-                <a:solidFill>
-                  <a:srgbClr val="512BD4"/>
-                </a:solidFill>
-                <a:latin typeface="Segoe UI Light"/>
-                <a:ea typeface="Segoe UI Symbol" panose="020B0502040204020203" pitchFamily="34" charset="0"/>
-              </a:rPr>
-              <a:t>no</a:t>
-            </a:r>
-            <a:r>
-              <a:rPr lang="en-US" sz="3200" b="1" dirty="0">
-                <a:solidFill>
-                  <a:srgbClr val="512BD4"/>
-                </a:solidFill>
-                <a:latin typeface="Segoe UI Light"/>
-                <a:ea typeface="Segoe UI Symbol" panose="020B0502040204020203" pitchFamily="34" charset="0"/>
-              </a:rPr>
-              <a:t> </a:t>
-            </a:r>
-            <a:r>
-              <a:rPr lang="en-US" sz="2800" dirty="0">
-                <a:solidFill>
-                  <a:srgbClr val="512BD4"/>
-                </a:solidFill>
-                <a:latin typeface="Segoe UI Light"/>
-                <a:ea typeface="Segoe UI Symbol" panose="020B0502040204020203" pitchFamily="34" charset="0"/>
-              </a:rPr>
-              <a:t>es</a:t>
-            </a:r>
-          </a:p>
-          <a:p>
-            <a:pPr algn="ctr" defTabSz="914358">
-              <a:lnSpc>
-                <a:spcPct val="150000"/>
-              </a:lnSpc>
-            </a:pPr>
-            <a:r>
-              <a:rPr lang="en-US" sz="4000" b="1" dirty="0">
-                <a:solidFill>
-                  <a:srgbClr val="512BD4"/>
-                </a:solidFill>
-                <a:latin typeface="Segoe UI Light"/>
-                <a:ea typeface="Segoe UI Symbol" panose="020B0502040204020203" pitchFamily="34" charset="0"/>
-              </a:rPr>
-              <a:t>Un </a:t>
-            </a:r>
-            <a:r>
-              <a:rPr lang="en-US" sz="4000" b="1" dirty="0" err="1">
-                <a:solidFill>
-                  <a:srgbClr val="512BD4"/>
-                </a:solidFill>
-                <a:latin typeface="Segoe UI Light"/>
-                <a:ea typeface="Segoe UI Symbol" panose="020B0502040204020203" pitchFamily="34" charset="0"/>
-              </a:rPr>
-              <a:t>curso</a:t>
-            </a:r>
-            <a:r>
-              <a:rPr lang="en-US" sz="4000" b="1" dirty="0">
-                <a:solidFill>
-                  <a:srgbClr val="512BD4"/>
-                </a:solidFill>
-                <a:latin typeface="Segoe UI Light"/>
-                <a:ea typeface="Segoe UI Symbol" panose="020B0502040204020203" pitchFamily="34" charset="0"/>
-              </a:rPr>
-              <a:t> </a:t>
-            </a:r>
-            <a:r>
-              <a:rPr lang="en-US" sz="4000" b="1" dirty="0" err="1">
-                <a:solidFill>
-                  <a:srgbClr val="512BD4"/>
-                </a:solidFill>
-                <a:latin typeface="Segoe UI Light"/>
-                <a:ea typeface="Segoe UI Symbol" panose="020B0502040204020203" pitchFamily="34" charset="0"/>
-              </a:rPr>
-              <a:t>completo</a:t>
-            </a:r>
-            <a:r>
-              <a:rPr lang="en-US" sz="4000" b="1" dirty="0">
-                <a:solidFill>
-                  <a:srgbClr val="512BD4"/>
-                </a:solidFill>
-                <a:latin typeface="Segoe UI Light"/>
-                <a:ea typeface="Segoe UI Symbol" panose="020B0502040204020203" pitchFamily="34" charset="0"/>
-              </a:rPr>
-              <a:t>.</a:t>
-            </a:r>
-            <a:r>
-              <a:rPr lang="en-US" sz="2800" dirty="0">
-                <a:solidFill>
-                  <a:srgbClr val="512BD4"/>
-                </a:solidFill>
-                <a:latin typeface="Segoe UI Light"/>
-                <a:ea typeface="Segoe UI Symbol" panose="020B0502040204020203" pitchFamily="34" charset="0"/>
-              </a:rPr>
-              <a:t> </a:t>
-            </a:r>
-            <a:endParaRPr lang="en-US" sz="3200" dirty="0">
-              <a:solidFill>
-                <a:srgbClr val="512BD4"/>
-              </a:solidFill>
-              <a:latin typeface="Segoe UI Light"/>
-              <a:ea typeface="Segoe UI Symbol" panose="020B0502040204020203" pitchFamily="34" charset="0"/>
-            </a:endParaRPr>
-          </a:p>
-        </p:txBody>
-      </p:sp>
-    </p:spTree>
-    <p:extLst>
-      <p:ext uri="{BB962C8B-B14F-4D97-AF65-F5344CB8AC3E}">
-        <p14:creationId xmlns:p14="http://schemas.microsoft.com/office/powerpoint/2010/main" val="2766863936"/>
-      </p:ext>
-    </p:extLst>
-  </p:cSld>
-  <p:clrMapOvr>
-    <a:masterClrMapping/>
-  </p:clrMapOvr>
-  <mc:AlternateContent xmlns:mc="http://schemas.openxmlformats.org/markup-compatibility/2006" xmlns:p14="http://schemas.microsoft.com/office/powerpoint/2010/main">
-    <mc:Choice Requires="p14">
-      <p:transition spd="med" p14:dur="700">
-        <p:fade/>
-      </p:transition>
-    </mc:Choice>
-    <mc:Fallback xmlns="">
-      <p:transition spd="med">
-        <p:fade/>
-      </p:transition>
-    </mc:Fallback>
-  </mc:AlternateContent>
-  <p:timing>
-    <p:tnLst>
-      <p:par>
-        <p:cTn id="1" dur="indefinite" restart="never" nodeType="tmRoot">
-          <p:childTnLst>
-            <p:seq concurrent="1" nextAc="seek">
-              <p:cTn id="2" dur="indefinite" nodeType="mainSeq">
-                <p:childTnLst>
-                  <p:par>
-                    <p:cTn id="3" fill="hold">
-                      <p:stCondLst>
-                        <p:cond delay="indefinite"/>
-                        <p:cond evt="onBegin" delay="0">
-                          <p:tn val="2"/>
-                        </p:cond>
-                      </p:stCondLst>
-                      <p:childTnLst>
-                        <p:par>
-                          <p:cTn id="4" fill="hold">
-                            <p:stCondLst>
-                              <p:cond delay="0"/>
-                            </p:stCondLst>
-                            <p:childTnLst>
-                              <p:par>
-                                <p:cTn id="5" presetID="10" presetClass="entr" presetSubtype="0" fill="hold" grpId="0" nodeType="afterEffect">
-                                  <p:stCondLst>
-                                    <p:cond delay="0"/>
-                                  </p:stCondLst>
-                                  <p:childTnLst>
-                                    <p:set>
-                                      <p:cBhvr>
-                                        <p:cTn id="6" dur="1" fill="hold">
-                                          <p:stCondLst>
-                                            <p:cond delay="0"/>
-                                          </p:stCondLst>
-                                        </p:cTn>
-                                        <p:tgtEl>
-                                          <p:spTgt spid="3">
-                                            <p:txEl>
-                                              <p:pRg st="0" end="0"/>
-                                            </p:txEl>
-                                          </p:spTgt>
-                                        </p:tgtEl>
-                                        <p:attrNameLst>
-                                          <p:attrName>style.visibility</p:attrName>
-                                        </p:attrNameLst>
-                                      </p:cBhvr>
-                                      <p:to>
-                                        <p:strVal val="visible"/>
-                                      </p:to>
-                                    </p:set>
-                                    <p:animEffect transition="in" filter="fade">
-                                      <p:cBhvr>
-                                        <p:cTn id="7" dur="500"/>
-                                        <p:tgtEl>
-                                          <p:spTgt spid="3">
-                                            <p:txEl>
-                                              <p:pRg st="0" end="0"/>
-                                            </p:txEl>
-                                          </p:spTgt>
-                                        </p:tgtEl>
-                                      </p:cBhvr>
-                                    </p:animEffect>
-                                  </p:childTnLst>
-                                </p:cTn>
-                              </p:par>
-                            </p:childTnLst>
-                          </p:cTn>
-                        </p:par>
-                      </p:childTnLst>
-                    </p:cTn>
-                  </p:par>
-                  <p:par>
-                    <p:cTn id="8" fill="hold">
-                      <p:stCondLst>
-                        <p:cond delay="indefinite"/>
-                      </p:stCondLst>
-                      <p:childTnLst>
-                        <p:par>
-                          <p:cTn id="9" fill="hold">
-                            <p:stCondLst>
-                              <p:cond delay="0"/>
-                            </p:stCondLst>
-                            <p:childTnLst>
-                              <p:par>
-                                <p:cTn id="10" presetID="10" presetClass="entr" presetSubtype="0" fill="hold" grpId="0" nodeType="clickEffect">
-                                  <p:stCondLst>
-                                    <p:cond delay="0"/>
-                                  </p:stCondLst>
-                                  <p:childTnLst>
-                                    <p:set>
-                                      <p:cBhvr>
-                                        <p:cTn id="11" dur="1" fill="hold">
-                                          <p:stCondLst>
-                                            <p:cond delay="0"/>
-                                          </p:stCondLst>
-                                        </p:cTn>
-                                        <p:tgtEl>
-                                          <p:spTgt spid="3">
-                                            <p:txEl>
-                                              <p:pRg st="1" end="1"/>
-                                            </p:txEl>
-                                          </p:spTgt>
-                                        </p:tgtEl>
-                                        <p:attrNameLst>
-                                          <p:attrName>style.visibility</p:attrName>
-                                        </p:attrNameLst>
-                                      </p:cBhvr>
-                                      <p:to>
-                                        <p:strVal val="visible"/>
-                                      </p:to>
-                                    </p:set>
-                                    <p:animEffect transition="in" filter="fade">
-                                      <p:cBhvr>
-                                        <p:cTn id="12" dur="500"/>
-                                        <p:tgtEl>
-                                          <p:spTgt spid="3">
-                                            <p:txEl>
-                                              <p:pRg st="1" end="1"/>
-                                            </p:txEl>
-                                          </p:spTgt>
-                                        </p:tgtEl>
-                                      </p:cBhvr>
-                                    </p:animEffect>
-                                  </p:childTnLst>
-                                </p:cTn>
-                              </p:par>
-                            </p:childTnLst>
-                          </p:cTn>
-                        </p:par>
-                      </p:childTnLst>
-                    </p:cTn>
-                  </p:par>
-                  <p:par>
-                    <p:cTn id="13" fill="hold">
-                      <p:stCondLst>
-                        <p:cond delay="indefinite"/>
-                      </p:stCondLst>
-                      <p:childTnLst>
-                        <p:par>
-                          <p:cTn id="14" fill="hold">
-                            <p:stCondLst>
-                              <p:cond delay="0"/>
-                            </p:stCondLst>
-                            <p:childTnLst>
-                              <p:par>
-                                <p:cTn id="15" presetID="10" presetClass="entr" presetSubtype="0" fill="hold" grpId="0" nodeType="clickEffect">
-                                  <p:stCondLst>
-                                    <p:cond delay="0"/>
-                                  </p:stCondLst>
-                                  <p:childTnLst>
-                                    <p:set>
-                                      <p:cBhvr>
-                                        <p:cTn id="16" dur="1" fill="hold">
-                                          <p:stCondLst>
-                                            <p:cond delay="0"/>
-                                          </p:stCondLst>
-                                        </p:cTn>
-                                        <p:tgtEl>
-                                          <p:spTgt spid="3">
-                                            <p:txEl>
-                                              <p:pRg st="2" end="2"/>
-                                            </p:txEl>
-                                          </p:spTgt>
-                                        </p:tgtEl>
-                                        <p:attrNameLst>
-                                          <p:attrName>style.visibility</p:attrName>
-                                        </p:attrNameLst>
-                                      </p:cBhvr>
-                                      <p:to>
-                                        <p:strVal val="visible"/>
-                                      </p:to>
-                                    </p:set>
-                                    <p:animEffect transition="in" filter="fade">
-                                      <p:cBhvr>
-                                        <p:cTn id="17" dur="500"/>
-                                        <p:tgtEl>
-                                          <p:spTgt spid="3">
-                                            <p:txEl>
-                                              <p:pRg st="2" end="2"/>
-                                            </p:txEl>
-                                          </p:spTgt>
-                                        </p:tgtEl>
-                                      </p:cBhvr>
-                                    </p:animEffect>
-                                  </p:childTnLst>
-                                </p:cTn>
-                              </p:par>
-                            </p:childTnLst>
-                          </p:cTn>
-                        </p:par>
-                      </p:childTnLst>
-                    </p:cTn>
-                  </p:par>
-                  <p:par>
-                    <p:cTn id="18" fill="hold">
-                      <p:stCondLst>
-                        <p:cond delay="indefinite"/>
-                      </p:stCondLst>
-                      <p:childTnLst>
-                        <p:par>
-                          <p:cTn id="19" fill="hold">
-                            <p:stCondLst>
-                              <p:cond delay="0"/>
-                            </p:stCondLst>
-                            <p:childTnLst>
-                              <p:par>
-                                <p:cTn id="20" presetID="10" presetClass="entr" presetSubtype="0" fill="hold" grpId="0" nodeType="clickEffect">
-                                  <p:stCondLst>
-                                    <p:cond delay="0"/>
-                                  </p:stCondLst>
-                                  <p:childTnLst>
-                                    <p:set>
-                                      <p:cBhvr>
-                                        <p:cTn id="21" dur="1" fill="hold">
-                                          <p:stCondLst>
-                                            <p:cond delay="0"/>
-                                          </p:stCondLst>
-                                        </p:cTn>
-                                        <p:tgtEl>
-                                          <p:spTgt spid="3">
-                                            <p:txEl>
-                                              <p:pRg st="3" end="3"/>
-                                            </p:txEl>
-                                          </p:spTgt>
-                                        </p:tgtEl>
-                                        <p:attrNameLst>
-                                          <p:attrName>style.visibility</p:attrName>
-                                        </p:attrNameLst>
-                                      </p:cBhvr>
-                                      <p:to>
-                                        <p:strVal val="visible"/>
-                                      </p:to>
-                                    </p:set>
-                                    <p:animEffect transition="in" filter="fade">
-                                      <p:cBhvr>
-                                        <p:cTn id="22" dur="500"/>
-                                        <p:tgtEl>
-                                          <p:spTgt spid="3">
-                                            <p:txEl>
-                                              <p:pRg st="3" end="3"/>
-                                            </p:txEl>
-                                          </p:spTgt>
-                                        </p:tgtEl>
-                                      </p:cBhvr>
-                                    </p:animEffect>
-                                  </p:childTnLst>
-                                </p:cTn>
-                              </p:par>
-                            </p:childTnLst>
-                          </p:cTn>
-                        </p:par>
-                      </p:childTnLst>
-                    </p:cTn>
-                  </p:par>
-                  <p:par>
-                    <p:cTn id="23" fill="hold">
-                      <p:stCondLst>
-                        <p:cond delay="indefinite"/>
-                      </p:stCondLst>
-                      <p:childTnLst>
-                        <p:par>
-                          <p:cTn id="24" fill="hold">
-                            <p:stCondLst>
-                              <p:cond delay="0"/>
-                            </p:stCondLst>
-                            <p:childTnLst>
-                              <p:par>
-                                <p:cTn id="25" presetID="10" presetClass="entr" presetSubtype="0" fill="hold" grpId="0" nodeType="clickEffect">
-                                  <p:stCondLst>
-                                    <p:cond delay="0"/>
-                                  </p:stCondLst>
-                                  <p:childTnLst>
-                                    <p:set>
-                                      <p:cBhvr>
-                                        <p:cTn id="26" dur="1" fill="hold">
-                                          <p:stCondLst>
-                                            <p:cond delay="0"/>
-                                          </p:stCondLst>
-                                        </p:cTn>
-                                        <p:tgtEl>
-                                          <p:spTgt spid="3">
-                                            <p:txEl>
-                                              <p:pRg st="4" end="4"/>
-                                            </p:txEl>
-                                          </p:spTgt>
-                                        </p:tgtEl>
-                                        <p:attrNameLst>
-                                          <p:attrName>style.visibility</p:attrName>
-                                        </p:attrNameLst>
-                                      </p:cBhvr>
-                                      <p:to>
-                                        <p:strVal val="visible"/>
-                                      </p:to>
-                                    </p:set>
-                                    <p:animEffect transition="in" filter="fade">
-                                      <p:cBhvr>
-                                        <p:cTn id="27" dur="500"/>
-                                        <p:tgtEl>
-                                          <p:spTgt spid="3">
-                                            <p:txEl>
-                                              <p:pRg st="4" end="4"/>
-                                            </p:txEl>
-                                          </p:spTgt>
-                                        </p:tgtEl>
-                                      </p:cBhvr>
-                                    </p:animEffect>
-                                  </p:childTnLst>
-                                </p:cTn>
-                              </p:par>
-                            </p:childTnLst>
-                          </p:cTn>
-                        </p:par>
-                      </p:childTnLst>
-                    </p:cTn>
-                  </p:par>
-                </p:childTnLst>
-              </p:cTn>
-              <p:prevCondLst>
-                <p:cond evt="onPrev" delay="0">
-                  <p:tgtEl>
-                    <p:sldTgt/>
-                  </p:tgtEl>
-                </p:cond>
-              </p:prevCondLst>
-              <p:nextCondLst>
-                <p:cond evt="onNext" delay="0">
-                  <p:tgtEl>
-                    <p:sldTgt/>
-                  </p:tgtEl>
-                </p:cond>
-              </p:nextCondLst>
-            </p:seq>
-          </p:childTnLst>
-        </p:cTn>
-      </p:par>
-    </p:tnLst>
-    <p:bldLst>
-      <p:bldP spid="3" grpId="0" uiExpand="1" build="p"/>
-    </p:bldLst>
-  </p:timing>
-</p:sld>
-</file>
-
-<file path=ppt/slides/slide12.xml><?xml version="1.0" encoding="utf-8"?>
-<p:sld xmlns:a="http://schemas.openxmlformats.org/drawingml/2006/main" xmlns:r="http://schemas.openxmlformats.org/officeDocument/2006/relationships" xmlns:p="http://schemas.openxmlformats.org/presentationml/2006/main">
-  <p:cSld>
-    <p:spTree>
-      <p:nvGrpSpPr>
-        <p:cNvPr id="1" name=""/>
-        <p:cNvGrpSpPr/>
-        <p:nvPr/>
-      </p:nvGrpSpPr>
-      <p:grpSpPr>
-        <a:xfrm>
-          <a:off x="0" y="0"/>
-          <a:ext cx="0" cy="0"/>
-          <a:chOff x="0" y="0"/>
-          <a:chExt cx="0" cy="0"/>
-        </a:xfrm>
-      </p:grpSpPr>
-      <p:sp>
-        <p:nvSpPr>
-          <p:cNvPr id="8" name="TextBox 7"/>
-          <p:cNvSpPr txBox="1"/>
-          <p:nvPr/>
-        </p:nvSpPr>
-        <p:spPr>
-          <a:xfrm>
-            <a:off x="4145965" y="-846623"/>
-            <a:ext cx="362072" cy="621556"/>
-          </a:xfrm>
-          <a:prstGeom prst="rect">
-            <a:avLst/>
-          </a:prstGeom>
-          <a:noFill/>
-        </p:spPr>
-        <p:txBody>
-          <a:bodyPr wrap="none" lIns="179285" tIns="143428" rIns="179285" bIns="143428" rtlCol="0">
-            <a:spAutoFit/>
-          </a:bodyPr>
-          <a:lstStyle/>
-          <a:p>
-            <a:pPr>
-              <a:lnSpc>
-                <a:spcPct val="90000"/>
-              </a:lnSpc>
-              <a:spcAft>
-                <a:spcPts val="588"/>
-              </a:spcAft>
-            </a:pPr>
-            <a:endParaRPr lang="en-US" sz="2353" dirty="0" err="1">
-              <a:gradFill>
-                <a:gsLst>
-                  <a:gs pos="2917">
-                    <a:schemeClr val="tx1"/>
-                  </a:gs>
-                  <a:gs pos="30000">
-                    <a:schemeClr val="tx1"/>
-                  </a:gs>
-                </a:gsLst>
-                <a:lin ang="5400000" scaled="0"/>
-              </a:gradFill>
-            </a:endParaRPr>
-          </a:p>
-        </p:txBody>
-      </p:sp>
-      <p:sp>
-        <p:nvSpPr>
-          <p:cNvPr id="12" name="TextBox 11"/>
-          <p:cNvSpPr txBox="1"/>
-          <p:nvPr/>
-        </p:nvSpPr>
-        <p:spPr>
-          <a:xfrm>
-            <a:off x="1701029" y="4730079"/>
-            <a:ext cx="5966529" cy="641215"/>
-          </a:xfrm>
-          <a:prstGeom prst="rect">
-            <a:avLst/>
-          </a:prstGeom>
-          <a:noFill/>
-          <a:ln w="12700" cap="flat">
-            <a:noFill/>
-            <a:miter lim="400000"/>
-          </a:ln>
-          <a:effectLst/>
-        </p:spPr>
-        <p:style>
-          <a:lnRef idx="0">
-            <a:scrgbClr r="0" g="0" b="0"/>
-          </a:lnRef>
-          <a:fillRef idx="0">
-            <a:scrgbClr r="0" g="0" b="0"/>
-          </a:fillRef>
-          <a:effectRef idx="0">
-            <a:scrgbClr r="0" g="0" b="0"/>
-          </a:effectRef>
-          <a:fontRef idx="none"/>
-        </p:style>
-        <p:txBody>
-          <a:bodyPr rot="0" spcFirstLastPara="1" vertOverflow="overflow" horzOverflow="overflow" vert="horz" wrap="square" lIns="18676" tIns="18676" rIns="18676" bIns="18676" numCol="1" spcCol="14288" rtlCol="0" anchor="ctr">
-            <a:spAutoFit/>
-          </a:bodyPr>
-          <a:lstStyle/>
-          <a:p>
-            <a:r>
-              <a:rPr lang="en-US" sz="1961" dirty="0">
-                <a:cs typeface="Arial"/>
-              </a:rPr>
-              <a:t>Javier Suárez</a:t>
-            </a:r>
-          </a:p>
-          <a:p>
-            <a:r>
-              <a:rPr lang="en-US" sz="1961" dirty="0">
-                <a:latin typeface="+mj-lt"/>
-                <a:cs typeface="Arial"/>
-              </a:rPr>
-              <a:t>Software Engineer, Microsoft</a:t>
-            </a:r>
-          </a:p>
-        </p:txBody>
-      </p:sp>
-      <p:cxnSp>
-        <p:nvCxnSpPr>
-          <p:cNvPr id="14" name="Straight Connector 13"/>
-          <p:cNvCxnSpPr/>
-          <p:nvPr/>
-        </p:nvCxnSpPr>
-        <p:spPr>
-          <a:xfrm flipV="1">
-            <a:off x="1775731" y="5590692"/>
-            <a:ext cx="9367329" cy="4668"/>
-          </a:xfrm>
-          <a:prstGeom prst="line">
-            <a:avLst/>
-          </a:prstGeom>
-          <a:ln>
-            <a:solidFill>
-              <a:srgbClr val="16ACEE"/>
-            </a:solidFill>
-            <a:headEnd type="none"/>
-            <a:tailEnd type="none"/>
-          </a:ln>
-        </p:spPr>
-        <p:style>
-          <a:lnRef idx="2">
-            <a:schemeClr val="accent6"/>
-          </a:lnRef>
-          <a:fillRef idx="0">
-            <a:schemeClr val="accent6"/>
-          </a:fillRef>
-          <a:effectRef idx="1">
-            <a:schemeClr val="accent6"/>
-          </a:effectRef>
-          <a:fontRef idx="minor">
-            <a:schemeClr val="tx1"/>
-          </a:fontRef>
-        </p:style>
-      </p:cxnSp>
-      <p:grpSp>
-        <p:nvGrpSpPr>
-          <p:cNvPr id="9" name="Group 8"/>
-          <p:cNvGrpSpPr/>
-          <p:nvPr/>
-        </p:nvGrpSpPr>
-        <p:grpSpPr>
-          <a:xfrm>
-            <a:off x="1701029" y="5819466"/>
-            <a:ext cx="9541633" cy="761555"/>
-            <a:chOff x="1735137" y="5935662"/>
-            <a:chExt cx="9732963" cy="776826"/>
-          </a:xfrm>
-        </p:grpSpPr>
-        <p:sp>
-          <p:nvSpPr>
-            <p:cNvPr id="10" name="TextBox 9"/>
-            <p:cNvSpPr txBox="1"/>
-            <p:nvPr/>
-          </p:nvSpPr>
-          <p:spPr>
-            <a:xfrm>
-              <a:off x="1735137" y="5935662"/>
-              <a:ext cx="3111241" cy="416635"/>
-            </a:xfrm>
-            <a:prstGeom prst="rect">
-              <a:avLst/>
-            </a:prstGeom>
-            <a:noFill/>
-          </p:spPr>
-          <p:txBody>
-            <a:bodyPr wrap="square" rtlCol="0">
-              <a:spAutoFit/>
-            </a:bodyPr>
-            <a:lstStyle/>
-            <a:p>
-              <a:pPr>
-                <a:lnSpc>
-                  <a:spcPct val="130000"/>
-                </a:lnSpc>
-              </a:pPr>
-              <a:r>
-                <a:rPr lang="en-US" sz="1765" dirty="0">
-                  <a:latin typeface="+mj-lt"/>
-                  <a:cs typeface="Arial"/>
-                </a:rPr>
-                <a:t>javiersuarezruiz@hotmail.com</a:t>
-              </a:r>
-            </a:p>
-          </p:txBody>
-        </p:sp>
-        <p:sp>
-          <p:nvSpPr>
-            <p:cNvPr id="11" name="TextBox 10"/>
-            <p:cNvSpPr txBox="1"/>
-            <p:nvPr/>
-          </p:nvSpPr>
-          <p:spPr>
-            <a:xfrm>
-              <a:off x="5086773" y="5935662"/>
-              <a:ext cx="3285701" cy="416635"/>
-            </a:xfrm>
-            <a:prstGeom prst="rect">
-              <a:avLst/>
-            </a:prstGeom>
-            <a:noFill/>
-          </p:spPr>
-          <p:txBody>
-            <a:bodyPr wrap="square" rtlCol="0">
-              <a:spAutoFit/>
-            </a:bodyPr>
-            <a:lstStyle/>
-            <a:p>
-              <a:pPr algn="ctr">
-                <a:lnSpc>
-                  <a:spcPct val="130000"/>
-                </a:lnSpc>
-              </a:pPr>
-              <a:r>
-                <a:rPr lang="en-US" sz="1765" dirty="0">
-                  <a:latin typeface="+mj-lt"/>
-                  <a:cs typeface="Arial"/>
-                </a:rPr>
-                <a:t>javiersuarezruiz.wordpress.com</a:t>
-              </a:r>
-            </a:p>
-          </p:txBody>
-        </p:sp>
-        <p:sp>
-          <p:nvSpPr>
-            <p:cNvPr id="15" name="TextBox 14"/>
-            <p:cNvSpPr txBox="1"/>
-            <p:nvPr/>
-          </p:nvSpPr>
-          <p:spPr>
-            <a:xfrm>
-              <a:off x="8978900" y="5935662"/>
-              <a:ext cx="2489200" cy="776826"/>
-            </a:xfrm>
-            <a:prstGeom prst="rect">
-              <a:avLst/>
-            </a:prstGeom>
-            <a:noFill/>
-          </p:spPr>
-          <p:txBody>
-            <a:bodyPr wrap="square" rtlCol="0">
-              <a:spAutoFit/>
-            </a:bodyPr>
-            <a:lstStyle/>
-            <a:p>
-              <a:pPr algn="r">
-                <a:lnSpc>
-                  <a:spcPct val="130000"/>
-                </a:lnSpc>
-              </a:pPr>
-              <a:r>
-                <a:rPr lang="en-US" sz="1765" dirty="0">
-                  <a:latin typeface="+mj-lt"/>
-                  <a:cs typeface="Arial"/>
-                </a:rPr>
-                <a:t>@jsuarezruiz</a:t>
-              </a:r>
-            </a:p>
-            <a:p>
-              <a:pPr algn="r">
-                <a:lnSpc>
-                  <a:spcPct val="130000"/>
-                </a:lnSpc>
-              </a:pPr>
-              <a:r>
-                <a:rPr lang="en-US" sz="1765" dirty="0">
-                  <a:latin typeface="+mj-lt"/>
-                  <a:cs typeface="Arial"/>
-                </a:rPr>
-                <a:t>/</a:t>
-              </a:r>
-              <a:r>
-                <a:rPr lang="en-US" sz="1765" dirty="0" err="1">
-                  <a:latin typeface="+mj-lt"/>
-                  <a:cs typeface="Arial"/>
-                </a:rPr>
-                <a:t>JavierSuarezRuiz</a:t>
-              </a:r>
-              <a:endParaRPr lang="en-US" sz="1765" dirty="0">
-                <a:latin typeface="+mj-lt"/>
-                <a:cs typeface="Arial"/>
-              </a:endParaRPr>
-            </a:p>
-          </p:txBody>
-        </p:sp>
-      </p:grpSp>
-      <p:pic>
-        <p:nvPicPr>
-          <p:cNvPr id="1026" name="Picture 2" descr="See the source image">
-            <a:extLst>
-              <a:ext uri="{FF2B5EF4-FFF2-40B4-BE49-F238E27FC236}">
-                <a16:creationId xmlns:a16="http://schemas.microsoft.com/office/drawing/2014/main" id="{9B5CF540-6DA5-4412-A609-5262A53EA2F9}"/>
-              </a:ext>
-            </a:extLst>
-          </p:cNvPr>
-          <p:cNvPicPr>
-            <a:picLocks noChangeAspect="1" noChangeArrowheads="1"/>
-          </p:cNvPicPr>
-          <p:nvPr/>
-        </p:nvPicPr>
-        <p:blipFill>
-          <a:blip r:embed="rId3">
-            <a:extLst>
-              <a:ext uri="{28A0092B-C50C-407E-A947-70E740481C1C}">
-                <a14:useLocalDpi xmlns:a14="http://schemas.microsoft.com/office/drawing/2010/main" val="0"/>
-              </a:ext>
-            </a:extLst>
-          </a:blip>
-          <a:srcRect/>
-          <a:stretch>
-            <a:fillRect/>
-          </a:stretch>
-        </p:blipFill>
-        <p:spPr bwMode="auto">
-          <a:xfrm>
-            <a:off x="8680990" y="5901403"/>
-            <a:ext cx="326511" cy="326511"/>
-          </a:xfrm>
-          <a:prstGeom prst="rect">
-            <a:avLst/>
-          </a:prstGeom>
-          <a:noFill/>
-          <a:extLst>
-            <a:ext uri="{909E8E84-426E-40DD-AFC4-6F175D3DCCD1}">
-              <a14:hiddenFill xmlns:a14="http://schemas.microsoft.com/office/drawing/2010/main">
-                <a:solidFill>
-                  <a:srgbClr val="FFFFFF"/>
-                </a:solidFill>
-              </a14:hiddenFill>
-            </a:ext>
-          </a:extLst>
-        </p:spPr>
-      </p:pic>
-      <p:pic>
-        <p:nvPicPr>
-          <p:cNvPr id="1028" name="Picture 4" descr="See the source image">
-            <a:extLst>
-              <a:ext uri="{FF2B5EF4-FFF2-40B4-BE49-F238E27FC236}">
-                <a16:creationId xmlns:a16="http://schemas.microsoft.com/office/drawing/2014/main" id="{5010391C-E630-4CE0-AF40-750F7E85C5C9}"/>
-              </a:ext>
-            </a:extLst>
-          </p:cNvPr>
-          <p:cNvPicPr>
-            <a:picLocks noChangeAspect="1" noChangeArrowheads="1"/>
-          </p:cNvPicPr>
-          <p:nvPr/>
-        </p:nvPicPr>
-        <p:blipFill>
-          <a:blip r:embed="rId4">
-            <a:extLst>
-              <a:ext uri="{28A0092B-C50C-407E-A947-70E740481C1C}">
-                <a14:useLocalDpi xmlns:a14="http://schemas.microsoft.com/office/drawing/2010/main" val="0"/>
-              </a:ext>
-            </a:extLst>
-          </a:blip>
-          <a:srcRect/>
-          <a:stretch>
-            <a:fillRect/>
-          </a:stretch>
-        </p:blipFill>
-        <p:spPr bwMode="auto">
-          <a:xfrm>
-            <a:off x="8628652" y="6208539"/>
-            <a:ext cx="431185" cy="431185"/>
-          </a:xfrm>
-          <a:prstGeom prst="rect">
-            <a:avLst/>
-          </a:prstGeom>
-          <a:noFill/>
-          <a:extLst>
-            <a:ext uri="{909E8E84-426E-40DD-AFC4-6F175D3DCCD1}">
-              <a14:hiddenFill xmlns:a14="http://schemas.microsoft.com/office/drawing/2010/main">
-                <a:solidFill>
-                  <a:srgbClr val="FFFFFF"/>
-                </a:solidFill>
-              </a14:hiddenFill>
-            </a:ext>
-          </a:extLst>
-        </p:spPr>
-      </p:pic>
-      <p:pic>
-        <p:nvPicPr>
-          <p:cNvPr id="17" name="Picture 16" descr="A picture containing text, vector graphics&#10;&#10;Description automatically generated">
-            <a:extLst>
-              <a:ext uri="{FF2B5EF4-FFF2-40B4-BE49-F238E27FC236}">
-                <a16:creationId xmlns:a16="http://schemas.microsoft.com/office/drawing/2014/main" id="{10A87296-42B9-4C80-97B7-10D50F17BA4D}"/>
-              </a:ext>
-            </a:extLst>
-          </p:cNvPr>
-          <p:cNvPicPr>
-            <a:picLocks noChangeAspect="1"/>
-          </p:cNvPicPr>
-          <p:nvPr/>
-        </p:nvPicPr>
-        <p:blipFill>
-          <a:blip r:embed="rId5"/>
-          <a:stretch>
-            <a:fillRect/>
-          </a:stretch>
-        </p:blipFill>
-        <p:spPr>
-          <a:xfrm>
-            <a:off x="-79447" y="4510680"/>
-            <a:ext cx="2026069" cy="2029562"/>
-          </a:xfrm>
-          <a:prstGeom prst="rect">
-            <a:avLst/>
-          </a:prstGeom>
-        </p:spPr>
-      </p:pic>
-    </p:spTree>
-    <p:extLst>
-      <p:ext uri="{BB962C8B-B14F-4D97-AF65-F5344CB8AC3E}">
-        <p14:creationId xmlns:p14="http://schemas.microsoft.com/office/powerpoint/2010/main" val="1975960378"/>
-      </p:ext>
-    </p:extLst>
-  </p:cSld>
-  <p:clrMapOvr>
-    <a:masterClrMapping/>
-  </p:clrMapOvr>
-  <p:transition>
-    <p:fade/>
-  </p:transition>
-</p:sld>
-</file>
-
-<file path=ppt/slides/slide2.xml><?xml version="1.0" encoding="utf-8"?>
-<p:sld xmlns:a="http://schemas.openxmlformats.org/drawingml/2006/main" xmlns:r="http://schemas.openxmlformats.org/officeDocument/2006/relationships" xmlns:p="http://schemas.openxmlformats.org/presentationml/2006/main">
-  <p:cSld>
-    <p:spTree>
-      <p:nvGrpSpPr>
-        <p:cNvPr id="1" name=""/>
-        <p:cNvGrpSpPr/>
-        <p:nvPr/>
-      </p:nvGrpSpPr>
-      <p:grpSpPr>
-        <a:xfrm>
-          <a:off x="0" y="0"/>
-          <a:ext cx="0" cy="0"/>
-          <a:chOff x="0" y="0"/>
-          <a:chExt cx="0" cy="0"/>
-        </a:xfrm>
-      </p:grpSpPr>
-      <p:pic>
-        <p:nvPicPr>
-          <p:cNvPr id="3" name="Picture 2" descr="Graphical user interface, application, Teams&#10;&#10;Description automatically generated">
-            <a:extLst>
-              <a:ext uri="{FF2B5EF4-FFF2-40B4-BE49-F238E27FC236}">
-                <a16:creationId xmlns:a16="http://schemas.microsoft.com/office/drawing/2014/main" id="{0FA823B1-86A2-4A3F-8713-882F23E7AEE5}"/>
-              </a:ext>
-            </a:extLst>
-          </p:cNvPr>
-          <p:cNvPicPr>
-            <a:picLocks noChangeAspect="1"/>
-          </p:cNvPicPr>
-          <p:nvPr/>
-        </p:nvPicPr>
-        <p:blipFill>
-          <a:blip r:embed="rId2"/>
-          <a:stretch>
-            <a:fillRect/>
-          </a:stretch>
-        </p:blipFill>
-        <p:spPr>
-          <a:xfrm>
-            <a:off x="0" y="0"/>
-            <a:ext cx="12192000" cy="6858000"/>
-          </a:xfrm>
-          <a:prstGeom prst="rect">
-            <a:avLst/>
-          </a:prstGeom>
-        </p:spPr>
-      </p:pic>
-    </p:spTree>
-    <p:extLst>
-      <p:ext uri="{BB962C8B-B14F-4D97-AF65-F5344CB8AC3E}">
-        <p14:creationId xmlns:p14="http://schemas.microsoft.com/office/powerpoint/2010/main" val="3918130279"/>
-      </p:ext>
-    </p:extLst>
-  </p:cSld>
-  <p:clrMapOvr>
-    <a:masterClrMapping/>
-  </p:clrMapOvr>
-  <p:transition>
-    <p:fade/>
-  </p:transition>
-</p:sld>
-</file>
-
-<file path=ppt/slides/slide3.xml><?xml version="1.0" encoding="utf-8"?>
-<p:sld xmlns:a="http://schemas.openxmlformats.org/drawingml/2006/main" xmlns:r="http://schemas.openxmlformats.org/officeDocument/2006/relationships" xmlns:p="http://schemas.openxmlformats.org/presentationml/2006/main">
-  <p:cSld>
-    <p:spTree>
-      <p:nvGrpSpPr>
-        <p:cNvPr id="1" name=""/>
-        <p:cNvGrpSpPr/>
-        <p:nvPr/>
-      </p:nvGrpSpPr>
-      <p:grpSpPr>
-        <a:xfrm>
-          <a:off x="0" y="0"/>
-          <a:ext cx="0" cy="0"/>
-          <a:chOff x="0" y="0"/>
-          <a:chExt cx="0" cy="0"/>
-        </a:xfrm>
-      </p:grpSpPr>
-      <p:sp>
-        <p:nvSpPr>
-          <p:cNvPr id="2" name="Title 1">
-            <a:extLst>
-              <a:ext uri="{FF2B5EF4-FFF2-40B4-BE49-F238E27FC236}">
-                <a16:creationId xmlns:a16="http://schemas.microsoft.com/office/drawing/2014/main" id="{243FAE69-6AB9-4165-AE0C-478D4EEED379}"/>
-              </a:ext>
-            </a:extLst>
-          </p:cNvPr>
-          <p:cNvSpPr>
-            <a:spLocks noGrp="1"/>
-          </p:cNvSpPr>
-          <p:nvPr>
-            <p:ph type="title"/>
-          </p:nvPr>
-        </p:nvSpPr>
-        <p:spPr/>
-        <p:txBody>
-          <a:bodyPr/>
-          <a:lstStyle/>
-          <a:p>
-            <a:r>
-              <a:rPr lang="en-US" dirty="0"/>
-              <a:t>¿</a:t>
-            </a:r>
-            <a:r>
-              <a:rPr lang="en-US" dirty="0" err="1"/>
-              <a:t>Qué</a:t>
-            </a:r>
-            <a:r>
-              <a:rPr lang="en-US" dirty="0"/>
-              <a:t> </a:t>
-            </a:r>
-            <a:r>
-              <a:rPr lang="en-US" dirty="0" err="1"/>
-              <a:t>vamos</a:t>
-            </a:r>
-            <a:r>
-              <a:rPr lang="en-US" dirty="0"/>
-              <a:t> a </a:t>
-            </a:r>
-            <a:r>
-              <a:rPr lang="en-US" dirty="0" err="1"/>
-              <a:t>ver</a:t>
-            </a:r>
-            <a:r>
-              <a:rPr lang="en-US" dirty="0"/>
-              <a:t>?</a:t>
-            </a:r>
-          </a:p>
-        </p:txBody>
-      </p:sp>
-      <p:sp>
-        <p:nvSpPr>
-          <p:cNvPr id="4" name="TextBox 3">
-            <a:extLst>
-              <a:ext uri="{FF2B5EF4-FFF2-40B4-BE49-F238E27FC236}">
-                <a16:creationId xmlns:a16="http://schemas.microsoft.com/office/drawing/2014/main" id="{526BEDB7-C084-405A-9360-8255E0C5982C}"/>
-              </a:ext>
-            </a:extLst>
-          </p:cNvPr>
-          <p:cNvSpPr txBox="1"/>
-          <p:nvPr/>
-        </p:nvSpPr>
-        <p:spPr>
-          <a:xfrm>
-            <a:off x="1165664" y="5665757"/>
-            <a:ext cx="6537488" cy="923330"/>
-          </a:xfrm>
-          <a:prstGeom prst="rect">
-            <a:avLst/>
-          </a:prstGeom>
-          <a:noFill/>
-        </p:spPr>
-        <p:txBody>
-          <a:bodyPr wrap="square">
-            <a:spAutoFit/>
-          </a:bodyPr>
-          <a:lstStyle/>
-          <a:p>
-            <a:r>
-              <a:rPr lang="en-US" dirty="0">
-                <a:hlinkClick r:id="rId2"/>
-              </a:rPr>
-              <a:t>dotnet-presentations/dotnet-</a:t>
-            </a:r>
-            <a:r>
-              <a:rPr lang="en-US" dirty="0" err="1">
-                <a:hlinkClick r:id="rId2"/>
-              </a:rPr>
-              <a:t>maui</a:t>
-            </a:r>
-            <a:r>
-              <a:rPr lang="en-US" dirty="0">
-                <a:hlinkClick r:id="rId2"/>
-              </a:rPr>
-              <a:t>-workshop: A full day workshop on how to build apps with .NET MAUI for iOS, Android, macOS, and Windows (github.com)</a:t>
-            </a:r>
-            <a:endParaRPr lang="en-US" dirty="0"/>
-          </a:p>
-        </p:txBody>
-      </p:sp>
-    </p:spTree>
-    <p:extLst>
-      <p:ext uri="{BB962C8B-B14F-4D97-AF65-F5344CB8AC3E}">
-        <p14:creationId xmlns:p14="http://schemas.microsoft.com/office/powerpoint/2010/main" val="3054429260"/>
-      </p:ext>
-    </p:extLst>
-  </p:cSld>
-  <p:clrMapOvr>
-    <a:masterClrMapping/>
-  </p:clrMapOvr>
-  <p:transition>
-    <p:fade/>
-  </p:transition>
-</p:sld>
-</file>
-
-<file path=ppt/slides/slide4.xml><?xml version="1.0" encoding="utf-8"?>
-<p:sld xmlns:a="http://schemas.openxmlformats.org/drawingml/2006/main" xmlns:r="http://schemas.openxmlformats.org/officeDocument/2006/relationships" xmlns:p="http://schemas.openxmlformats.org/presentationml/2006/main">
-  <p:cSld>
-    <p:spTree>
-      <p:nvGrpSpPr>
-        <p:cNvPr id="1" name=""/>
-        <p:cNvGrpSpPr/>
-        <p:nvPr/>
-      </p:nvGrpSpPr>
-      <p:grpSpPr>
-        <a:xfrm>
-          <a:off x="0" y="0"/>
-          <a:ext cx="0" cy="0"/>
-          <a:chOff x="0" y="0"/>
-          <a:chExt cx="0" cy="0"/>
-        </a:xfrm>
-      </p:grpSpPr>
-      <p:sp>
-        <p:nvSpPr>
-          <p:cNvPr id="5" name="Text Placeholder 4"/>
-          <p:cNvSpPr>
-            <a:spLocks noGrp="1"/>
-          </p:cNvSpPr>
-          <p:nvPr>
-            <p:ph type="body" sz="quarter" idx="10"/>
-          </p:nvPr>
-        </p:nvSpPr>
-        <p:spPr>
-          <a:xfrm>
-            <a:off x="419660" y="1572993"/>
-            <a:ext cx="12943442" cy="4519081"/>
-          </a:xfrm>
-        </p:spPr>
-        <p:txBody>
-          <a:bodyPr/>
-          <a:lstStyle/>
-          <a:p>
-            <a:pPr marL="560241" indent="-560241">
-              <a:lnSpc>
-                <a:spcPts val="4800"/>
-              </a:lnSpc>
-              <a:buFont typeface="Arial" charset="0"/>
-              <a:buChar char="•"/>
-            </a:pPr>
-            <a:r>
-              <a:rPr lang="en-US" sz="4000" dirty="0" err="1"/>
-              <a:t>Bienvenid</a:t>
-            </a:r>
-            <a:r>
-              <a:rPr lang="en-US" sz="4000" dirty="0"/>
-              <a:t>@ al taller</a:t>
-            </a:r>
-            <a:endParaRPr lang="en-US" sz="2432" dirty="0"/>
-          </a:p>
-          <a:p>
-            <a:pPr marL="560241" indent="-560241">
-              <a:lnSpc>
-                <a:spcPts val="4800"/>
-              </a:lnSpc>
-              <a:buFont typeface="Arial" charset="0"/>
-              <a:buChar char="•"/>
-            </a:pPr>
-            <a:r>
-              <a:rPr lang="en-US" sz="4000" dirty="0"/>
-              <a:t>¿</a:t>
-            </a:r>
-            <a:r>
-              <a:rPr lang="en-US" sz="4000" dirty="0" err="1"/>
-              <a:t>Qué</a:t>
-            </a:r>
-            <a:r>
-              <a:rPr lang="en-US" sz="4000" dirty="0"/>
-              <a:t> es .NET MAUI?</a:t>
-            </a:r>
-          </a:p>
-          <a:p>
-            <a:pPr marL="560241" indent="-560241">
-              <a:lnSpc>
-                <a:spcPts val="4800"/>
-              </a:lnSpc>
-              <a:buFont typeface="Arial" charset="0"/>
-              <a:buChar char="•"/>
-            </a:pPr>
-            <a:r>
-              <a:rPr lang="en-US" sz="4000" dirty="0"/>
-              <a:t>¿Por </a:t>
-            </a:r>
-            <a:r>
-              <a:rPr lang="en-US" sz="4000" dirty="0" err="1"/>
-              <a:t>qué</a:t>
-            </a:r>
-            <a:r>
-              <a:rPr lang="en-US" sz="4000" dirty="0"/>
-              <a:t> .NET MAUI?</a:t>
-            </a:r>
-          </a:p>
-          <a:p>
-            <a:pPr marL="560241" indent="-560241">
-              <a:lnSpc>
-                <a:spcPts val="4800"/>
-              </a:lnSpc>
-              <a:buFont typeface="Arial" charset="0"/>
-              <a:buChar char="•"/>
-            </a:pPr>
-            <a:r>
-              <a:rPr lang="en-US" sz="4000" dirty="0" err="1"/>
-              <a:t>Anatomía</a:t>
-            </a:r>
-            <a:r>
-              <a:rPr lang="en-US" sz="4000" dirty="0"/>
-              <a:t> de una App .NET MAUI</a:t>
-            </a:r>
-          </a:p>
-          <a:p>
-            <a:pPr marL="560241" indent="-560241">
-              <a:lnSpc>
-                <a:spcPts val="4800"/>
-              </a:lnSpc>
-              <a:buFont typeface="Arial" charset="0"/>
-              <a:buChar char="•"/>
-            </a:pPr>
-            <a:r>
-              <a:rPr lang="en-US" sz="4000" dirty="0" err="1"/>
-              <a:t>Prerequisitos</a:t>
-            </a:r>
-            <a:endParaRPr lang="en-US" sz="4000" dirty="0"/>
-          </a:p>
-          <a:p>
-            <a:pPr marL="560241" indent="-560241">
-              <a:lnSpc>
-                <a:spcPts val="4800"/>
-              </a:lnSpc>
-              <a:buFont typeface="Arial" charset="0"/>
-              <a:buChar char="•"/>
-            </a:pPr>
-            <a:r>
-              <a:rPr lang="en-US" sz="4000" dirty="0" err="1"/>
-              <a:t>Instalación</a:t>
-            </a:r>
-            <a:r>
-              <a:rPr lang="en-US" sz="4000" dirty="0"/>
-              <a:t> </a:t>
-            </a:r>
-            <a:r>
-              <a:rPr lang="en-US" sz="4000" dirty="0" err="1"/>
-              <a:t>en</a:t>
-            </a:r>
-            <a:r>
-              <a:rPr lang="en-US" sz="4000" dirty="0"/>
-              <a:t> Windows</a:t>
-            </a:r>
-          </a:p>
-        </p:txBody>
-      </p:sp>
-      <p:sp>
-        <p:nvSpPr>
-          <p:cNvPr id="2" name="Title 1"/>
-          <p:cNvSpPr>
-            <a:spLocks noGrp="1"/>
-          </p:cNvSpPr>
-          <p:nvPr>
-            <p:ph type="title"/>
-          </p:nvPr>
-        </p:nvSpPr>
-        <p:spPr>
-          <a:xfrm>
-            <a:off x="419660" y="289511"/>
-            <a:ext cx="11564484" cy="899665"/>
-          </a:xfrm>
-        </p:spPr>
-        <p:txBody>
-          <a:bodyPr/>
-          <a:lstStyle/>
-          <a:p>
-            <a:r>
-              <a:rPr lang="en-US" dirty="0"/>
-              <a:t>¿</a:t>
-            </a:r>
-            <a:r>
-              <a:rPr lang="en-US" dirty="0" err="1"/>
-              <a:t>Qué</a:t>
-            </a:r>
-            <a:r>
-              <a:rPr lang="en-US" dirty="0"/>
-              <a:t> </a:t>
-            </a:r>
-            <a:r>
-              <a:rPr lang="en-US" dirty="0" err="1"/>
-              <a:t>vamos</a:t>
-            </a:r>
-            <a:r>
-              <a:rPr lang="en-US" dirty="0"/>
-              <a:t> a </a:t>
-            </a:r>
-            <a:r>
-              <a:rPr lang="en-US" dirty="0" err="1"/>
-              <a:t>ver</a:t>
-            </a:r>
-            <a:r>
-              <a:rPr lang="en-US" dirty="0"/>
-              <a:t>?</a:t>
-            </a:r>
-          </a:p>
-        </p:txBody>
-      </p:sp>
-    </p:spTree>
-    <p:extLst>
-      <p:ext uri="{BB962C8B-B14F-4D97-AF65-F5344CB8AC3E}">
-        <p14:creationId xmlns:p14="http://schemas.microsoft.com/office/powerpoint/2010/main" val="4148325647"/>
-      </p:ext>
-    </p:extLst>
-  </p:cSld>
-  <p:clrMapOvr>
-    <a:masterClrMapping/>
-  </p:clrMapOvr>
-  <p:transition>
-    <p:fade/>
-  </p:transition>
-  <p:timing>
-    <p:tnLst>
-      <p:par>
-        <p:cTn id="1" dur="indefinite" restart="never" nodeType="tmRoot">
-          <p:childTnLst>
-            <p:seq concurrent="1" nextAc="seek">
-              <p:cTn id="2" dur="indefinite" nodeType="mainSeq">
-                <p:childTnLst>
-                  <p:par>
-                    <p:cTn id="3" fill="hold">
-                      <p:stCondLst>
-                        <p:cond delay="indefinite"/>
-                        <p:cond evt="onBegin" delay="0">
-                          <p:tn val="2"/>
-                        </p:cond>
-                      </p:stCondLst>
-                      <p:childTnLst>
-                        <p:par>
-                          <p:cTn id="4" fill="hold">
-                            <p:stCondLst>
-                              <p:cond delay="0"/>
-                            </p:stCondLst>
-                            <p:childTnLst>
-                              <p:par>
-                                <p:cTn id="5" presetID="10" presetClass="entr" presetSubtype="0" fill="hold" grpId="0" nodeType="withEffect">
-                                  <p:stCondLst>
-                                    <p:cond delay="0"/>
-                                  </p:stCondLst>
-                                  <p:childTnLst>
-                                    <p:set>
-                                      <p:cBhvr>
-                                        <p:cTn id="6" dur="1" fill="hold">
-                                          <p:stCondLst>
-                                            <p:cond delay="0"/>
-                                          </p:stCondLst>
-                                        </p:cTn>
-                                        <p:tgtEl>
-                                          <p:spTgt spid="5">
-                                            <p:txEl>
-                                              <p:pRg st="0" end="0"/>
-                                            </p:txEl>
-                                          </p:spTgt>
-                                        </p:tgtEl>
-                                        <p:attrNameLst>
-                                          <p:attrName>style.visibility</p:attrName>
-                                        </p:attrNameLst>
-                                      </p:cBhvr>
-                                      <p:to>
-                                        <p:strVal val="visible"/>
-                                      </p:to>
-                                    </p:set>
-                                    <p:animEffect transition="in" filter="fade">
-                                      <p:cBhvr>
-                                        <p:cTn id="7" dur="500"/>
-                                        <p:tgtEl>
-                                          <p:spTgt spid="5">
-                                            <p:txEl>
-                                              <p:pRg st="0" end="0"/>
-                                            </p:txEl>
-                                          </p:spTgt>
-                                        </p:tgtEl>
-                                      </p:cBhvr>
-                                    </p:animEffect>
-                                  </p:childTnLst>
-                                </p:cTn>
-                              </p:par>
-                            </p:childTnLst>
-                          </p:cTn>
-                        </p:par>
-                      </p:childTnLst>
-                    </p:cTn>
-                  </p:par>
-                  <p:par>
-                    <p:cTn id="8" fill="hold">
-                      <p:stCondLst>
-                        <p:cond delay="indefinite"/>
-                      </p:stCondLst>
-                      <p:childTnLst>
-                        <p:par>
-                          <p:cTn id="9" fill="hold">
-                            <p:stCondLst>
-                              <p:cond delay="0"/>
-                            </p:stCondLst>
-                            <p:childTnLst>
-                              <p:par>
-                                <p:cTn id="10" presetID="10" presetClass="entr" presetSubtype="0" fill="hold" grpId="0" nodeType="clickEffect">
-                                  <p:stCondLst>
-                                    <p:cond delay="0"/>
-                                  </p:stCondLst>
-                                  <p:childTnLst>
-                                    <p:set>
-                                      <p:cBhvr>
-                                        <p:cTn id="11" dur="1" fill="hold">
-                                          <p:stCondLst>
-                                            <p:cond delay="0"/>
-                                          </p:stCondLst>
-                                        </p:cTn>
-                                        <p:tgtEl>
-                                          <p:spTgt spid="5">
-                                            <p:txEl>
-                                              <p:pRg st="1" end="1"/>
-                                            </p:txEl>
-                                          </p:spTgt>
-                                        </p:tgtEl>
-                                        <p:attrNameLst>
-                                          <p:attrName>style.visibility</p:attrName>
-                                        </p:attrNameLst>
-                                      </p:cBhvr>
-                                      <p:to>
-                                        <p:strVal val="visible"/>
-                                      </p:to>
-                                    </p:set>
-                                    <p:animEffect transition="in" filter="fade">
-                                      <p:cBhvr>
-                                        <p:cTn id="12" dur="500"/>
-                                        <p:tgtEl>
-                                          <p:spTgt spid="5">
-                                            <p:txEl>
-                                              <p:pRg st="1" end="1"/>
-                                            </p:txEl>
-                                          </p:spTgt>
-                                        </p:tgtEl>
-                                      </p:cBhvr>
-                                    </p:animEffect>
-                                  </p:childTnLst>
-                                </p:cTn>
-                              </p:par>
-                            </p:childTnLst>
-                          </p:cTn>
-                        </p:par>
-                      </p:childTnLst>
-                    </p:cTn>
-                  </p:par>
-                  <p:par>
-                    <p:cTn id="13" fill="hold">
-                      <p:stCondLst>
-                        <p:cond delay="indefinite"/>
-                      </p:stCondLst>
-                      <p:childTnLst>
-                        <p:par>
-                          <p:cTn id="14" fill="hold">
-                            <p:stCondLst>
-                              <p:cond delay="0"/>
-                            </p:stCondLst>
-                            <p:childTnLst>
-                              <p:par>
-                                <p:cTn id="15" presetID="10" presetClass="entr" presetSubtype="0" fill="hold" grpId="0" nodeType="clickEffect">
-                                  <p:stCondLst>
-                                    <p:cond delay="0"/>
-                                  </p:stCondLst>
-                                  <p:childTnLst>
-                                    <p:set>
-                                      <p:cBhvr>
-                                        <p:cTn id="16" dur="1" fill="hold">
-                                          <p:stCondLst>
-                                            <p:cond delay="0"/>
-                                          </p:stCondLst>
-                                        </p:cTn>
-                                        <p:tgtEl>
-                                          <p:spTgt spid="5">
-                                            <p:txEl>
-                                              <p:pRg st="2" end="2"/>
-                                            </p:txEl>
-                                          </p:spTgt>
-                                        </p:tgtEl>
-                                        <p:attrNameLst>
-                                          <p:attrName>style.visibility</p:attrName>
-                                        </p:attrNameLst>
-                                      </p:cBhvr>
-                                      <p:to>
-                                        <p:strVal val="visible"/>
-                                      </p:to>
-                                    </p:set>
-                                    <p:animEffect transition="in" filter="fade">
-                                      <p:cBhvr>
-                                        <p:cTn id="17" dur="500"/>
-                                        <p:tgtEl>
-                                          <p:spTgt spid="5">
-                                            <p:txEl>
-                                              <p:pRg st="2" end="2"/>
-                                            </p:txEl>
-                                          </p:spTgt>
-                                        </p:tgtEl>
-                                      </p:cBhvr>
-                                    </p:animEffect>
-                                  </p:childTnLst>
-                                </p:cTn>
-                              </p:par>
-                            </p:childTnLst>
-                          </p:cTn>
-                        </p:par>
-                      </p:childTnLst>
-                    </p:cTn>
-                  </p:par>
-                  <p:par>
-                    <p:cTn id="18" fill="hold">
-                      <p:stCondLst>
-                        <p:cond delay="indefinite"/>
-                      </p:stCondLst>
-                      <p:childTnLst>
-                        <p:par>
-                          <p:cTn id="19" fill="hold">
-                            <p:stCondLst>
-                              <p:cond delay="0"/>
-                            </p:stCondLst>
-                            <p:childTnLst>
-                              <p:par>
-                                <p:cTn id="20" presetID="10" presetClass="entr" presetSubtype="0" fill="hold" grpId="0" nodeType="clickEffect">
-                                  <p:stCondLst>
-                                    <p:cond delay="0"/>
-                                  </p:stCondLst>
-                                  <p:childTnLst>
-                                    <p:set>
-                                      <p:cBhvr>
-                                        <p:cTn id="21" dur="1" fill="hold">
-                                          <p:stCondLst>
-                                            <p:cond delay="0"/>
-                                          </p:stCondLst>
-                                        </p:cTn>
-                                        <p:tgtEl>
-                                          <p:spTgt spid="5">
-                                            <p:txEl>
-                                              <p:pRg st="3" end="3"/>
-                                            </p:txEl>
-                                          </p:spTgt>
-                                        </p:tgtEl>
-                                        <p:attrNameLst>
-                                          <p:attrName>style.visibility</p:attrName>
-                                        </p:attrNameLst>
-                                      </p:cBhvr>
-                                      <p:to>
-                                        <p:strVal val="visible"/>
-                                      </p:to>
-                                    </p:set>
-                                    <p:animEffect transition="in" filter="fade">
-                                      <p:cBhvr>
-                                        <p:cTn id="22" dur="500"/>
-                                        <p:tgtEl>
-                                          <p:spTgt spid="5">
-                                            <p:txEl>
-                                              <p:pRg st="3" end="3"/>
-                                            </p:txEl>
-                                          </p:spTgt>
-                                        </p:tgtEl>
-                                      </p:cBhvr>
-                                    </p:animEffect>
-                                  </p:childTnLst>
-                                </p:cTn>
-                              </p:par>
-                            </p:childTnLst>
-                          </p:cTn>
-                        </p:par>
-                      </p:childTnLst>
-                    </p:cTn>
-                  </p:par>
-                  <p:par>
-                    <p:cTn id="23" fill="hold">
-                      <p:stCondLst>
-                        <p:cond delay="indefinite"/>
-                      </p:stCondLst>
-                      <p:childTnLst>
-                        <p:par>
-                          <p:cTn id="24" fill="hold">
-                            <p:stCondLst>
-                              <p:cond delay="0"/>
-                            </p:stCondLst>
-                            <p:childTnLst>
-                              <p:par>
-                                <p:cTn id="25" presetID="10" presetClass="entr" presetSubtype="0" fill="hold" grpId="0" nodeType="clickEffect">
-                                  <p:stCondLst>
-                                    <p:cond delay="0"/>
-                                  </p:stCondLst>
-                                  <p:childTnLst>
-                                    <p:set>
-                                      <p:cBhvr>
-                                        <p:cTn id="26" dur="1" fill="hold">
-                                          <p:stCondLst>
-                                            <p:cond delay="0"/>
-                                          </p:stCondLst>
-                                        </p:cTn>
-                                        <p:tgtEl>
-                                          <p:spTgt spid="5">
-                                            <p:txEl>
-                                              <p:pRg st="4" end="4"/>
-                                            </p:txEl>
-                                          </p:spTgt>
-                                        </p:tgtEl>
-                                        <p:attrNameLst>
-                                          <p:attrName>style.visibility</p:attrName>
-                                        </p:attrNameLst>
-                                      </p:cBhvr>
-                                      <p:to>
-                                        <p:strVal val="visible"/>
-                                      </p:to>
-                                    </p:set>
-                                    <p:animEffect transition="in" filter="fade">
-                                      <p:cBhvr>
-                                        <p:cTn id="27" dur="500"/>
-                                        <p:tgtEl>
-                                          <p:spTgt spid="5">
-                                            <p:txEl>
-                                              <p:pRg st="4" end="4"/>
-                                            </p:txEl>
-                                          </p:spTgt>
-                                        </p:tgtEl>
-                                      </p:cBhvr>
-                                    </p:animEffect>
-                                  </p:childTnLst>
-                                </p:cTn>
-                              </p:par>
-                            </p:childTnLst>
-                          </p:cTn>
-                        </p:par>
-                      </p:childTnLst>
-                    </p:cTn>
-                  </p:par>
-                  <p:par>
-                    <p:cTn id="28" fill="hold">
-                      <p:stCondLst>
-                        <p:cond delay="indefinite"/>
-                      </p:stCondLst>
-                      <p:childTnLst>
-                        <p:par>
-                          <p:cTn id="29" fill="hold">
-                            <p:stCondLst>
-                              <p:cond delay="0"/>
-                            </p:stCondLst>
-                            <p:childTnLst>
-                              <p:par>
-                                <p:cTn id="30" presetID="10" presetClass="entr" presetSubtype="0" fill="hold" grpId="0" nodeType="clickEffect">
-                                  <p:stCondLst>
-                                    <p:cond delay="0"/>
-                                  </p:stCondLst>
-                                  <p:childTnLst>
-                                    <p:set>
-                                      <p:cBhvr>
-                                        <p:cTn id="31" dur="1" fill="hold">
-                                          <p:stCondLst>
-                                            <p:cond delay="0"/>
-                                          </p:stCondLst>
-                                        </p:cTn>
-                                        <p:tgtEl>
-                                          <p:spTgt spid="5">
-                                            <p:txEl>
-                                              <p:pRg st="5" end="5"/>
-                                            </p:txEl>
-                                          </p:spTgt>
-                                        </p:tgtEl>
-                                        <p:attrNameLst>
-                                          <p:attrName>style.visibility</p:attrName>
-                                        </p:attrNameLst>
-                                      </p:cBhvr>
-                                      <p:to>
-                                        <p:strVal val="visible"/>
-                                      </p:to>
-                                    </p:set>
-                                    <p:animEffect transition="in" filter="fade">
-                                      <p:cBhvr>
-                                        <p:cTn id="32" dur="500"/>
-                                        <p:tgtEl>
-                                          <p:spTgt spid="5">
-                                            <p:txEl>
-                                              <p:pRg st="5" end="5"/>
-                                            </p:txEl>
-                                          </p:spTgt>
-                                        </p:tgtEl>
-                                      </p:cBhvr>
-                                    </p:animEffect>
-                                  </p:childTnLst>
-                                </p:cTn>
-                              </p:par>
-                            </p:childTnLst>
-                          </p:cTn>
-                        </p:par>
-                      </p:childTnLst>
-                    </p:cTn>
-                  </p:par>
-                </p:childTnLst>
-              </p:cTn>
-              <p:prevCondLst>
-                <p:cond evt="onPrev" delay="0">
-                  <p:tgtEl>
-                    <p:sldTgt/>
-                  </p:tgtEl>
-                </p:cond>
-              </p:prevCondLst>
-              <p:nextCondLst>
-                <p:cond evt="onNext" delay="0">
-                  <p:tgtEl>
-                    <p:sldTgt/>
-                  </p:tgtEl>
-                </p:cond>
-              </p:nextCondLst>
-            </p:seq>
-          </p:childTnLst>
-        </p:cTn>
-      </p:par>
-    </p:tnLst>
-    <p:bldLst>
-      <p:bldP spid="5" grpId="0" build="p"/>
-    </p:bldLst>
-  </p:timing>
-</p:sld>
-</file>
-
-<file path=ppt/slides/slide5.xml><?xml version="1.0" encoding="utf-8"?>
-<p:sld xmlns:a="http://schemas.openxmlformats.org/drawingml/2006/main" xmlns:r="http://schemas.openxmlformats.org/officeDocument/2006/relationships" xmlns:p="http://schemas.openxmlformats.org/presentationml/2006/main">
-  <p:cSld>
-    <p:spTree>
-      <p:nvGrpSpPr>
-        <p:cNvPr id="1" name=""/>
-        <p:cNvGrpSpPr/>
-        <p:nvPr/>
-      </p:nvGrpSpPr>
-      <p:grpSpPr>
-        <a:xfrm>
-          <a:off x="0" y="0"/>
-          <a:ext cx="0" cy="0"/>
-          <a:chOff x="0" y="0"/>
-          <a:chExt cx="0" cy="0"/>
-        </a:xfrm>
-      </p:grpSpPr>
-      <p:sp>
-        <p:nvSpPr>
-          <p:cNvPr id="5" name="Text Placeholder 4"/>
-          <p:cNvSpPr>
-            <a:spLocks noGrp="1"/>
-          </p:cNvSpPr>
-          <p:nvPr>
-            <p:ph type="body" sz="quarter" idx="10"/>
-          </p:nvPr>
-        </p:nvSpPr>
-        <p:spPr>
-          <a:xfrm>
-            <a:off x="419660" y="1572993"/>
-            <a:ext cx="12943442" cy="4519081"/>
-          </a:xfrm>
-        </p:spPr>
-        <p:txBody>
-          <a:bodyPr/>
-          <a:lstStyle/>
-          <a:p>
-            <a:pPr marL="560241" indent="-560241">
-              <a:lnSpc>
-                <a:spcPts val="4800"/>
-              </a:lnSpc>
-              <a:buFont typeface="Arial" charset="0"/>
-              <a:buChar char="•"/>
-            </a:pPr>
-            <a:r>
-              <a:rPr lang="en-US" sz="4000" dirty="0" err="1"/>
-              <a:t>Resolución</a:t>
-            </a:r>
-            <a:r>
-              <a:rPr lang="en-US" sz="4000" dirty="0"/>
-              <a:t> de </a:t>
-            </a:r>
-            <a:r>
-              <a:rPr lang="en-US" sz="4000" dirty="0" err="1"/>
-              <a:t>problemas</a:t>
-            </a:r>
-            <a:endParaRPr lang="en-US" sz="2432" dirty="0"/>
-          </a:p>
-          <a:p>
-            <a:pPr marL="560241" indent="-560241">
-              <a:lnSpc>
-                <a:spcPts val="4800"/>
-              </a:lnSpc>
-              <a:buFont typeface="Arial" charset="0"/>
-              <a:buChar char="•"/>
-            </a:pPr>
-            <a:r>
-              <a:rPr lang="en-US" sz="4000" dirty="0"/>
-              <a:t>El </a:t>
-            </a:r>
-            <a:r>
-              <a:rPr lang="en-US" sz="4000" dirty="0" err="1"/>
-              <a:t>entorno</a:t>
-            </a:r>
-            <a:r>
-              <a:rPr lang="en-US" sz="4000" dirty="0"/>
-              <a:t> de </a:t>
-            </a:r>
-            <a:r>
-              <a:rPr lang="en-US" sz="4000" dirty="0" err="1"/>
-              <a:t>desarrollo</a:t>
-            </a:r>
-            <a:r>
-              <a:rPr lang="en-US" sz="4000" dirty="0"/>
-              <a:t> </a:t>
-            </a:r>
-            <a:r>
-              <a:rPr lang="en-US" sz="4000" dirty="0" err="1"/>
-              <a:t>en</a:t>
-            </a:r>
-            <a:r>
-              <a:rPr lang="en-US" sz="4000" dirty="0"/>
-              <a:t> macOS</a:t>
-            </a:r>
-          </a:p>
-          <a:p>
-            <a:pPr marL="560241" indent="-560241">
-              <a:lnSpc>
-                <a:spcPts val="4800"/>
-              </a:lnSpc>
-              <a:buFont typeface="Arial" charset="0"/>
-              <a:buChar char="•"/>
-            </a:pPr>
-            <a:r>
-              <a:rPr lang="en-US" sz="4000" dirty="0" err="1"/>
-              <a:t>Lanzar</a:t>
-            </a:r>
-            <a:r>
-              <a:rPr lang="en-US" sz="4000" dirty="0"/>
-              <a:t> Apps a </a:t>
-            </a:r>
-            <a:r>
-              <a:rPr lang="en-US" sz="4000" dirty="0" err="1"/>
-              <a:t>depuración</a:t>
-            </a:r>
-            <a:endParaRPr lang="en-US" sz="4000" dirty="0"/>
-          </a:p>
-          <a:p>
-            <a:pPr marL="560241" indent="-560241">
-              <a:lnSpc>
-                <a:spcPts val="4800"/>
-              </a:lnSpc>
-              <a:buFont typeface="Arial" charset="0"/>
-              <a:buChar char="•"/>
-            </a:pPr>
-            <a:r>
-              <a:rPr lang="en-US" sz="4000" dirty="0" err="1"/>
-              <a:t>Creando</a:t>
-            </a:r>
-            <a:r>
-              <a:rPr lang="en-US" sz="4000" dirty="0"/>
-              <a:t> una App </a:t>
-            </a:r>
-            <a:r>
-              <a:rPr lang="en-US" sz="4000" dirty="0" err="1"/>
-              <a:t>desde</a:t>
-            </a:r>
-            <a:r>
-              <a:rPr lang="en-US" sz="4000" dirty="0"/>
-              <a:t> cero</a:t>
-            </a:r>
-          </a:p>
-          <a:p>
-            <a:pPr marL="560241" indent="-560241">
-              <a:lnSpc>
-                <a:spcPts val="4800"/>
-              </a:lnSpc>
-              <a:buFont typeface="Arial" charset="0"/>
-              <a:buChar char="•"/>
-            </a:pPr>
-            <a:r>
-              <a:rPr lang="en-US" sz="4000" dirty="0"/>
-              <a:t>Proyecto </a:t>
-            </a:r>
-            <a:r>
-              <a:rPr lang="en-US" sz="4000" dirty="0" err="1"/>
-              <a:t>único</a:t>
-            </a:r>
-            <a:endParaRPr lang="en-US" sz="4000" dirty="0"/>
-          </a:p>
-          <a:p>
-            <a:pPr marL="560241" indent="-560241">
-              <a:lnSpc>
-                <a:spcPts val="4800"/>
-              </a:lnSpc>
-              <a:buFont typeface="Arial" charset="0"/>
-              <a:buChar char="•"/>
-            </a:pPr>
-            <a:r>
-              <a:rPr lang="en-US" sz="4000" dirty="0"/>
-              <a:t>Hot Reload</a:t>
-            </a:r>
-          </a:p>
-        </p:txBody>
-      </p:sp>
-      <p:sp>
-        <p:nvSpPr>
-          <p:cNvPr id="2" name="Title 1"/>
-          <p:cNvSpPr>
-            <a:spLocks noGrp="1"/>
-          </p:cNvSpPr>
-          <p:nvPr>
-            <p:ph type="title"/>
-          </p:nvPr>
-        </p:nvSpPr>
-        <p:spPr>
-          <a:xfrm>
-            <a:off x="419660" y="289511"/>
-            <a:ext cx="11564484" cy="899665"/>
-          </a:xfrm>
-        </p:spPr>
-        <p:txBody>
-          <a:bodyPr/>
-          <a:lstStyle/>
-          <a:p>
-            <a:r>
-              <a:rPr lang="en-US" dirty="0"/>
-              <a:t>¿</a:t>
-            </a:r>
-            <a:r>
-              <a:rPr lang="en-US" dirty="0" err="1"/>
-              <a:t>Qué</a:t>
-            </a:r>
-            <a:r>
-              <a:rPr lang="en-US" dirty="0"/>
-              <a:t> </a:t>
-            </a:r>
-            <a:r>
-              <a:rPr lang="en-US" dirty="0" err="1"/>
-              <a:t>vamos</a:t>
-            </a:r>
-            <a:r>
-              <a:rPr lang="en-US" dirty="0"/>
-              <a:t> a </a:t>
-            </a:r>
-            <a:r>
-              <a:rPr lang="en-US" dirty="0" err="1"/>
-              <a:t>ver</a:t>
-            </a:r>
-            <a:r>
-              <a:rPr lang="en-US" dirty="0"/>
-              <a:t>?</a:t>
-            </a:r>
-          </a:p>
-        </p:txBody>
-      </p:sp>
-    </p:spTree>
-    <p:extLst>
-      <p:ext uri="{BB962C8B-B14F-4D97-AF65-F5344CB8AC3E}">
-        <p14:creationId xmlns:p14="http://schemas.microsoft.com/office/powerpoint/2010/main" val="1857756970"/>
-      </p:ext>
-    </p:extLst>
-  </p:cSld>
-  <p:clrMapOvr>
-    <a:masterClrMapping/>
-  </p:clrMapOvr>
-  <p:transition>
-    <p:fade/>
-  </p:transition>
-  <p:timing>
-    <p:tnLst>
-      <p:par>
-        <p:cTn id="1" dur="indefinite" restart="never" nodeType="tmRoot">
-          <p:childTnLst>
-            <p:seq concurrent="1" nextAc="seek">
-              <p:cTn id="2" dur="indefinite" nodeType="mainSeq">
-                <p:childTnLst>
-                  <p:par>
-                    <p:cTn id="3" fill="hold">
-                      <p:stCondLst>
-                        <p:cond delay="indefinite"/>
-                        <p:cond evt="onBegin" delay="0">
-                          <p:tn val="2"/>
-                        </p:cond>
-                      </p:stCondLst>
-                      <p:childTnLst>
-                        <p:par>
-                          <p:cTn id="4" fill="hold">
-                            <p:stCondLst>
-                              <p:cond delay="0"/>
-                            </p:stCondLst>
-                            <p:childTnLst>
-                              <p:par>
-                                <p:cTn id="5" presetID="10" presetClass="entr" presetSubtype="0" fill="hold" grpId="0" nodeType="withEffect">
-                                  <p:stCondLst>
-                                    <p:cond delay="0"/>
-                                  </p:stCondLst>
-                                  <p:childTnLst>
-                                    <p:set>
-                                      <p:cBhvr>
-                                        <p:cTn id="6" dur="1" fill="hold">
-                                          <p:stCondLst>
-                                            <p:cond delay="0"/>
-                                          </p:stCondLst>
-                                        </p:cTn>
-                                        <p:tgtEl>
-                                          <p:spTgt spid="5">
-                                            <p:txEl>
-                                              <p:pRg st="0" end="0"/>
-                                            </p:txEl>
-                                          </p:spTgt>
-                                        </p:tgtEl>
-                                        <p:attrNameLst>
-                                          <p:attrName>style.visibility</p:attrName>
-                                        </p:attrNameLst>
-                                      </p:cBhvr>
-                                      <p:to>
-                                        <p:strVal val="visible"/>
-                                      </p:to>
-                                    </p:set>
-                                    <p:animEffect transition="in" filter="fade">
-                                      <p:cBhvr>
-                                        <p:cTn id="7" dur="500"/>
-                                        <p:tgtEl>
-                                          <p:spTgt spid="5">
-                                            <p:txEl>
-                                              <p:pRg st="0" end="0"/>
-                                            </p:txEl>
-                                          </p:spTgt>
-                                        </p:tgtEl>
-                                      </p:cBhvr>
-                                    </p:animEffect>
-                                  </p:childTnLst>
-                                </p:cTn>
-                              </p:par>
-                            </p:childTnLst>
-                          </p:cTn>
-                        </p:par>
-                      </p:childTnLst>
-                    </p:cTn>
-                  </p:par>
-                  <p:par>
-                    <p:cTn id="8" fill="hold">
-                      <p:stCondLst>
-                        <p:cond delay="indefinite"/>
-                      </p:stCondLst>
-                      <p:childTnLst>
-                        <p:par>
-                          <p:cTn id="9" fill="hold">
-                            <p:stCondLst>
-                              <p:cond delay="0"/>
-                            </p:stCondLst>
-                            <p:childTnLst>
-                              <p:par>
-                                <p:cTn id="10" presetID="10" presetClass="entr" presetSubtype="0" fill="hold" grpId="0" nodeType="clickEffect">
-                                  <p:stCondLst>
-                                    <p:cond delay="0"/>
-                                  </p:stCondLst>
-                                  <p:childTnLst>
-                                    <p:set>
-                                      <p:cBhvr>
-                                        <p:cTn id="11" dur="1" fill="hold">
-                                          <p:stCondLst>
-                                            <p:cond delay="0"/>
-                                          </p:stCondLst>
-                                        </p:cTn>
-                                        <p:tgtEl>
-                                          <p:spTgt spid="5">
-                                            <p:txEl>
-                                              <p:pRg st="1" end="1"/>
-                                            </p:txEl>
-                                          </p:spTgt>
-                                        </p:tgtEl>
-                                        <p:attrNameLst>
-                                          <p:attrName>style.visibility</p:attrName>
-                                        </p:attrNameLst>
-                                      </p:cBhvr>
-                                      <p:to>
-                                        <p:strVal val="visible"/>
-                                      </p:to>
-                                    </p:set>
-                                    <p:animEffect transition="in" filter="fade">
-                                      <p:cBhvr>
-                                        <p:cTn id="12" dur="500"/>
-                                        <p:tgtEl>
-                                          <p:spTgt spid="5">
-                                            <p:txEl>
-                                              <p:pRg st="1" end="1"/>
-                                            </p:txEl>
-                                          </p:spTgt>
-                                        </p:tgtEl>
-                                      </p:cBhvr>
-                                    </p:animEffect>
-                                  </p:childTnLst>
-                                </p:cTn>
-                              </p:par>
-                            </p:childTnLst>
-                          </p:cTn>
-                        </p:par>
-                      </p:childTnLst>
-                    </p:cTn>
-                  </p:par>
-                  <p:par>
-                    <p:cTn id="13" fill="hold">
-                      <p:stCondLst>
-                        <p:cond delay="indefinite"/>
-                      </p:stCondLst>
-                      <p:childTnLst>
-                        <p:par>
-                          <p:cTn id="14" fill="hold">
-                            <p:stCondLst>
-                              <p:cond delay="0"/>
-                            </p:stCondLst>
-                            <p:childTnLst>
-                              <p:par>
-                                <p:cTn id="15" presetID="10" presetClass="entr" presetSubtype="0" fill="hold" grpId="0" nodeType="clickEffect">
-                                  <p:stCondLst>
-                                    <p:cond delay="0"/>
-                                  </p:stCondLst>
-                                  <p:childTnLst>
-                                    <p:set>
-                                      <p:cBhvr>
-                                        <p:cTn id="16" dur="1" fill="hold">
-                                          <p:stCondLst>
-                                            <p:cond delay="0"/>
-                                          </p:stCondLst>
-                                        </p:cTn>
-                                        <p:tgtEl>
-                                          <p:spTgt spid="5">
-                                            <p:txEl>
-                                              <p:pRg st="2" end="2"/>
-                                            </p:txEl>
-                                          </p:spTgt>
-                                        </p:tgtEl>
-                                        <p:attrNameLst>
-                                          <p:attrName>style.visibility</p:attrName>
-                                        </p:attrNameLst>
-                                      </p:cBhvr>
-                                      <p:to>
-                                        <p:strVal val="visible"/>
-                                      </p:to>
-                                    </p:set>
-                                    <p:animEffect transition="in" filter="fade">
-                                      <p:cBhvr>
-                                        <p:cTn id="17" dur="500"/>
-                                        <p:tgtEl>
-                                          <p:spTgt spid="5">
-                                            <p:txEl>
-                                              <p:pRg st="2" end="2"/>
-                                            </p:txEl>
-                                          </p:spTgt>
-                                        </p:tgtEl>
-                                      </p:cBhvr>
-                                    </p:animEffect>
-                                  </p:childTnLst>
-                                </p:cTn>
-                              </p:par>
-                            </p:childTnLst>
-                          </p:cTn>
-                        </p:par>
-                      </p:childTnLst>
-                    </p:cTn>
-                  </p:par>
-                  <p:par>
-                    <p:cTn id="18" fill="hold">
-                      <p:stCondLst>
-                        <p:cond delay="indefinite"/>
-                      </p:stCondLst>
-                      <p:childTnLst>
-                        <p:par>
-                          <p:cTn id="19" fill="hold">
-                            <p:stCondLst>
-                              <p:cond delay="0"/>
-                            </p:stCondLst>
-                            <p:childTnLst>
-                              <p:par>
-                                <p:cTn id="20" presetID="10" presetClass="entr" presetSubtype="0" fill="hold" grpId="0" nodeType="clickEffect">
-                                  <p:stCondLst>
-                                    <p:cond delay="0"/>
-                                  </p:stCondLst>
-                                  <p:childTnLst>
-                                    <p:set>
-                                      <p:cBhvr>
-                                        <p:cTn id="21" dur="1" fill="hold">
-                                          <p:stCondLst>
-                                            <p:cond delay="0"/>
-                                          </p:stCondLst>
-                                        </p:cTn>
-                                        <p:tgtEl>
-                                          <p:spTgt spid="5">
-                                            <p:txEl>
-                                              <p:pRg st="3" end="3"/>
-                                            </p:txEl>
-                                          </p:spTgt>
-                                        </p:tgtEl>
-                                        <p:attrNameLst>
-                                          <p:attrName>style.visibility</p:attrName>
-                                        </p:attrNameLst>
-                                      </p:cBhvr>
-                                      <p:to>
-                                        <p:strVal val="visible"/>
-                                      </p:to>
-                                    </p:set>
-                                    <p:animEffect transition="in" filter="fade">
-                                      <p:cBhvr>
-                                        <p:cTn id="22" dur="500"/>
-                                        <p:tgtEl>
-                                          <p:spTgt spid="5">
-                                            <p:txEl>
-                                              <p:pRg st="3" end="3"/>
-                                            </p:txEl>
-                                          </p:spTgt>
-                                        </p:tgtEl>
-                                      </p:cBhvr>
-                                    </p:animEffect>
-                                  </p:childTnLst>
-                                </p:cTn>
-                              </p:par>
-                            </p:childTnLst>
-                          </p:cTn>
-                        </p:par>
-                      </p:childTnLst>
-                    </p:cTn>
-                  </p:par>
-                  <p:par>
-                    <p:cTn id="23" fill="hold">
-                      <p:stCondLst>
-                        <p:cond delay="indefinite"/>
-                      </p:stCondLst>
-                      <p:childTnLst>
-                        <p:par>
-                          <p:cTn id="24" fill="hold">
-                            <p:stCondLst>
-                              <p:cond delay="0"/>
-                            </p:stCondLst>
-                            <p:childTnLst>
-                              <p:par>
-                                <p:cTn id="25" presetID="10" presetClass="entr" presetSubtype="0" fill="hold" grpId="0" nodeType="clickEffect">
-                                  <p:stCondLst>
-                                    <p:cond delay="0"/>
-                                  </p:stCondLst>
-                                  <p:childTnLst>
-                                    <p:set>
-                                      <p:cBhvr>
-                                        <p:cTn id="26" dur="1" fill="hold">
-                                          <p:stCondLst>
-                                            <p:cond delay="0"/>
-                                          </p:stCondLst>
-                                        </p:cTn>
-                                        <p:tgtEl>
-                                          <p:spTgt spid="5">
-                                            <p:txEl>
-                                              <p:pRg st="4" end="4"/>
-                                            </p:txEl>
-                                          </p:spTgt>
-                                        </p:tgtEl>
-                                        <p:attrNameLst>
-                                          <p:attrName>style.visibility</p:attrName>
-                                        </p:attrNameLst>
-                                      </p:cBhvr>
-                                      <p:to>
-                                        <p:strVal val="visible"/>
-                                      </p:to>
-                                    </p:set>
-                                    <p:animEffect transition="in" filter="fade">
-                                      <p:cBhvr>
-                                        <p:cTn id="27" dur="500"/>
-                                        <p:tgtEl>
-                                          <p:spTgt spid="5">
-                                            <p:txEl>
-                                              <p:pRg st="4" end="4"/>
-                                            </p:txEl>
-                                          </p:spTgt>
-                                        </p:tgtEl>
-                                      </p:cBhvr>
-                                    </p:animEffect>
-                                  </p:childTnLst>
-                                </p:cTn>
-                              </p:par>
-                            </p:childTnLst>
-                          </p:cTn>
-                        </p:par>
-                      </p:childTnLst>
-                    </p:cTn>
-                  </p:par>
-                  <p:par>
-                    <p:cTn id="28" fill="hold">
-                      <p:stCondLst>
-                        <p:cond delay="indefinite"/>
-                      </p:stCondLst>
-                      <p:childTnLst>
-                        <p:par>
-                          <p:cTn id="29" fill="hold">
-                            <p:stCondLst>
-                              <p:cond delay="0"/>
-                            </p:stCondLst>
-                            <p:childTnLst>
-                              <p:par>
-                                <p:cTn id="30" presetID="10" presetClass="entr" presetSubtype="0" fill="hold" grpId="0" nodeType="clickEffect">
-                                  <p:stCondLst>
-                                    <p:cond delay="0"/>
-                                  </p:stCondLst>
-                                  <p:childTnLst>
-                                    <p:set>
-                                      <p:cBhvr>
-                                        <p:cTn id="31" dur="1" fill="hold">
-                                          <p:stCondLst>
-                                            <p:cond delay="0"/>
-                                          </p:stCondLst>
-                                        </p:cTn>
-                                        <p:tgtEl>
-                                          <p:spTgt spid="5">
-                                            <p:txEl>
-                                              <p:pRg st="5" end="5"/>
-                                            </p:txEl>
-                                          </p:spTgt>
-                                        </p:tgtEl>
-                                        <p:attrNameLst>
-                                          <p:attrName>style.visibility</p:attrName>
-                                        </p:attrNameLst>
-                                      </p:cBhvr>
-                                      <p:to>
-                                        <p:strVal val="visible"/>
-                                      </p:to>
-                                    </p:set>
-                                    <p:animEffect transition="in" filter="fade">
-                                      <p:cBhvr>
-                                        <p:cTn id="32" dur="500"/>
-                                        <p:tgtEl>
-                                          <p:spTgt spid="5">
-                                            <p:txEl>
-                                              <p:pRg st="5" end="5"/>
-                                            </p:txEl>
-                                          </p:spTgt>
-                                        </p:tgtEl>
-                                      </p:cBhvr>
-                                    </p:animEffect>
-                                  </p:childTnLst>
-                                </p:cTn>
-                              </p:par>
-                            </p:childTnLst>
-                          </p:cTn>
-                        </p:par>
-                      </p:childTnLst>
-                    </p:cTn>
-                  </p:par>
-                </p:childTnLst>
-              </p:cTn>
-              <p:prevCondLst>
-                <p:cond evt="onPrev" delay="0">
-                  <p:tgtEl>
-                    <p:sldTgt/>
-                  </p:tgtEl>
-                </p:cond>
-              </p:prevCondLst>
-              <p:nextCondLst>
-                <p:cond evt="onNext" delay="0">
-                  <p:tgtEl>
-                    <p:sldTgt/>
-                  </p:tgtEl>
-                </p:cond>
-              </p:nextCondLst>
-            </p:seq>
-          </p:childTnLst>
-        </p:cTn>
-      </p:par>
-    </p:tnLst>
-    <p:bldLst>
-      <p:bldP spid="5" grpId="0" build="p"/>
-    </p:bldLst>
-  </p:timing>
-</p:sld>
-</file>
-
-<file path=ppt/slides/slide6.xml><?xml version="1.0" encoding="utf-8"?>
-<p:sld xmlns:a="http://schemas.openxmlformats.org/drawingml/2006/main" xmlns:r="http://schemas.openxmlformats.org/officeDocument/2006/relationships" xmlns:p="http://schemas.openxmlformats.org/presentationml/2006/main">
-  <p:cSld>
-    <p:spTree>
-      <p:nvGrpSpPr>
-        <p:cNvPr id="1" name=""/>
-        <p:cNvGrpSpPr/>
-        <p:nvPr/>
-      </p:nvGrpSpPr>
-      <p:grpSpPr>
-        <a:xfrm>
-          <a:off x="0" y="0"/>
-          <a:ext cx="0" cy="0"/>
-          <a:chOff x="0" y="0"/>
-          <a:chExt cx="0" cy="0"/>
-        </a:xfrm>
-      </p:grpSpPr>
-      <p:sp>
-        <p:nvSpPr>
-          <p:cNvPr id="5" name="Text Placeholder 4"/>
-          <p:cNvSpPr>
-            <a:spLocks noGrp="1"/>
-          </p:cNvSpPr>
-          <p:nvPr>
-            <p:ph type="body" sz="quarter" idx="10"/>
-          </p:nvPr>
-        </p:nvSpPr>
-        <p:spPr>
-          <a:xfrm>
-            <a:off x="419660" y="1572993"/>
-            <a:ext cx="12943442" cy="4519081"/>
-          </a:xfrm>
-        </p:spPr>
-        <p:txBody>
-          <a:bodyPr/>
-          <a:lstStyle/>
-          <a:p>
-            <a:pPr marL="560241" indent="-560241">
-              <a:lnSpc>
-                <a:spcPts val="4800"/>
-              </a:lnSpc>
-              <a:buFont typeface="Arial" charset="0"/>
-              <a:buChar char="•"/>
-            </a:pPr>
-            <a:r>
-              <a:rPr lang="en-US" sz="4000" dirty="0" err="1"/>
-              <a:t>Gestión</a:t>
-            </a:r>
-            <a:r>
-              <a:rPr lang="en-US" sz="4000" dirty="0"/>
-              <a:t> de Assets</a:t>
-            </a:r>
-            <a:endParaRPr lang="en-US" sz="2432" dirty="0"/>
-          </a:p>
-          <a:p>
-            <a:pPr marL="560241" indent="-560241">
-              <a:lnSpc>
-                <a:spcPts val="4800"/>
-              </a:lnSpc>
-              <a:buFont typeface="Arial" charset="0"/>
-              <a:buChar char="•"/>
-            </a:pPr>
-            <a:r>
-              <a:rPr lang="en-US" sz="4000" dirty="0" err="1"/>
-              <a:t>MauiProgram</a:t>
-            </a:r>
-            <a:endParaRPr lang="en-US" sz="4000" dirty="0"/>
-          </a:p>
-          <a:p>
-            <a:pPr marL="560241" indent="-560241">
-              <a:lnSpc>
-                <a:spcPts val="4800"/>
-              </a:lnSpc>
-              <a:buFont typeface="Arial" charset="0"/>
-              <a:buChar char="•"/>
-            </a:pPr>
-            <a:r>
-              <a:rPr lang="en-US" sz="4000" dirty="0" err="1"/>
-              <a:t>Jerarquía</a:t>
-            </a:r>
-            <a:r>
-              <a:rPr lang="en-US" sz="4000" dirty="0"/>
-              <a:t> de </a:t>
-            </a:r>
-            <a:r>
-              <a:rPr lang="en-US" sz="4000" dirty="0" err="1"/>
-              <a:t>elementos</a:t>
-            </a:r>
-            <a:r>
-              <a:rPr lang="en-US" sz="4000" dirty="0"/>
-              <a:t> </a:t>
-            </a:r>
-            <a:r>
-              <a:rPr lang="en-US" sz="4000" dirty="0" err="1"/>
-              <a:t>visuales</a:t>
-            </a:r>
-            <a:endParaRPr lang="en-US" sz="4000" dirty="0"/>
-          </a:p>
-          <a:p>
-            <a:pPr marL="560241" indent="-560241">
-              <a:lnSpc>
-                <a:spcPts val="4800"/>
-              </a:lnSpc>
-              <a:buFont typeface="Arial" charset="0"/>
-              <a:buChar char="•"/>
-            </a:pPr>
-            <a:r>
-              <a:rPr lang="en-US" sz="4000" dirty="0"/>
-              <a:t>XAML</a:t>
-            </a:r>
-          </a:p>
-          <a:p>
-            <a:pPr marL="560241" indent="-560241">
-              <a:lnSpc>
-                <a:spcPts val="4800"/>
-              </a:lnSpc>
-              <a:buFont typeface="Arial" charset="0"/>
-              <a:buChar char="•"/>
-            </a:pPr>
-            <a:r>
-              <a:rPr lang="en-US" sz="4000" dirty="0"/>
-              <a:t>UI con C#</a:t>
-            </a:r>
-          </a:p>
-          <a:p>
-            <a:pPr marL="560241" indent="-560241">
-              <a:lnSpc>
-                <a:spcPts val="4800"/>
-              </a:lnSpc>
-              <a:buFont typeface="Arial" charset="0"/>
-              <a:buChar char="•"/>
-            </a:pPr>
-            <a:r>
-              <a:rPr lang="en-US" sz="4000" dirty="0"/>
-              <a:t>Layouts</a:t>
-            </a:r>
-          </a:p>
-        </p:txBody>
-      </p:sp>
-      <p:sp>
-        <p:nvSpPr>
-          <p:cNvPr id="2" name="Title 1"/>
-          <p:cNvSpPr>
-            <a:spLocks noGrp="1"/>
-          </p:cNvSpPr>
-          <p:nvPr>
-            <p:ph type="title"/>
-          </p:nvPr>
-        </p:nvSpPr>
-        <p:spPr>
-          <a:xfrm>
-            <a:off x="419660" y="289511"/>
-            <a:ext cx="11564484" cy="899665"/>
-          </a:xfrm>
-        </p:spPr>
-        <p:txBody>
-          <a:bodyPr/>
-          <a:lstStyle/>
-          <a:p>
-            <a:r>
-              <a:rPr lang="en-US" dirty="0"/>
-              <a:t>¿</a:t>
-            </a:r>
-            <a:r>
-              <a:rPr lang="en-US" dirty="0" err="1"/>
-              <a:t>Qué</a:t>
-            </a:r>
-            <a:r>
-              <a:rPr lang="en-US" dirty="0"/>
-              <a:t> </a:t>
-            </a:r>
-            <a:r>
-              <a:rPr lang="en-US" dirty="0" err="1"/>
-              <a:t>vamos</a:t>
-            </a:r>
-            <a:r>
-              <a:rPr lang="en-US" dirty="0"/>
-              <a:t> a </a:t>
-            </a:r>
-            <a:r>
-              <a:rPr lang="en-US" dirty="0" err="1"/>
-              <a:t>ver</a:t>
-            </a:r>
-            <a:r>
-              <a:rPr lang="en-US" dirty="0"/>
-              <a:t>?</a:t>
-            </a:r>
-          </a:p>
-        </p:txBody>
-      </p:sp>
-    </p:spTree>
-    <p:extLst>
-      <p:ext uri="{BB962C8B-B14F-4D97-AF65-F5344CB8AC3E}">
-        <p14:creationId xmlns:p14="http://schemas.microsoft.com/office/powerpoint/2010/main" val="433394855"/>
-      </p:ext>
-    </p:extLst>
-  </p:cSld>
-  <p:clrMapOvr>
-    <a:masterClrMapping/>
-  </p:clrMapOvr>
-  <p:transition>
-    <p:fade/>
-  </p:transition>
-  <p:timing>
-    <p:tnLst>
-      <p:par>
-        <p:cTn id="1" dur="indefinite" restart="never" nodeType="tmRoot">
-          <p:childTnLst>
-            <p:seq concurrent="1" nextAc="seek">
-              <p:cTn id="2" dur="indefinite" nodeType="mainSeq">
-                <p:childTnLst>
-                  <p:par>
-                    <p:cTn id="3" fill="hold">
-                      <p:stCondLst>
-                        <p:cond delay="indefinite"/>
-                        <p:cond evt="onBegin" delay="0">
-                          <p:tn val="2"/>
-                        </p:cond>
-                      </p:stCondLst>
-                      <p:childTnLst>
-                        <p:par>
-                          <p:cTn id="4" fill="hold">
-                            <p:stCondLst>
-                              <p:cond delay="0"/>
-                            </p:stCondLst>
-                            <p:childTnLst>
-                              <p:par>
-                                <p:cTn id="5" presetID="10" presetClass="entr" presetSubtype="0" fill="hold" grpId="0" nodeType="withEffect">
-                                  <p:stCondLst>
-                                    <p:cond delay="0"/>
-                                  </p:stCondLst>
-                                  <p:childTnLst>
-                                    <p:set>
-                                      <p:cBhvr>
-                                        <p:cTn id="6" dur="1" fill="hold">
-                                          <p:stCondLst>
-                                            <p:cond delay="0"/>
-                                          </p:stCondLst>
-                                        </p:cTn>
-                                        <p:tgtEl>
-                                          <p:spTgt spid="5">
-                                            <p:txEl>
-                                              <p:pRg st="0" end="0"/>
-                                            </p:txEl>
-                                          </p:spTgt>
-                                        </p:tgtEl>
-                                        <p:attrNameLst>
-                                          <p:attrName>style.visibility</p:attrName>
-                                        </p:attrNameLst>
-                                      </p:cBhvr>
-                                      <p:to>
-                                        <p:strVal val="visible"/>
-                                      </p:to>
-                                    </p:set>
-                                    <p:animEffect transition="in" filter="fade">
-                                      <p:cBhvr>
-                                        <p:cTn id="7" dur="500"/>
-                                        <p:tgtEl>
-                                          <p:spTgt spid="5">
-                                            <p:txEl>
-                                              <p:pRg st="0" end="0"/>
-                                            </p:txEl>
-                                          </p:spTgt>
-                                        </p:tgtEl>
-                                      </p:cBhvr>
-                                    </p:animEffect>
-                                  </p:childTnLst>
-                                </p:cTn>
-                              </p:par>
-                            </p:childTnLst>
-                          </p:cTn>
-                        </p:par>
-                      </p:childTnLst>
-                    </p:cTn>
-                  </p:par>
-                  <p:par>
-                    <p:cTn id="8" fill="hold">
-                      <p:stCondLst>
-                        <p:cond delay="indefinite"/>
-                      </p:stCondLst>
-                      <p:childTnLst>
-                        <p:par>
-                          <p:cTn id="9" fill="hold">
-                            <p:stCondLst>
-                              <p:cond delay="0"/>
-                            </p:stCondLst>
-                            <p:childTnLst>
-                              <p:par>
-                                <p:cTn id="10" presetID="10" presetClass="entr" presetSubtype="0" fill="hold" grpId="0" nodeType="clickEffect">
-                                  <p:stCondLst>
-                                    <p:cond delay="0"/>
-                                  </p:stCondLst>
-                                  <p:childTnLst>
-                                    <p:set>
-                                      <p:cBhvr>
-                                        <p:cTn id="11" dur="1" fill="hold">
-                                          <p:stCondLst>
-                                            <p:cond delay="0"/>
-                                          </p:stCondLst>
-                                        </p:cTn>
-                                        <p:tgtEl>
-                                          <p:spTgt spid="5">
-                                            <p:txEl>
-                                              <p:pRg st="1" end="1"/>
-                                            </p:txEl>
-                                          </p:spTgt>
-                                        </p:tgtEl>
-                                        <p:attrNameLst>
-                                          <p:attrName>style.visibility</p:attrName>
-                                        </p:attrNameLst>
-                                      </p:cBhvr>
-                                      <p:to>
-                                        <p:strVal val="visible"/>
-                                      </p:to>
-                                    </p:set>
-                                    <p:animEffect transition="in" filter="fade">
-                                      <p:cBhvr>
-                                        <p:cTn id="12" dur="500"/>
-                                        <p:tgtEl>
-                                          <p:spTgt spid="5">
-                                            <p:txEl>
-                                              <p:pRg st="1" end="1"/>
-                                            </p:txEl>
-                                          </p:spTgt>
-                                        </p:tgtEl>
-                                      </p:cBhvr>
-                                    </p:animEffect>
-                                  </p:childTnLst>
-                                </p:cTn>
-                              </p:par>
-                            </p:childTnLst>
-                          </p:cTn>
-                        </p:par>
-                      </p:childTnLst>
-                    </p:cTn>
-                  </p:par>
-                  <p:par>
-                    <p:cTn id="13" fill="hold">
-                      <p:stCondLst>
-                        <p:cond delay="indefinite"/>
-                      </p:stCondLst>
-                      <p:childTnLst>
-                        <p:par>
-                          <p:cTn id="14" fill="hold">
-                            <p:stCondLst>
-                              <p:cond delay="0"/>
-                            </p:stCondLst>
-                            <p:childTnLst>
-                              <p:par>
-                                <p:cTn id="15" presetID="10" presetClass="entr" presetSubtype="0" fill="hold" grpId="0" nodeType="clickEffect">
-                                  <p:stCondLst>
-                                    <p:cond delay="0"/>
-                                  </p:stCondLst>
-                                  <p:childTnLst>
-                                    <p:set>
-                                      <p:cBhvr>
-                                        <p:cTn id="16" dur="1" fill="hold">
-                                          <p:stCondLst>
-                                            <p:cond delay="0"/>
-                                          </p:stCondLst>
-                                        </p:cTn>
-                                        <p:tgtEl>
-                                          <p:spTgt spid="5">
-                                            <p:txEl>
-                                              <p:pRg st="2" end="2"/>
-                                            </p:txEl>
-                                          </p:spTgt>
-                                        </p:tgtEl>
-                                        <p:attrNameLst>
-                                          <p:attrName>style.visibility</p:attrName>
-                                        </p:attrNameLst>
-                                      </p:cBhvr>
-                                      <p:to>
-                                        <p:strVal val="visible"/>
-                                      </p:to>
-                                    </p:set>
-                                    <p:animEffect transition="in" filter="fade">
-                                      <p:cBhvr>
-                                        <p:cTn id="17" dur="500"/>
-                                        <p:tgtEl>
-                                          <p:spTgt spid="5">
-                                            <p:txEl>
-                                              <p:pRg st="2" end="2"/>
-                                            </p:txEl>
-                                          </p:spTgt>
-                                        </p:tgtEl>
-                                      </p:cBhvr>
-                                    </p:animEffect>
-                                  </p:childTnLst>
-                                </p:cTn>
-                              </p:par>
-                            </p:childTnLst>
-                          </p:cTn>
-                        </p:par>
-                      </p:childTnLst>
-                    </p:cTn>
-                  </p:par>
-                  <p:par>
-                    <p:cTn id="18" fill="hold">
-                      <p:stCondLst>
-                        <p:cond delay="indefinite"/>
-                      </p:stCondLst>
-                      <p:childTnLst>
-                        <p:par>
-                          <p:cTn id="19" fill="hold">
-                            <p:stCondLst>
-                              <p:cond delay="0"/>
-                            </p:stCondLst>
-                            <p:childTnLst>
-                              <p:par>
-                                <p:cTn id="20" presetID="10" presetClass="entr" presetSubtype="0" fill="hold" grpId="0" nodeType="clickEffect">
-                                  <p:stCondLst>
-                                    <p:cond delay="0"/>
-                                  </p:stCondLst>
-                                  <p:childTnLst>
-                                    <p:set>
-                                      <p:cBhvr>
-                                        <p:cTn id="21" dur="1" fill="hold">
-                                          <p:stCondLst>
-                                            <p:cond delay="0"/>
-                                          </p:stCondLst>
-                                        </p:cTn>
-                                        <p:tgtEl>
-                                          <p:spTgt spid="5">
-                                            <p:txEl>
-                                              <p:pRg st="3" end="3"/>
-                                            </p:txEl>
-                                          </p:spTgt>
-                                        </p:tgtEl>
-                                        <p:attrNameLst>
-                                          <p:attrName>style.visibility</p:attrName>
-                                        </p:attrNameLst>
-                                      </p:cBhvr>
-                                      <p:to>
-                                        <p:strVal val="visible"/>
-                                      </p:to>
-                                    </p:set>
-                                    <p:animEffect transition="in" filter="fade">
-                                      <p:cBhvr>
-                                        <p:cTn id="22" dur="500"/>
-                                        <p:tgtEl>
-                                          <p:spTgt spid="5">
-                                            <p:txEl>
-                                              <p:pRg st="3" end="3"/>
-                                            </p:txEl>
-                                          </p:spTgt>
-                                        </p:tgtEl>
-                                      </p:cBhvr>
-                                    </p:animEffect>
-                                  </p:childTnLst>
-                                </p:cTn>
-                              </p:par>
-                            </p:childTnLst>
-                          </p:cTn>
-                        </p:par>
-                      </p:childTnLst>
-                    </p:cTn>
-                  </p:par>
-                  <p:par>
-                    <p:cTn id="23" fill="hold">
-                      <p:stCondLst>
-                        <p:cond delay="indefinite"/>
-                      </p:stCondLst>
-                      <p:childTnLst>
-                        <p:par>
-                          <p:cTn id="24" fill="hold">
-                            <p:stCondLst>
-                              <p:cond delay="0"/>
-                            </p:stCondLst>
-                            <p:childTnLst>
-                              <p:par>
-                                <p:cTn id="25" presetID="10" presetClass="entr" presetSubtype="0" fill="hold" grpId="0" nodeType="clickEffect">
-                                  <p:stCondLst>
-                                    <p:cond delay="0"/>
-                                  </p:stCondLst>
-                                  <p:childTnLst>
-                                    <p:set>
-                                      <p:cBhvr>
-                                        <p:cTn id="26" dur="1" fill="hold">
-                                          <p:stCondLst>
-                                            <p:cond delay="0"/>
-                                          </p:stCondLst>
-                                        </p:cTn>
-                                        <p:tgtEl>
-                                          <p:spTgt spid="5">
-                                            <p:txEl>
-                                              <p:pRg st="4" end="4"/>
-                                            </p:txEl>
-                                          </p:spTgt>
-                                        </p:tgtEl>
-                                        <p:attrNameLst>
-                                          <p:attrName>style.visibility</p:attrName>
-                                        </p:attrNameLst>
-                                      </p:cBhvr>
-                                      <p:to>
-                                        <p:strVal val="visible"/>
-                                      </p:to>
-                                    </p:set>
-                                    <p:animEffect transition="in" filter="fade">
-                                      <p:cBhvr>
-                                        <p:cTn id="27" dur="500"/>
-                                        <p:tgtEl>
-                                          <p:spTgt spid="5">
-                                            <p:txEl>
-                                              <p:pRg st="4" end="4"/>
-                                            </p:txEl>
-                                          </p:spTgt>
-                                        </p:tgtEl>
-                                      </p:cBhvr>
-                                    </p:animEffect>
-                                  </p:childTnLst>
-                                </p:cTn>
-                              </p:par>
-                            </p:childTnLst>
-                          </p:cTn>
-                        </p:par>
-                      </p:childTnLst>
-                    </p:cTn>
-                  </p:par>
-                  <p:par>
-                    <p:cTn id="28" fill="hold">
-                      <p:stCondLst>
-                        <p:cond delay="indefinite"/>
-                      </p:stCondLst>
-                      <p:childTnLst>
-                        <p:par>
-                          <p:cTn id="29" fill="hold">
-                            <p:stCondLst>
-                              <p:cond delay="0"/>
-                            </p:stCondLst>
-                            <p:childTnLst>
-                              <p:par>
-                                <p:cTn id="30" presetID="10" presetClass="entr" presetSubtype="0" fill="hold" grpId="0" nodeType="clickEffect">
-                                  <p:stCondLst>
-                                    <p:cond delay="0"/>
-                                  </p:stCondLst>
-                                  <p:childTnLst>
-                                    <p:set>
-                                      <p:cBhvr>
-                                        <p:cTn id="31" dur="1" fill="hold">
-                                          <p:stCondLst>
-                                            <p:cond delay="0"/>
-                                          </p:stCondLst>
-                                        </p:cTn>
-                                        <p:tgtEl>
-                                          <p:spTgt spid="5">
-                                            <p:txEl>
-                                              <p:pRg st="5" end="5"/>
-                                            </p:txEl>
-                                          </p:spTgt>
-                                        </p:tgtEl>
-                                        <p:attrNameLst>
-                                          <p:attrName>style.visibility</p:attrName>
-                                        </p:attrNameLst>
-                                      </p:cBhvr>
-                                      <p:to>
-                                        <p:strVal val="visible"/>
-                                      </p:to>
-                                    </p:set>
-                                    <p:animEffect transition="in" filter="fade">
-                                      <p:cBhvr>
-                                        <p:cTn id="32" dur="500"/>
-                                        <p:tgtEl>
-                                          <p:spTgt spid="5">
-                                            <p:txEl>
-                                              <p:pRg st="5" end="5"/>
-                                            </p:txEl>
-                                          </p:spTgt>
-                                        </p:tgtEl>
-                                      </p:cBhvr>
-                                    </p:animEffect>
-                                  </p:childTnLst>
-                                </p:cTn>
-                              </p:par>
-                            </p:childTnLst>
-                          </p:cTn>
-                        </p:par>
-                      </p:childTnLst>
-                    </p:cTn>
-                  </p:par>
-                </p:childTnLst>
-              </p:cTn>
-              <p:prevCondLst>
-                <p:cond evt="onPrev" delay="0">
-                  <p:tgtEl>
-                    <p:sldTgt/>
-                  </p:tgtEl>
-                </p:cond>
-              </p:prevCondLst>
-              <p:nextCondLst>
-                <p:cond evt="onNext" delay="0">
-                  <p:tgtEl>
-                    <p:sldTgt/>
-                  </p:tgtEl>
-                </p:cond>
-              </p:nextCondLst>
-            </p:seq>
-          </p:childTnLst>
-        </p:cTn>
-      </p:par>
-    </p:tnLst>
-    <p:bldLst>
-      <p:bldP spid="5" grpId="0" build="p"/>
-    </p:bldLst>
-  </p:timing>
-</p:sld>
-</file>
-
-<file path=ppt/slides/slide7.xml><?xml version="1.0" encoding="utf-8"?>
-<p:sld xmlns:a="http://schemas.openxmlformats.org/drawingml/2006/main" xmlns:r="http://schemas.openxmlformats.org/officeDocument/2006/relationships" xmlns:p="http://schemas.openxmlformats.org/presentationml/2006/main">
-  <p:cSld>
-    <p:spTree>
-      <p:nvGrpSpPr>
-        <p:cNvPr id="1" name=""/>
-        <p:cNvGrpSpPr/>
-        <p:nvPr/>
-      </p:nvGrpSpPr>
-      <p:grpSpPr>
-        <a:xfrm>
-          <a:off x="0" y="0"/>
-          <a:ext cx="0" cy="0"/>
-          <a:chOff x="0" y="0"/>
-          <a:chExt cx="0" cy="0"/>
-        </a:xfrm>
-      </p:grpSpPr>
-      <p:sp>
-        <p:nvSpPr>
-          <p:cNvPr id="5" name="Text Placeholder 4"/>
-          <p:cNvSpPr>
-            <a:spLocks noGrp="1"/>
-          </p:cNvSpPr>
-          <p:nvPr>
-            <p:ph type="body" sz="quarter" idx="10"/>
-          </p:nvPr>
-        </p:nvSpPr>
-        <p:spPr>
-          <a:xfrm>
-            <a:off x="419660" y="1572993"/>
-            <a:ext cx="12943442" cy="4519081"/>
-          </a:xfrm>
-        </p:spPr>
-        <p:txBody>
-          <a:bodyPr/>
-          <a:lstStyle/>
-          <a:p>
-            <a:pPr marL="560241" indent="-560241">
-              <a:lnSpc>
-                <a:spcPts val="4800"/>
-              </a:lnSpc>
-              <a:buFont typeface="Arial" charset="0"/>
-              <a:buChar char="•"/>
-            </a:pPr>
-            <a:r>
-              <a:rPr lang="en-US" sz="4000" dirty="0"/>
-              <a:t>Nuestra </a:t>
-            </a:r>
-            <a:r>
-              <a:rPr lang="en-US" sz="4000" dirty="0" err="1"/>
-              <a:t>primera</a:t>
-            </a:r>
-            <a:r>
-              <a:rPr lang="en-US" sz="4000" dirty="0"/>
-              <a:t> UI</a:t>
-            </a:r>
-            <a:endParaRPr lang="en-US" sz="2432" dirty="0"/>
-          </a:p>
-          <a:p>
-            <a:pPr marL="560241" indent="-560241">
-              <a:lnSpc>
-                <a:spcPts val="4800"/>
-              </a:lnSpc>
-              <a:buFont typeface="Arial" charset="0"/>
-              <a:buChar char="•"/>
-            </a:pPr>
-            <a:r>
-              <a:rPr lang="en-US" sz="4000" dirty="0" err="1"/>
-              <a:t>Listados</a:t>
-            </a:r>
-            <a:endParaRPr lang="en-US" sz="4000" dirty="0"/>
-          </a:p>
-          <a:p>
-            <a:pPr marL="560241" indent="-560241">
-              <a:lnSpc>
-                <a:spcPts val="4800"/>
-              </a:lnSpc>
-              <a:buFont typeface="Arial" charset="0"/>
-              <a:buChar char="•"/>
-            </a:pPr>
-            <a:r>
-              <a:rPr lang="en-US" sz="4000" dirty="0" err="1"/>
-              <a:t>DataBinding</a:t>
-            </a:r>
-            <a:endParaRPr lang="en-US" sz="4000" dirty="0"/>
-          </a:p>
-          <a:p>
-            <a:pPr marL="560241" indent="-560241">
-              <a:lnSpc>
-                <a:spcPts val="4800"/>
-              </a:lnSpc>
-              <a:buFont typeface="Arial" charset="0"/>
-              <a:buChar char="•"/>
-            </a:pPr>
-            <a:r>
-              <a:rPr lang="en-US" sz="4000" dirty="0"/>
-              <a:t>MVVM</a:t>
-            </a:r>
-          </a:p>
-          <a:p>
-            <a:pPr marL="560241" indent="-560241">
-              <a:lnSpc>
-                <a:spcPts val="4800"/>
-              </a:lnSpc>
-              <a:buFont typeface="Arial" charset="0"/>
-              <a:buChar char="•"/>
-            </a:pPr>
-            <a:r>
-              <a:rPr lang="en-US" sz="4000" dirty="0" err="1"/>
-              <a:t>Navegación</a:t>
-            </a:r>
-            <a:r>
-              <a:rPr lang="en-US" sz="4000" dirty="0"/>
-              <a:t> </a:t>
-            </a:r>
-            <a:r>
-              <a:rPr lang="en-US" sz="4000" dirty="0" err="1"/>
-              <a:t>básica</a:t>
-            </a:r>
-            <a:endParaRPr lang="en-US" sz="4000" dirty="0"/>
-          </a:p>
-          <a:p>
-            <a:pPr marL="560241" indent="-560241">
-              <a:lnSpc>
-                <a:spcPts val="4800"/>
-              </a:lnSpc>
-              <a:buFont typeface="Arial" charset="0"/>
-              <a:buChar char="•"/>
-            </a:pPr>
-            <a:r>
-              <a:rPr lang="en-US" sz="4000" dirty="0" err="1"/>
-              <a:t>Introducción</a:t>
-            </a:r>
-            <a:r>
-              <a:rPr lang="en-US" sz="4000" dirty="0"/>
-              <a:t> a Shell</a:t>
-            </a:r>
-          </a:p>
-        </p:txBody>
-      </p:sp>
-      <p:sp>
-        <p:nvSpPr>
-          <p:cNvPr id="2" name="Title 1"/>
-          <p:cNvSpPr>
-            <a:spLocks noGrp="1"/>
-          </p:cNvSpPr>
-          <p:nvPr>
-            <p:ph type="title"/>
-          </p:nvPr>
-        </p:nvSpPr>
-        <p:spPr>
-          <a:xfrm>
-            <a:off x="419660" y="289511"/>
-            <a:ext cx="11564484" cy="899665"/>
-          </a:xfrm>
-        </p:spPr>
-        <p:txBody>
-          <a:bodyPr/>
-          <a:lstStyle/>
-          <a:p>
-            <a:r>
-              <a:rPr lang="en-US" dirty="0"/>
-              <a:t>¿</a:t>
-            </a:r>
-            <a:r>
-              <a:rPr lang="en-US" dirty="0" err="1"/>
-              <a:t>Qué</a:t>
-            </a:r>
-            <a:r>
-              <a:rPr lang="en-US" dirty="0"/>
-              <a:t> </a:t>
-            </a:r>
-            <a:r>
-              <a:rPr lang="en-US" dirty="0" err="1"/>
-              <a:t>vamos</a:t>
-            </a:r>
-            <a:r>
-              <a:rPr lang="en-US" dirty="0"/>
-              <a:t> a </a:t>
-            </a:r>
-            <a:r>
-              <a:rPr lang="en-US" dirty="0" err="1"/>
-              <a:t>ver</a:t>
-            </a:r>
-            <a:r>
-              <a:rPr lang="en-US" dirty="0"/>
-              <a:t>?</a:t>
-            </a:r>
-          </a:p>
-        </p:txBody>
-      </p:sp>
-    </p:spTree>
-    <p:extLst>
-      <p:ext uri="{BB962C8B-B14F-4D97-AF65-F5344CB8AC3E}">
-        <p14:creationId xmlns:p14="http://schemas.microsoft.com/office/powerpoint/2010/main" val="570359385"/>
-      </p:ext>
-    </p:extLst>
-  </p:cSld>
-  <p:clrMapOvr>
-    <a:masterClrMapping/>
-  </p:clrMapOvr>
-  <p:transition>
-    <p:fade/>
-  </p:transition>
-  <p:timing>
-    <p:tnLst>
-      <p:par>
-        <p:cTn id="1" dur="indefinite" restart="never" nodeType="tmRoot">
-          <p:childTnLst>
-            <p:seq concurrent="1" nextAc="seek">
-              <p:cTn id="2" dur="indefinite" nodeType="mainSeq">
-                <p:childTnLst>
-                  <p:par>
-                    <p:cTn id="3" fill="hold">
-                      <p:stCondLst>
-                        <p:cond delay="indefinite"/>
-                        <p:cond evt="onBegin" delay="0">
-                          <p:tn val="2"/>
-                        </p:cond>
-                      </p:stCondLst>
-                      <p:childTnLst>
-                        <p:par>
-                          <p:cTn id="4" fill="hold">
-                            <p:stCondLst>
-                              <p:cond delay="0"/>
-                            </p:stCondLst>
-                            <p:childTnLst>
-                              <p:par>
-                                <p:cTn id="5" presetID="10" presetClass="entr" presetSubtype="0" fill="hold" grpId="0" nodeType="withEffect">
-                                  <p:stCondLst>
-                                    <p:cond delay="0"/>
-                                  </p:stCondLst>
-                                  <p:childTnLst>
-                                    <p:set>
-                                      <p:cBhvr>
-                                        <p:cTn id="6" dur="1" fill="hold">
-                                          <p:stCondLst>
-                                            <p:cond delay="0"/>
-                                          </p:stCondLst>
-                                        </p:cTn>
-                                        <p:tgtEl>
-                                          <p:spTgt spid="5">
-                                            <p:txEl>
-                                              <p:pRg st="0" end="0"/>
-                                            </p:txEl>
-                                          </p:spTgt>
-                                        </p:tgtEl>
-                                        <p:attrNameLst>
-                                          <p:attrName>style.visibility</p:attrName>
-                                        </p:attrNameLst>
-                                      </p:cBhvr>
-                                      <p:to>
-                                        <p:strVal val="visible"/>
-                                      </p:to>
-                                    </p:set>
-                                    <p:animEffect transition="in" filter="fade">
-                                      <p:cBhvr>
-                                        <p:cTn id="7" dur="500"/>
-                                        <p:tgtEl>
-                                          <p:spTgt spid="5">
-                                            <p:txEl>
-                                              <p:pRg st="0" end="0"/>
-                                            </p:txEl>
-                                          </p:spTgt>
-                                        </p:tgtEl>
-                                      </p:cBhvr>
-                                    </p:animEffect>
-                                  </p:childTnLst>
-                                </p:cTn>
-                              </p:par>
-                            </p:childTnLst>
-                          </p:cTn>
-                        </p:par>
-                      </p:childTnLst>
-                    </p:cTn>
-                  </p:par>
-                  <p:par>
-                    <p:cTn id="8" fill="hold">
-                      <p:stCondLst>
-                        <p:cond delay="indefinite"/>
-                      </p:stCondLst>
-                      <p:childTnLst>
-                        <p:par>
-                          <p:cTn id="9" fill="hold">
-                            <p:stCondLst>
-                              <p:cond delay="0"/>
-                            </p:stCondLst>
-                            <p:childTnLst>
-                              <p:par>
-                                <p:cTn id="10" presetID="10" presetClass="entr" presetSubtype="0" fill="hold" grpId="0" nodeType="clickEffect">
-                                  <p:stCondLst>
-                                    <p:cond delay="0"/>
-                                  </p:stCondLst>
-                                  <p:childTnLst>
-                                    <p:set>
-                                      <p:cBhvr>
-                                        <p:cTn id="11" dur="1" fill="hold">
-                                          <p:stCondLst>
-                                            <p:cond delay="0"/>
-                                          </p:stCondLst>
-                                        </p:cTn>
-                                        <p:tgtEl>
-                                          <p:spTgt spid="5">
-                                            <p:txEl>
-                                              <p:pRg st="1" end="1"/>
-                                            </p:txEl>
-                                          </p:spTgt>
-                                        </p:tgtEl>
-                                        <p:attrNameLst>
-                                          <p:attrName>style.visibility</p:attrName>
-                                        </p:attrNameLst>
-                                      </p:cBhvr>
-                                      <p:to>
-                                        <p:strVal val="visible"/>
-                                      </p:to>
-                                    </p:set>
-                                    <p:animEffect transition="in" filter="fade">
-                                      <p:cBhvr>
-                                        <p:cTn id="12" dur="500"/>
-                                        <p:tgtEl>
-                                          <p:spTgt spid="5">
-                                            <p:txEl>
-                                              <p:pRg st="1" end="1"/>
-                                            </p:txEl>
-                                          </p:spTgt>
-                                        </p:tgtEl>
-                                      </p:cBhvr>
-                                    </p:animEffect>
-                                  </p:childTnLst>
-                                </p:cTn>
-                              </p:par>
-                            </p:childTnLst>
-                          </p:cTn>
-                        </p:par>
-                      </p:childTnLst>
-                    </p:cTn>
-                  </p:par>
-                  <p:par>
-                    <p:cTn id="13" fill="hold">
-                      <p:stCondLst>
-                        <p:cond delay="indefinite"/>
-                      </p:stCondLst>
-                      <p:childTnLst>
-                        <p:par>
-                          <p:cTn id="14" fill="hold">
-                            <p:stCondLst>
-                              <p:cond delay="0"/>
-                            </p:stCondLst>
-                            <p:childTnLst>
-                              <p:par>
-                                <p:cTn id="15" presetID="10" presetClass="entr" presetSubtype="0" fill="hold" grpId="0" nodeType="clickEffect">
-                                  <p:stCondLst>
-                                    <p:cond delay="0"/>
-                                  </p:stCondLst>
-                                  <p:childTnLst>
-                                    <p:set>
-                                      <p:cBhvr>
-                                        <p:cTn id="16" dur="1" fill="hold">
-                                          <p:stCondLst>
-                                            <p:cond delay="0"/>
-                                          </p:stCondLst>
-                                        </p:cTn>
-                                        <p:tgtEl>
-                                          <p:spTgt spid="5">
-                                            <p:txEl>
-                                              <p:pRg st="2" end="2"/>
-                                            </p:txEl>
-                                          </p:spTgt>
-                                        </p:tgtEl>
-                                        <p:attrNameLst>
-                                          <p:attrName>style.visibility</p:attrName>
-                                        </p:attrNameLst>
-                                      </p:cBhvr>
-                                      <p:to>
-                                        <p:strVal val="visible"/>
-                                      </p:to>
-                                    </p:set>
-                                    <p:animEffect transition="in" filter="fade">
-                                      <p:cBhvr>
-                                        <p:cTn id="17" dur="500"/>
-                                        <p:tgtEl>
-                                          <p:spTgt spid="5">
-                                            <p:txEl>
-                                              <p:pRg st="2" end="2"/>
-                                            </p:txEl>
-                                          </p:spTgt>
-                                        </p:tgtEl>
-                                      </p:cBhvr>
-                                    </p:animEffect>
-                                  </p:childTnLst>
-                                </p:cTn>
-                              </p:par>
-                            </p:childTnLst>
-                          </p:cTn>
-                        </p:par>
-                      </p:childTnLst>
-                    </p:cTn>
-                  </p:par>
-                  <p:par>
-                    <p:cTn id="18" fill="hold">
-                      <p:stCondLst>
-                        <p:cond delay="indefinite"/>
-                      </p:stCondLst>
-                      <p:childTnLst>
-                        <p:par>
-                          <p:cTn id="19" fill="hold">
-                            <p:stCondLst>
-                              <p:cond delay="0"/>
-                            </p:stCondLst>
-                            <p:childTnLst>
-                              <p:par>
-                                <p:cTn id="20" presetID="10" presetClass="entr" presetSubtype="0" fill="hold" grpId="0" nodeType="clickEffect">
-                                  <p:stCondLst>
-                                    <p:cond delay="0"/>
-                                  </p:stCondLst>
-                                  <p:childTnLst>
-                                    <p:set>
-                                      <p:cBhvr>
-                                        <p:cTn id="21" dur="1" fill="hold">
-                                          <p:stCondLst>
-                                            <p:cond delay="0"/>
-                                          </p:stCondLst>
-                                        </p:cTn>
-                                        <p:tgtEl>
-                                          <p:spTgt spid="5">
-                                            <p:txEl>
-                                              <p:pRg st="3" end="3"/>
-                                            </p:txEl>
-                                          </p:spTgt>
-                                        </p:tgtEl>
-                                        <p:attrNameLst>
-                                          <p:attrName>style.visibility</p:attrName>
-                                        </p:attrNameLst>
-                                      </p:cBhvr>
-                                      <p:to>
-                                        <p:strVal val="visible"/>
-                                      </p:to>
-                                    </p:set>
-                                    <p:animEffect transition="in" filter="fade">
-                                      <p:cBhvr>
-                                        <p:cTn id="22" dur="500"/>
-                                        <p:tgtEl>
-                                          <p:spTgt spid="5">
-                                            <p:txEl>
-                                              <p:pRg st="3" end="3"/>
-                                            </p:txEl>
-                                          </p:spTgt>
-                                        </p:tgtEl>
-                                      </p:cBhvr>
-                                    </p:animEffect>
-                                  </p:childTnLst>
-                                </p:cTn>
-                              </p:par>
-                            </p:childTnLst>
-                          </p:cTn>
-                        </p:par>
-                      </p:childTnLst>
-                    </p:cTn>
-                  </p:par>
-                  <p:par>
-                    <p:cTn id="23" fill="hold">
-                      <p:stCondLst>
-                        <p:cond delay="indefinite"/>
-                      </p:stCondLst>
-                      <p:childTnLst>
-                        <p:par>
-                          <p:cTn id="24" fill="hold">
-                            <p:stCondLst>
-                              <p:cond delay="0"/>
-                            </p:stCondLst>
-                            <p:childTnLst>
-                              <p:par>
-                                <p:cTn id="25" presetID="10" presetClass="entr" presetSubtype="0" fill="hold" grpId="0" nodeType="clickEffect">
-                                  <p:stCondLst>
-                                    <p:cond delay="0"/>
-                                  </p:stCondLst>
-                                  <p:childTnLst>
-                                    <p:set>
-                                      <p:cBhvr>
-                                        <p:cTn id="26" dur="1" fill="hold">
-                                          <p:stCondLst>
-                                            <p:cond delay="0"/>
-                                          </p:stCondLst>
-                                        </p:cTn>
-                                        <p:tgtEl>
-                                          <p:spTgt spid="5">
-                                            <p:txEl>
-                                              <p:pRg st="4" end="4"/>
-                                            </p:txEl>
-                                          </p:spTgt>
-                                        </p:tgtEl>
-                                        <p:attrNameLst>
-                                          <p:attrName>style.visibility</p:attrName>
-                                        </p:attrNameLst>
-                                      </p:cBhvr>
-                                      <p:to>
-                                        <p:strVal val="visible"/>
-                                      </p:to>
-                                    </p:set>
-                                    <p:animEffect transition="in" filter="fade">
-                                      <p:cBhvr>
-                                        <p:cTn id="27" dur="500"/>
-                                        <p:tgtEl>
-                                          <p:spTgt spid="5">
-                                            <p:txEl>
-                                              <p:pRg st="4" end="4"/>
-                                            </p:txEl>
-                                          </p:spTgt>
-                                        </p:tgtEl>
-                                      </p:cBhvr>
-                                    </p:animEffect>
-                                  </p:childTnLst>
-                                </p:cTn>
-                              </p:par>
-                            </p:childTnLst>
-                          </p:cTn>
-                        </p:par>
-                      </p:childTnLst>
-                    </p:cTn>
-                  </p:par>
-                  <p:par>
-                    <p:cTn id="28" fill="hold">
-                      <p:stCondLst>
-                        <p:cond delay="indefinite"/>
-                      </p:stCondLst>
-                      <p:childTnLst>
-                        <p:par>
-                          <p:cTn id="29" fill="hold">
-                            <p:stCondLst>
-                              <p:cond delay="0"/>
-                            </p:stCondLst>
-                            <p:childTnLst>
-                              <p:par>
-                                <p:cTn id="30" presetID="10" presetClass="entr" presetSubtype="0" fill="hold" grpId="0" nodeType="clickEffect">
-                                  <p:stCondLst>
-                                    <p:cond delay="0"/>
-                                  </p:stCondLst>
-                                  <p:childTnLst>
-                                    <p:set>
-                                      <p:cBhvr>
-                                        <p:cTn id="31" dur="1" fill="hold">
-                                          <p:stCondLst>
-                                            <p:cond delay="0"/>
-                                          </p:stCondLst>
-                                        </p:cTn>
-                                        <p:tgtEl>
-                                          <p:spTgt spid="5">
-                                            <p:txEl>
-                                              <p:pRg st="5" end="5"/>
-                                            </p:txEl>
-                                          </p:spTgt>
-                                        </p:tgtEl>
-                                        <p:attrNameLst>
-                                          <p:attrName>style.visibility</p:attrName>
-                                        </p:attrNameLst>
-                                      </p:cBhvr>
-                                      <p:to>
-                                        <p:strVal val="visible"/>
-                                      </p:to>
-                                    </p:set>
-                                    <p:animEffect transition="in" filter="fade">
-                                      <p:cBhvr>
-                                        <p:cTn id="32" dur="500"/>
-                                        <p:tgtEl>
-                                          <p:spTgt spid="5">
-                                            <p:txEl>
-                                              <p:pRg st="5" end="5"/>
-                                            </p:txEl>
-                                          </p:spTgt>
-                                        </p:tgtEl>
-                                      </p:cBhvr>
-                                    </p:animEffect>
-                                  </p:childTnLst>
-                                </p:cTn>
-                              </p:par>
-                            </p:childTnLst>
-                          </p:cTn>
-                        </p:par>
-                      </p:childTnLst>
-                    </p:cTn>
-                  </p:par>
-                </p:childTnLst>
-              </p:cTn>
-              <p:prevCondLst>
-                <p:cond evt="onPrev" delay="0">
-                  <p:tgtEl>
-                    <p:sldTgt/>
-                  </p:tgtEl>
-                </p:cond>
-              </p:prevCondLst>
-              <p:nextCondLst>
-                <p:cond evt="onNext" delay="0">
-                  <p:tgtEl>
-                    <p:sldTgt/>
-                  </p:tgtEl>
-                </p:cond>
-              </p:nextCondLst>
-            </p:seq>
-          </p:childTnLst>
-        </p:cTn>
-      </p:par>
-    </p:tnLst>
-    <p:bldLst>
-      <p:bldP spid="5" grpId="0" build="p"/>
-    </p:bldLst>
-  </p:timing>
-</p:sld>
-</file>
-
-<file path=ppt/slides/slide8.xml><?xml version="1.0" encoding="utf-8"?>
 <p:sld xmlns:a="http://schemas.openxmlformats.org/drawingml/2006/main" xmlns:r="http://schemas.openxmlformats.org/officeDocument/2006/relationships" xmlns:p="http://schemas.openxmlformats.org/presentationml/2006/main">
   <p:cSld>
     <p:spTree>
@@ -16796,7 +12889,1523 @@
 </p:sld>
 </file>
 
-<file path=ppt/slides/slide9.xml><?xml version="1.0" encoding="utf-8"?>
+<file path=ppt/slides/slide11.xml><?xml version="1.0" encoding="utf-8"?>
+<p:sld xmlns:a="http://schemas.openxmlformats.org/drawingml/2006/main" xmlns:r="http://schemas.openxmlformats.org/officeDocument/2006/relationships" xmlns:p="http://schemas.openxmlformats.org/presentationml/2006/main">
+  <p:cSld>
+    <p:spTree>
+      <p:nvGrpSpPr>
+        <p:cNvPr id="1" name=""/>
+        <p:cNvGrpSpPr/>
+        <p:nvPr/>
+      </p:nvGrpSpPr>
+      <p:grpSpPr>
+        <a:xfrm>
+          <a:off x="0" y="0"/>
+          <a:ext cx="0" cy="0"/>
+          <a:chOff x="0" y="0"/>
+          <a:chExt cx="0" cy="0"/>
+        </a:xfrm>
+      </p:grpSpPr>
+      <p:sp>
+        <p:nvSpPr>
+          <p:cNvPr id="2" name="Title 1">
+            <a:extLst>
+              <a:ext uri="{FF2B5EF4-FFF2-40B4-BE49-F238E27FC236}">
+                <a16:creationId xmlns:a16="http://schemas.microsoft.com/office/drawing/2014/main" id="{243FAE69-6AB9-4165-AE0C-478D4EEED379}"/>
+              </a:ext>
+            </a:extLst>
+          </p:cNvPr>
+          <p:cNvSpPr>
+            <a:spLocks noGrp="1"/>
+          </p:cNvSpPr>
+          <p:nvPr>
+            <p:ph type="title"/>
+          </p:nvPr>
+        </p:nvSpPr>
+        <p:spPr/>
+        <p:txBody>
+          <a:bodyPr/>
+          <a:lstStyle/>
+          <a:p>
+            <a:r>
+              <a:rPr lang="en-US" dirty="0"/>
+              <a:t>¿Por </a:t>
+            </a:r>
+            <a:r>
+              <a:rPr lang="en-US" dirty="0" err="1"/>
+              <a:t>qué</a:t>
+            </a:r>
+            <a:r>
+              <a:rPr lang="en-US" dirty="0"/>
+              <a:t>?</a:t>
+            </a:r>
+          </a:p>
+        </p:txBody>
+      </p:sp>
+    </p:spTree>
+    <p:extLst>
+      <p:ext uri="{BB962C8B-B14F-4D97-AF65-F5344CB8AC3E}">
+        <p14:creationId xmlns:p14="http://schemas.microsoft.com/office/powerpoint/2010/main" val="127209645"/>
+      </p:ext>
+    </p:extLst>
+  </p:cSld>
+  <p:clrMapOvr>
+    <a:masterClrMapping/>
+  </p:clrMapOvr>
+  <p:transition>
+    <p:fade/>
+  </p:transition>
+</p:sld>
+</file>
+
+<file path=ppt/slides/slide12.xml><?xml version="1.0" encoding="utf-8"?>
+<p:sld xmlns:a="http://schemas.openxmlformats.org/drawingml/2006/main" xmlns:r="http://schemas.openxmlformats.org/officeDocument/2006/relationships" xmlns:p="http://schemas.openxmlformats.org/presentationml/2006/main">
+  <p:cSld>
+    <p:spTree>
+      <p:nvGrpSpPr>
+        <p:cNvPr id="1" name=""/>
+        <p:cNvGrpSpPr/>
+        <p:nvPr/>
+      </p:nvGrpSpPr>
+      <p:grpSpPr>
+        <a:xfrm>
+          <a:off x="0" y="0"/>
+          <a:ext cx="0" cy="0"/>
+          <a:chOff x="0" y="0"/>
+          <a:chExt cx="0" cy="0"/>
+        </a:xfrm>
+      </p:grpSpPr>
+      <p:sp>
+        <p:nvSpPr>
+          <p:cNvPr id="3" name="Rectangle 2">
+            <a:extLst>
+              <a:ext uri="{FF2B5EF4-FFF2-40B4-BE49-F238E27FC236}">
+                <a16:creationId xmlns:a16="http://schemas.microsoft.com/office/drawing/2014/main" id="{D7F13926-2CED-46D8-B8A0-AA531EFDAB01}"/>
+              </a:ext>
+            </a:extLst>
+          </p:cNvPr>
+          <p:cNvSpPr/>
+          <p:nvPr/>
+        </p:nvSpPr>
+        <p:spPr>
+          <a:xfrm>
+            <a:off x="1" y="1270332"/>
+            <a:ext cx="12191999" cy="4317336"/>
+          </a:xfrm>
+          <a:prstGeom prst="rect">
+            <a:avLst/>
+          </a:prstGeom>
+        </p:spPr>
+        <p:txBody>
+          <a:bodyPr wrap="square">
+            <a:spAutoFit/>
+          </a:bodyPr>
+          <a:lstStyle/>
+          <a:p>
+            <a:pPr algn="ctr" defTabSz="914358">
+              <a:lnSpc>
+                <a:spcPct val="150000"/>
+              </a:lnSpc>
+            </a:pPr>
+            <a:r>
+              <a:rPr lang="en-US" sz="2800" dirty="0" err="1">
+                <a:solidFill>
+                  <a:srgbClr val="512BD4"/>
+                </a:solidFill>
+                <a:latin typeface="Segoe UI Light"/>
+                <a:ea typeface="Segoe UI Symbol" panose="020B0502040204020203" pitchFamily="34" charset="0"/>
+              </a:rPr>
+              <a:t>Esto</a:t>
+            </a:r>
+            <a:r>
+              <a:rPr lang="en-US" sz="2800" dirty="0">
+                <a:solidFill>
+                  <a:srgbClr val="512BD4"/>
+                </a:solidFill>
+                <a:latin typeface="Segoe UI Light"/>
+                <a:ea typeface="Segoe UI Symbol" panose="020B0502040204020203" pitchFamily="34" charset="0"/>
+              </a:rPr>
+              <a:t> es un </a:t>
+            </a:r>
+            <a:r>
+              <a:rPr lang="en-US" sz="4000" b="1" dirty="0">
+                <a:solidFill>
+                  <a:srgbClr val="512BD4"/>
+                </a:solidFill>
+                <a:latin typeface="Segoe UI Light"/>
+                <a:ea typeface="Segoe UI Symbol" panose="020B0502040204020203" pitchFamily="34" charset="0"/>
+              </a:rPr>
+              <a:t>taller </a:t>
+            </a:r>
+            <a:endParaRPr lang="en-US" sz="2800" dirty="0">
+              <a:solidFill>
+                <a:srgbClr val="512BD4"/>
+              </a:solidFill>
+              <a:latin typeface="Segoe UI Light"/>
+              <a:ea typeface="Segoe UI Symbol" panose="020B0502040204020203" pitchFamily="34" charset="0"/>
+            </a:endParaRPr>
+          </a:p>
+          <a:p>
+            <a:pPr algn="ctr" defTabSz="914358">
+              <a:lnSpc>
+                <a:spcPct val="150000"/>
+              </a:lnSpc>
+            </a:pPr>
+            <a:r>
+              <a:rPr lang="en-US" sz="2800" dirty="0">
+                <a:solidFill>
+                  <a:srgbClr val="512BD4"/>
+                </a:solidFill>
+                <a:latin typeface="Segoe UI Light"/>
+                <a:ea typeface="Segoe UI Symbol" panose="020B0502040204020203" pitchFamily="34" charset="0"/>
+              </a:rPr>
+              <a:t>para </a:t>
+            </a:r>
+            <a:r>
+              <a:rPr lang="en-US" sz="2800" dirty="0" err="1">
+                <a:solidFill>
+                  <a:srgbClr val="512BD4"/>
+                </a:solidFill>
+                <a:latin typeface="Segoe UI Light"/>
+                <a:ea typeface="Segoe UI Symbol" panose="020B0502040204020203" pitchFamily="34" charset="0"/>
+              </a:rPr>
+              <a:t>aprender</a:t>
+            </a:r>
+            <a:r>
+              <a:rPr lang="en-US" sz="2800" dirty="0">
+                <a:solidFill>
+                  <a:srgbClr val="512BD4"/>
+                </a:solidFill>
+                <a:latin typeface="Segoe UI Light"/>
+                <a:ea typeface="Segoe UI Symbol" panose="020B0502040204020203" pitchFamily="34" charset="0"/>
+              </a:rPr>
+              <a:t> </a:t>
+            </a:r>
+            <a:r>
+              <a:rPr lang="en-US" sz="2800" dirty="0" err="1">
+                <a:solidFill>
+                  <a:srgbClr val="512BD4"/>
+                </a:solidFill>
+                <a:latin typeface="Segoe UI Light"/>
+                <a:ea typeface="Segoe UI Symbol" panose="020B0502040204020203" pitchFamily="34" charset="0"/>
+              </a:rPr>
+              <a:t>conceptos</a:t>
+            </a:r>
+            <a:r>
+              <a:rPr lang="en-US" sz="2800" dirty="0">
+                <a:solidFill>
+                  <a:srgbClr val="512BD4"/>
+                </a:solidFill>
+                <a:latin typeface="Segoe UI Light"/>
+                <a:ea typeface="Segoe UI Symbol" panose="020B0502040204020203" pitchFamily="34" charset="0"/>
+              </a:rPr>
+              <a:t> </a:t>
+            </a:r>
+            <a:r>
+              <a:rPr lang="en-US" sz="2800" dirty="0" err="1">
+                <a:solidFill>
+                  <a:srgbClr val="512BD4"/>
+                </a:solidFill>
+                <a:latin typeface="Segoe UI Light"/>
+                <a:ea typeface="Segoe UI Symbol" panose="020B0502040204020203" pitchFamily="34" charset="0"/>
+              </a:rPr>
+              <a:t>básicos</a:t>
+            </a:r>
+            <a:r>
+              <a:rPr lang="en-US" sz="2800" dirty="0">
+                <a:solidFill>
+                  <a:srgbClr val="512BD4"/>
+                </a:solidFill>
+                <a:latin typeface="Segoe UI Light"/>
+                <a:ea typeface="Segoe UI Symbol" panose="020B0502040204020203" pitchFamily="34" charset="0"/>
+              </a:rPr>
+              <a:t> </a:t>
+            </a:r>
+            <a:r>
+              <a:rPr lang="en-US" sz="2800" dirty="0" err="1">
+                <a:solidFill>
+                  <a:srgbClr val="512BD4"/>
+                </a:solidFill>
+                <a:latin typeface="Segoe UI Light"/>
+                <a:ea typeface="Segoe UI Symbol" panose="020B0502040204020203" pitchFamily="34" charset="0"/>
+              </a:rPr>
+              <a:t>relacionados</a:t>
+            </a:r>
+            <a:r>
+              <a:rPr lang="en-US" sz="2800" dirty="0">
+                <a:solidFill>
+                  <a:srgbClr val="512BD4"/>
+                </a:solidFill>
+                <a:latin typeface="Segoe UI Light"/>
+                <a:ea typeface="Segoe UI Symbol" panose="020B0502040204020203" pitchFamily="34" charset="0"/>
+              </a:rPr>
+              <a:t> con</a:t>
+            </a:r>
+          </a:p>
+          <a:p>
+            <a:pPr algn="ctr" defTabSz="914358">
+              <a:lnSpc>
+                <a:spcPct val="150000"/>
+              </a:lnSpc>
+            </a:pPr>
+            <a:r>
+              <a:rPr lang="en-US" sz="4000" b="1" dirty="0" err="1">
+                <a:solidFill>
+                  <a:srgbClr val="512BD4"/>
+                </a:solidFill>
+                <a:latin typeface="Segoe UI Light"/>
+                <a:ea typeface="Segoe UI Symbol" panose="020B0502040204020203" pitchFamily="34" charset="0"/>
+              </a:rPr>
+              <a:t>el</a:t>
+            </a:r>
+            <a:r>
+              <a:rPr lang="en-US" sz="4000" b="1" dirty="0">
+                <a:solidFill>
+                  <a:srgbClr val="512BD4"/>
+                </a:solidFill>
+                <a:latin typeface="Segoe UI Light"/>
+                <a:ea typeface="Segoe UI Symbol" panose="020B0502040204020203" pitchFamily="34" charset="0"/>
+              </a:rPr>
+              <a:t> </a:t>
+            </a:r>
+            <a:r>
+              <a:rPr lang="en-US" sz="4000" b="1" dirty="0" err="1">
+                <a:solidFill>
+                  <a:srgbClr val="512BD4"/>
+                </a:solidFill>
+                <a:latin typeface="Segoe UI Light"/>
+                <a:ea typeface="Segoe UI Symbol" panose="020B0502040204020203" pitchFamily="34" charset="0"/>
+              </a:rPr>
+              <a:t>desarrollo</a:t>
+            </a:r>
+            <a:r>
+              <a:rPr lang="en-US" sz="4000" b="1" dirty="0">
+                <a:solidFill>
+                  <a:srgbClr val="512BD4"/>
+                </a:solidFill>
+                <a:latin typeface="Segoe UI Light"/>
+                <a:ea typeface="Segoe UI Symbol" panose="020B0502040204020203" pitchFamily="34" charset="0"/>
+              </a:rPr>
+              <a:t> de apps con .NET MAUI</a:t>
+            </a:r>
+          </a:p>
+          <a:p>
+            <a:pPr algn="ctr" defTabSz="914358">
+              <a:lnSpc>
+                <a:spcPct val="150000"/>
+              </a:lnSpc>
+            </a:pPr>
+            <a:r>
+              <a:rPr lang="en-US" sz="2800" dirty="0" err="1">
+                <a:solidFill>
+                  <a:srgbClr val="512BD4"/>
+                </a:solidFill>
+                <a:latin typeface="Segoe UI Light"/>
+                <a:ea typeface="Segoe UI Symbol" panose="020B0502040204020203" pitchFamily="34" charset="0"/>
+              </a:rPr>
+              <a:t>pero</a:t>
+            </a:r>
+            <a:r>
+              <a:rPr lang="en-US" sz="2800" dirty="0">
+                <a:solidFill>
+                  <a:srgbClr val="512BD4"/>
+                </a:solidFill>
+                <a:latin typeface="Segoe UI Light"/>
+                <a:ea typeface="Segoe UI Symbol" panose="020B0502040204020203" pitchFamily="34" charset="0"/>
+              </a:rPr>
+              <a:t> </a:t>
+            </a:r>
+            <a:r>
+              <a:rPr lang="en-US" sz="4000" b="1" dirty="0">
+                <a:solidFill>
+                  <a:srgbClr val="512BD4"/>
+                </a:solidFill>
+                <a:latin typeface="Segoe UI Light"/>
+                <a:ea typeface="Segoe UI Symbol" panose="020B0502040204020203" pitchFamily="34" charset="0"/>
+              </a:rPr>
+              <a:t>no</a:t>
+            </a:r>
+            <a:r>
+              <a:rPr lang="en-US" sz="3200" b="1" dirty="0">
+                <a:solidFill>
+                  <a:srgbClr val="512BD4"/>
+                </a:solidFill>
+                <a:latin typeface="Segoe UI Light"/>
+                <a:ea typeface="Segoe UI Symbol" panose="020B0502040204020203" pitchFamily="34" charset="0"/>
+              </a:rPr>
+              <a:t> </a:t>
+            </a:r>
+            <a:r>
+              <a:rPr lang="en-US" sz="2800" dirty="0">
+                <a:solidFill>
+                  <a:srgbClr val="512BD4"/>
+                </a:solidFill>
+                <a:latin typeface="Segoe UI Light"/>
+                <a:ea typeface="Segoe UI Symbol" panose="020B0502040204020203" pitchFamily="34" charset="0"/>
+              </a:rPr>
+              <a:t>es</a:t>
+            </a:r>
+          </a:p>
+          <a:p>
+            <a:pPr algn="ctr" defTabSz="914358">
+              <a:lnSpc>
+                <a:spcPct val="150000"/>
+              </a:lnSpc>
+            </a:pPr>
+            <a:r>
+              <a:rPr lang="en-US" sz="4000" b="1" dirty="0">
+                <a:solidFill>
+                  <a:srgbClr val="512BD4"/>
+                </a:solidFill>
+                <a:latin typeface="Segoe UI Light"/>
+                <a:ea typeface="Segoe UI Symbol" panose="020B0502040204020203" pitchFamily="34" charset="0"/>
+              </a:rPr>
+              <a:t>Un </a:t>
+            </a:r>
+            <a:r>
+              <a:rPr lang="en-US" sz="4000" b="1" dirty="0" err="1">
+                <a:solidFill>
+                  <a:srgbClr val="512BD4"/>
+                </a:solidFill>
+                <a:latin typeface="Segoe UI Light"/>
+                <a:ea typeface="Segoe UI Symbol" panose="020B0502040204020203" pitchFamily="34" charset="0"/>
+              </a:rPr>
+              <a:t>curso</a:t>
+            </a:r>
+            <a:r>
+              <a:rPr lang="en-US" sz="4000" b="1" dirty="0">
+                <a:solidFill>
+                  <a:srgbClr val="512BD4"/>
+                </a:solidFill>
+                <a:latin typeface="Segoe UI Light"/>
+                <a:ea typeface="Segoe UI Symbol" panose="020B0502040204020203" pitchFamily="34" charset="0"/>
+              </a:rPr>
+              <a:t> </a:t>
+            </a:r>
+            <a:r>
+              <a:rPr lang="en-US" sz="4000" b="1" dirty="0" err="1">
+                <a:solidFill>
+                  <a:srgbClr val="512BD4"/>
+                </a:solidFill>
+                <a:latin typeface="Segoe UI Light"/>
+                <a:ea typeface="Segoe UI Symbol" panose="020B0502040204020203" pitchFamily="34" charset="0"/>
+              </a:rPr>
+              <a:t>completo</a:t>
+            </a:r>
+            <a:r>
+              <a:rPr lang="en-US" sz="4000" b="1" dirty="0">
+                <a:solidFill>
+                  <a:srgbClr val="512BD4"/>
+                </a:solidFill>
+                <a:latin typeface="Segoe UI Light"/>
+                <a:ea typeface="Segoe UI Symbol" panose="020B0502040204020203" pitchFamily="34" charset="0"/>
+              </a:rPr>
+              <a:t>.</a:t>
+            </a:r>
+            <a:r>
+              <a:rPr lang="en-US" sz="2800" dirty="0">
+                <a:solidFill>
+                  <a:srgbClr val="512BD4"/>
+                </a:solidFill>
+                <a:latin typeface="Segoe UI Light"/>
+                <a:ea typeface="Segoe UI Symbol" panose="020B0502040204020203" pitchFamily="34" charset="0"/>
+              </a:rPr>
+              <a:t> </a:t>
+            </a:r>
+            <a:endParaRPr lang="en-US" sz="3200" dirty="0">
+              <a:solidFill>
+                <a:srgbClr val="512BD4"/>
+              </a:solidFill>
+              <a:latin typeface="Segoe UI Light"/>
+              <a:ea typeface="Segoe UI Symbol" panose="020B0502040204020203" pitchFamily="34" charset="0"/>
+            </a:endParaRPr>
+          </a:p>
+        </p:txBody>
+      </p:sp>
+    </p:spTree>
+    <p:extLst>
+      <p:ext uri="{BB962C8B-B14F-4D97-AF65-F5344CB8AC3E}">
+        <p14:creationId xmlns:p14="http://schemas.microsoft.com/office/powerpoint/2010/main" val="2766863936"/>
+      </p:ext>
+    </p:extLst>
+  </p:cSld>
+  <p:clrMapOvr>
+    <a:masterClrMapping/>
+  </p:clrMapOvr>
+  <mc:AlternateContent xmlns:mc="http://schemas.openxmlformats.org/markup-compatibility/2006" xmlns:p14="http://schemas.microsoft.com/office/powerpoint/2010/main">
+    <mc:Choice Requires="p14">
+      <p:transition spd="med" p14:dur="700">
+        <p:fade/>
+      </p:transition>
+    </mc:Choice>
+    <mc:Fallback xmlns="">
+      <p:transition spd="med">
+        <p:fade/>
+      </p:transition>
+    </mc:Fallback>
+  </mc:AlternateContent>
+  <p:timing>
+    <p:tnLst>
+      <p:par>
+        <p:cTn id="1" dur="indefinite" restart="never" nodeType="tmRoot">
+          <p:childTnLst>
+            <p:seq concurrent="1" nextAc="seek">
+              <p:cTn id="2" dur="indefinite" nodeType="mainSeq">
+                <p:childTnLst>
+                  <p:par>
+                    <p:cTn id="3" fill="hold">
+                      <p:stCondLst>
+                        <p:cond delay="indefinite"/>
+                        <p:cond evt="onBegin" delay="0">
+                          <p:tn val="2"/>
+                        </p:cond>
+                      </p:stCondLst>
+                      <p:childTnLst>
+                        <p:par>
+                          <p:cTn id="4" fill="hold">
+                            <p:stCondLst>
+                              <p:cond delay="0"/>
+                            </p:stCondLst>
+                            <p:childTnLst>
+                              <p:par>
+                                <p:cTn id="5" presetID="10" presetClass="entr" presetSubtype="0" fill="hold" grpId="0" nodeType="afterEffect">
+                                  <p:stCondLst>
+                                    <p:cond delay="0"/>
+                                  </p:stCondLst>
+                                  <p:childTnLst>
+                                    <p:set>
+                                      <p:cBhvr>
+                                        <p:cTn id="6" dur="1" fill="hold">
+                                          <p:stCondLst>
+                                            <p:cond delay="0"/>
+                                          </p:stCondLst>
+                                        </p:cTn>
+                                        <p:tgtEl>
+                                          <p:spTgt spid="3">
+                                            <p:txEl>
+                                              <p:pRg st="0" end="0"/>
+                                            </p:txEl>
+                                          </p:spTgt>
+                                        </p:tgtEl>
+                                        <p:attrNameLst>
+                                          <p:attrName>style.visibility</p:attrName>
+                                        </p:attrNameLst>
+                                      </p:cBhvr>
+                                      <p:to>
+                                        <p:strVal val="visible"/>
+                                      </p:to>
+                                    </p:set>
+                                    <p:animEffect transition="in" filter="fade">
+                                      <p:cBhvr>
+                                        <p:cTn id="7" dur="500"/>
+                                        <p:tgtEl>
+                                          <p:spTgt spid="3">
+                                            <p:txEl>
+                                              <p:pRg st="0" end="0"/>
+                                            </p:txEl>
+                                          </p:spTgt>
+                                        </p:tgtEl>
+                                      </p:cBhvr>
+                                    </p:animEffect>
+                                  </p:childTnLst>
+                                </p:cTn>
+                              </p:par>
+                            </p:childTnLst>
+                          </p:cTn>
+                        </p:par>
+                      </p:childTnLst>
+                    </p:cTn>
+                  </p:par>
+                  <p:par>
+                    <p:cTn id="8" fill="hold">
+                      <p:stCondLst>
+                        <p:cond delay="indefinite"/>
+                      </p:stCondLst>
+                      <p:childTnLst>
+                        <p:par>
+                          <p:cTn id="9" fill="hold">
+                            <p:stCondLst>
+                              <p:cond delay="0"/>
+                            </p:stCondLst>
+                            <p:childTnLst>
+                              <p:par>
+                                <p:cTn id="10" presetID="10" presetClass="entr" presetSubtype="0" fill="hold" grpId="0" nodeType="clickEffect">
+                                  <p:stCondLst>
+                                    <p:cond delay="0"/>
+                                  </p:stCondLst>
+                                  <p:childTnLst>
+                                    <p:set>
+                                      <p:cBhvr>
+                                        <p:cTn id="11" dur="1" fill="hold">
+                                          <p:stCondLst>
+                                            <p:cond delay="0"/>
+                                          </p:stCondLst>
+                                        </p:cTn>
+                                        <p:tgtEl>
+                                          <p:spTgt spid="3">
+                                            <p:txEl>
+                                              <p:pRg st="1" end="1"/>
+                                            </p:txEl>
+                                          </p:spTgt>
+                                        </p:tgtEl>
+                                        <p:attrNameLst>
+                                          <p:attrName>style.visibility</p:attrName>
+                                        </p:attrNameLst>
+                                      </p:cBhvr>
+                                      <p:to>
+                                        <p:strVal val="visible"/>
+                                      </p:to>
+                                    </p:set>
+                                    <p:animEffect transition="in" filter="fade">
+                                      <p:cBhvr>
+                                        <p:cTn id="12" dur="500"/>
+                                        <p:tgtEl>
+                                          <p:spTgt spid="3">
+                                            <p:txEl>
+                                              <p:pRg st="1" end="1"/>
+                                            </p:txEl>
+                                          </p:spTgt>
+                                        </p:tgtEl>
+                                      </p:cBhvr>
+                                    </p:animEffect>
+                                  </p:childTnLst>
+                                </p:cTn>
+                              </p:par>
+                            </p:childTnLst>
+                          </p:cTn>
+                        </p:par>
+                      </p:childTnLst>
+                    </p:cTn>
+                  </p:par>
+                  <p:par>
+                    <p:cTn id="13" fill="hold">
+                      <p:stCondLst>
+                        <p:cond delay="indefinite"/>
+                      </p:stCondLst>
+                      <p:childTnLst>
+                        <p:par>
+                          <p:cTn id="14" fill="hold">
+                            <p:stCondLst>
+                              <p:cond delay="0"/>
+                            </p:stCondLst>
+                            <p:childTnLst>
+                              <p:par>
+                                <p:cTn id="15" presetID="10" presetClass="entr" presetSubtype="0" fill="hold" grpId="0" nodeType="clickEffect">
+                                  <p:stCondLst>
+                                    <p:cond delay="0"/>
+                                  </p:stCondLst>
+                                  <p:childTnLst>
+                                    <p:set>
+                                      <p:cBhvr>
+                                        <p:cTn id="16" dur="1" fill="hold">
+                                          <p:stCondLst>
+                                            <p:cond delay="0"/>
+                                          </p:stCondLst>
+                                        </p:cTn>
+                                        <p:tgtEl>
+                                          <p:spTgt spid="3">
+                                            <p:txEl>
+                                              <p:pRg st="2" end="2"/>
+                                            </p:txEl>
+                                          </p:spTgt>
+                                        </p:tgtEl>
+                                        <p:attrNameLst>
+                                          <p:attrName>style.visibility</p:attrName>
+                                        </p:attrNameLst>
+                                      </p:cBhvr>
+                                      <p:to>
+                                        <p:strVal val="visible"/>
+                                      </p:to>
+                                    </p:set>
+                                    <p:animEffect transition="in" filter="fade">
+                                      <p:cBhvr>
+                                        <p:cTn id="17" dur="500"/>
+                                        <p:tgtEl>
+                                          <p:spTgt spid="3">
+                                            <p:txEl>
+                                              <p:pRg st="2" end="2"/>
+                                            </p:txEl>
+                                          </p:spTgt>
+                                        </p:tgtEl>
+                                      </p:cBhvr>
+                                    </p:animEffect>
+                                  </p:childTnLst>
+                                </p:cTn>
+                              </p:par>
+                            </p:childTnLst>
+                          </p:cTn>
+                        </p:par>
+                      </p:childTnLst>
+                    </p:cTn>
+                  </p:par>
+                  <p:par>
+                    <p:cTn id="18" fill="hold">
+                      <p:stCondLst>
+                        <p:cond delay="indefinite"/>
+                      </p:stCondLst>
+                      <p:childTnLst>
+                        <p:par>
+                          <p:cTn id="19" fill="hold">
+                            <p:stCondLst>
+                              <p:cond delay="0"/>
+                            </p:stCondLst>
+                            <p:childTnLst>
+                              <p:par>
+                                <p:cTn id="20" presetID="10" presetClass="entr" presetSubtype="0" fill="hold" grpId="0" nodeType="clickEffect">
+                                  <p:stCondLst>
+                                    <p:cond delay="0"/>
+                                  </p:stCondLst>
+                                  <p:childTnLst>
+                                    <p:set>
+                                      <p:cBhvr>
+                                        <p:cTn id="21" dur="1" fill="hold">
+                                          <p:stCondLst>
+                                            <p:cond delay="0"/>
+                                          </p:stCondLst>
+                                        </p:cTn>
+                                        <p:tgtEl>
+                                          <p:spTgt spid="3">
+                                            <p:txEl>
+                                              <p:pRg st="3" end="3"/>
+                                            </p:txEl>
+                                          </p:spTgt>
+                                        </p:tgtEl>
+                                        <p:attrNameLst>
+                                          <p:attrName>style.visibility</p:attrName>
+                                        </p:attrNameLst>
+                                      </p:cBhvr>
+                                      <p:to>
+                                        <p:strVal val="visible"/>
+                                      </p:to>
+                                    </p:set>
+                                    <p:animEffect transition="in" filter="fade">
+                                      <p:cBhvr>
+                                        <p:cTn id="22" dur="500"/>
+                                        <p:tgtEl>
+                                          <p:spTgt spid="3">
+                                            <p:txEl>
+                                              <p:pRg st="3" end="3"/>
+                                            </p:txEl>
+                                          </p:spTgt>
+                                        </p:tgtEl>
+                                      </p:cBhvr>
+                                    </p:animEffect>
+                                  </p:childTnLst>
+                                </p:cTn>
+                              </p:par>
+                            </p:childTnLst>
+                          </p:cTn>
+                        </p:par>
+                      </p:childTnLst>
+                    </p:cTn>
+                  </p:par>
+                  <p:par>
+                    <p:cTn id="23" fill="hold">
+                      <p:stCondLst>
+                        <p:cond delay="indefinite"/>
+                      </p:stCondLst>
+                      <p:childTnLst>
+                        <p:par>
+                          <p:cTn id="24" fill="hold">
+                            <p:stCondLst>
+                              <p:cond delay="0"/>
+                            </p:stCondLst>
+                            <p:childTnLst>
+                              <p:par>
+                                <p:cTn id="25" presetID="10" presetClass="entr" presetSubtype="0" fill="hold" grpId="0" nodeType="clickEffect">
+                                  <p:stCondLst>
+                                    <p:cond delay="0"/>
+                                  </p:stCondLst>
+                                  <p:childTnLst>
+                                    <p:set>
+                                      <p:cBhvr>
+                                        <p:cTn id="26" dur="1" fill="hold">
+                                          <p:stCondLst>
+                                            <p:cond delay="0"/>
+                                          </p:stCondLst>
+                                        </p:cTn>
+                                        <p:tgtEl>
+                                          <p:spTgt spid="3">
+                                            <p:txEl>
+                                              <p:pRg st="4" end="4"/>
+                                            </p:txEl>
+                                          </p:spTgt>
+                                        </p:tgtEl>
+                                        <p:attrNameLst>
+                                          <p:attrName>style.visibility</p:attrName>
+                                        </p:attrNameLst>
+                                      </p:cBhvr>
+                                      <p:to>
+                                        <p:strVal val="visible"/>
+                                      </p:to>
+                                    </p:set>
+                                    <p:animEffect transition="in" filter="fade">
+                                      <p:cBhvr>
+                                        <p:cTn id="27" dur="500"/>
+                                        <p:tgtEl>
+                                          <p:spTgt spid="3">
+                                            <p:txEl>
+                                              <p:pRg st="4" end="4"/>
+                                            </p:txEl>
+                                          </p:spTgt>
+                                        </p:tgtEl>
+                                      </p:cBhvr>
+                                    </p:animEffect>
+                                  </p:childTnLst>
+                                </p:cTn>
+                              </p:par>
+                            </p:childTnLst>
+                          </p:cTn>
+                        </p:par>
+                      </p:childTnLst>
+                    </p:cTn>
+                  </p:par>
+                </p:childTnLst>
+              </p:cTn>
+              <p:prevCondLst>
+                <p:cond evt="onPrev" delay="0">
+                  <p:tgtEl>
+                    <p:sldTgt/>
+                  </p:tgtEl>
+                </p:cond>
+              </p:prevCondLst>
+              <p:nextCondLst>
+                <p:cond evt="onNext" delay="0">
+                  <p:tgtEl>
+                    <p:sldTgt/>
+                  </p:tgtEl>
+                </p:cond>
+              </p:nextCondLst>
+            </p:seq>
+          </p:childTnLst>
+        </p:cTn>
+      </p:par>
+    </p:tnLst>
+    <p:bldLst>
+      <p:bldP spid="3" grpId="0" uiExpand="1" build="p"/>
+    </p:bldLst>
+  </p:timing>
+</p:sld>
+</file>
+
+<file path=ppt/slides/slide13.xml><?xml version="1.0" encoding="utf-8"?>
+<p:sld xmlns:a="http://schemas.openxmlformats.org/drawingml/2006/main" xmlns:r="http://schemas.openxmlformats.org/officeDocument/2006/relationships" xmlns:p="http://schemas.openxmlformats.org/presentationml/2006/main">
+  <p:cSld>
+    <p:spTree>
+      <p:nvGrpSpPr>
+        <p:cNvPr id="1" name=""/>
+        <p:cNvGrpSpPr/>
+        <p:nvPr/>
+      </p:nvGrpSpPr>
+      <p:grpSpPr>
+        <a:xfrm>
+          <a:off x="0" y="0"/>
+          <a:ext cx="0" cy="0"/>
+          <a:chOff x="0" y="0"/>
+          <a:chExt cx="0" cy="0"/>
+        </a:xfrm>
+      </p:grpSpPr>
+      <p:sp>
+        <p:nvSpPr>
+          <p:cNvPr id="2" name="Title 1">
+            <a:extLst>
+              <a:ext uri="{FF2B5EF4-FFF2-40B4-BE49-F238E27FC236}">
+                <a16:creationId xmlns:a16="http://schemas.microsoft.com/office/drawing/2014/main" id="{243FAE69-6AB9-4165-AE0C-478D4EEED379}"/>
+              </a:ext>
+            </a:extLst>
+          </p:cNvPr>
+          <p:cNvSpPr>
+            <a:spLocks noGrp="1"/>
+          </p:cNvSpPr>
+          <p:nvPr>
+            <p:ph type="title"/>
+          </p:nvPr>
+        </p:nvSpPr>
+        <p:spPr>
+          <a:xfrm>
+            <a:off x="1165664" y="2532448"/>
+            <a:ext cx="9860672" cy="1793104"/>
+          </a:xfrm>
+        </p:spPr>
+        <p:txBody>
+          <a:bodyPr anchor="ctr"/>
+          <a:lstStyle/>
+          <a:p>
+            <a:pPr algn="ctr"/>
+            <a:r>
+              <a:rPr lang="en-US" sz="6600" dirty="0">
+                <a:solidFill>
+                  <a:srgbClr val="7030A0"/>
+                </a:solidFill>
+              </a:rPr>
+              <a:t>#tallerdotnetmaui</a:t>
+            </a:r>
+          </a:p>
+        </p:txBody>
+      </p:sp>
+    </p:spTree>
+    <p:extLst>
+      <p:ext uri="{BB962C8B-B14F-4D97-AF65-F5344CB8AC3E}">
+        <p14:creationId xmlns:p14="http://schemas.microsoft.com/office/powerpoint/2010/main" val="1976515244"/>
+      </p:ext>
+    </p:extLst>
+  </p:cSld>
+  <p:clrMapOvr>
+    <a:masterClrMapping/>
+  </p:clrMapOvr>
+  <p:transition>
+    <p:fade/>
+  </p:transition>
+</p:sld>
+</file>
+
+<file path=ppt/slides/slide14.xml><?xml version="1.0" encoding="utf-8"?>
+<p:sld xmlns:a="http://schemas.openxmlformats.org/drawingml/2006/main" xmlns:r="http://schemas.openxmlformats.org/officeDocument/2006/relationships" xmlns:p="http://schemas.openxmlformats.org/presentationml/2006/main">
+  <p:cSld>
+    <p:spTree>
+      <p:nvGrpSpPr>
+        <p:cNvPr id="1" name=""/>
+        <p:cNvGrpSpPr/>
+        <p:nvPr/>
+      </p:nvGrpSpPr>
+      <p:grpSpPr>
+        <a:xfrm>
+          <a:off x="0" y="0"/>
+          <a:ext cx="0" cy="0"/>
+          <a:chOff x="0" y="0"/>
+          <a:chExt cx="0" cy="0"/>
+        </a:xfrm>
+      </p:grpSpPr>
+      <p:sp>
+        <p:nvSpPr>
+          <p:cNvPr id="8" name="TextBox 7"/>
+          <p:cNvSpPr txBox="1"/>
+          <p:nvPr/>
+        </p:nvSpPr>
+        <p:spPr>
+          <a:xfrm>
+            <a:off x="4145965" y="-846623"/>
+            <a:ext cx="362072" cy="621556"/>
+          </a:xfrm>
+          <a:prstGeom prst="rect">
+            <a:avLst/>
+          </a:prstGeom>
+          <a:noFill/>
+        </p:spPr>
+        <p:txBody>
+          <a:bodyPr wrap="none" lIns="179285" tIns="143428" rIns="179285" bIns="143428" rtlCol="0">
+            <a:spAutoFit/>
+          </a:bodyPr>
+          <a:lstStyle/>
+          <a:p>
+            <a:pPr>
+              <a:lnSpc>
+                <a:spcPct val="90000"/>
+              </a:lnSpc>
+              <a:spcAft>
+                <a:spcPts val="588"/>
+              </a:spcAft>
+            </a:pPr>
+            <a:endParaRPr lang="en-US" sz="2353" dirty="0" err="1">
+              <a:gradFill>
+                <a:gsLst>
+                  <a:gs pos="2917">
+                    <a:schemeClr val="tx1"/>
+                  </a:gs>
+                  <a:gs pos="30000">
+                    <a:schemeClr val="tx1"/>
+                  </a:gs>
+                </a:gsLst>
+                <a:lin ang="5400000" scaled="0"/>
+              </a:gradFill>
+            </a:endParaRPr>
+          </a:p>
+        </p:txBody>
+      </p:sp>
+      <p:sp>
+        <p:nvSpPr>
+          <p:cNvPr id="12" name="TextBox 11"/>
+          <p:cNvSpPr txBox="1"/>
+          <p:nvPr/>
+        </p:nvSpPr>
+        <p:spPr>
+          <a:xfrm>
+            <a:off x="1701029" y="4730079"/>
+            <a:ext cx="5966529" cy="641215"/>
+          </a:xfrm>
+          <a:prstGeom prst="rect">
+            <a:avLst/>
+          </a:prstGeom>
+          <a:noFill/>
+          <a:ln w="12700" cap="flat">
+            <a:noFill/>
+            <a:miter lim="400000"/>
+          </a:ln>
+          <a:effectLst/>
+        </p:spPr>
+        <p:style>
+          <a:lnRef idx="0">
+            <a:scrgbClr r="0" g="0" b="0"/>
+          </a:lnRef>
+          <a:fillRef idx="0">
+            <a:scrgbClr r="0" g="0" b="0"/>
+          </a:fillRef>
+          <a:effectRef idx="0">
+            <a:scrgbClr r="0" g="0" b="0"/>
+          </a:effectRef>
+          <a:fontRef idx="none"/>
+        </p:style>
+        <p:txBody>
+          <a:bodyPr rot="0" spcFirstLastPara="1" vertOverflow="overflow" horzOverflow="overflow" vert="horz" wrap="square" lIns="18676" tIns="18676" rIns="18676" bIns="18676" numCol="1" spcCol="14288" rtlCol="0" anchor="ctr">
+            <a:spAutoFit/>
+          </a:bodyPr>
+          <a:lstStyle/>
+          <a:p>
+            <a:r>
+              <a:rPr lang="en-US" sz="1961" dirty="0">
+                <a:cs typeface="Arial"/>
+              </a:rPr>
+              <a:t>Javier Suárez</a:t>
+            </a:r>
+          </a:p>
+          <a:p>
+            <a:r>
+              <a:rPr lang="en-US" sz="1961" dirty="0">
+                <a:latin typeface="+mj-lt"/>
+                <a:cs typeface="Arial"/>
+              </a:rPr>
+              <a:t>Software Engineer, Microsoft</a:t>
+            </a:r>
+          </a:p>
+        </p:txBody>
+      </p:sp>
+      <p:cxnSp>
+        <p:nvCxnSpPr>
+          <p:cNvPr id="14" name="Straight Connector 13"/>
+          <p:cNvCxnSpPr/>
+          <p:nvPr/>
+        </p:nvCxnSpPr>
+        <p:spPr>
+          <a:xfrm flipV="1">
+            <a:off x="1775731" y="5590692"/>
+            <a:ext cx="9367329" cy="4668"/>
+          </a:xfrm>
+          <a:prstGeom prst="line">
+            <a:avLst/>
+          </a:prstGeom>
+          <a:ln>
+            <a:solidFill>
+              <a:srgbClr val="16ACEE"/>
+            </a:solidFill>
+            <a:headEnd type="none"/>
+            <a:tailEnd type="none"/>
+          </a:ln>
+        </p:spPr>
+        <p:style>
+          <a:lnRef idx="2">
+            <a:schemeClr val="accent6"/>
+          </a:lnRef>
+          <a:fillRef idx="0">
+            <a:schemeClr val="accent6"/>
+          </a:fillRef>
+          <a:effectRef idx="1">
+            <a:schemeClr val="accent6"/>
+          </a:effectRef>
+          <a:fontRef idx="minor">
+            <a:schemeClr val="tx1"/>
+          </a:fontRef>
+        </p:style>
+      </p:cxnSp>
+      <p:grpSp>
+        <p:nvGrpSpPr>
+          <p:cNvPr id="9" name="Group 8"/>
+          <p:cNvGrpSpPr/>
+          <p:nvPr/>
+        </p:nvGrpSpPr>
+        <p:grpSpPr>
+          <a:xfrm>
+            <a:off x="1701029" y="5819466"/>
+            <a:ext cx="9541633" cy="761555"/>
+            <a:chOff x="1735137" y="5935662"/>
+            <a:chExt cx="9732963" cy="776826"/>
+          </a:xfrm>
+        </p:grpSpPr>
+        <p:sp>
+          <p:nvSpPr>
+            <p:cNvPr id="10" name="TextBox 9"/>
+            <p:cNvSpPr txBox="1"/>
+            <p:nvPr/>
+          </p:nvSpPr>
+          <p:spPr>
+            <a:xfrm>
+              <a:off x="1735137" y="5935662"/>
+              <a:ext cx="3111241" cy="416635"/>
+            </a:xfrm>
+            <a:prstGeom prst="rect">
+              <a:avLst/>
+            </a:prstGeom>
+            <a:noFill/>
+          </p:spPr>
+          <p:txBody>
+            <a:bodyPr wrap="square" rtlCol="0">
+              <a:spAutoFit/>
+            </a:bodyPr>
+            <a:lstStyle/>
+            <a:p>
+              <a:pPr>
+                <a:lnSpc>
+                  <a:spcPct val="130000"/>
+                </a:lnSpc>
+              </a:pPr>
+              <a:r>
+                <a:rPr lang="en-US" sz="1765" dirty="0">
+                  <a:latin typeface="+mj-lt"/>
+                  <a:cs typeface="Arial"/>
+                </a:rPr>
+                <a:t>javiersuarezruiz@hotmail.com</a:t>
+              </a:r>
+            </a:p>
+          </p:txBody>
+        </p:sp>
+        <p:sp>
+          <p:nvSpPr>
+            <p:cNvPr id="11" name="TextBox 10"/>
+            <p:cNvSpPr txBox="1"/>
+            <p:nvPr/>
+          </p:nvSpPr>
+          <p:spPr>
+            <a:xfrm>
+              <a:off x="5086773" y="5935662"/>
+              <a:ext cx="3285701" cy="416635"/>
+            </a:xfrm>
+            <a:prstGeom prst="rect">
+              <a:avLst/>
+            </a:prstGeom>
+            <a:noFill/>
+          </p:spPr>
+          <p:txBody>
+            <a:bodyPr wrap="square" rtlCol="0">
+              <a:spAutoFit/>
+            </a:bodyPr>
+            <a:lstStyle/>
+            <a:p>
+              <a:pPr algn="ctr">
+                <a:lnSpc>
+                  <a:spcPct val="130000"/>
+                </a:lnSpc>
+              </a:pPr>
+              <a:r>
+                <a:rPr lang="en-US" sz="1765" dirty="0">
+                  <a:latin typeface="+mj-lt"/>
+                  <a:cs typeface="Arial"/>
+                </a:rPr>
+                <a:t>javiersuarezruiz.wordpress.com</a:t>
+              </a:r>
+            </a:p>
+          </p:txBody>
+        </p:sp>
+        <p:sp>
+          <p:nvSpPr>
+            <p:cNvPr id="15" name="TextBox 14"/>
+            <p:cNvSpPr txBox="1"/>
+            <p:nvPr/>
+          </p:nvSpPr>
+          <p:spPr>
+            <a:xfrm>
+              <a:off x="8978900" y="5935662"/>
+              <a:ext cx="2489200" cy="776826"/>
+            </a:xfrm>
+            <a:prstGeom prst="rect">
+              <a:avLst/>
+            </a:prstGeom>
+            <a:noFill/>
+          </p:spPr>
+          <p:txBody>
+            <a:bodyPr wrap="square" rtlCol="0">
+              <a:spAutoFit/>
+            </a:bodyPr>
+            <a:lstStyle/>
+            <a:p>
+              <a:pPr algn="r">
+                <a:lnSpc>
+                  <a:spcPct val="130000"/>
+                </a:lnSpc>
+              </a:pPr>
+              <a:r>
+                <a:rPr lang="en-US" sz="1765" dirty="0">
+                  <a:latin typeface="+mj-lt"/>
+                  <a:cs typeface="Arial"/>
+                </a:rPr>
+                <a:t>@jsuarezruiz</a:t>
+              </a:r>
+            </a:p>
+            <a:p>
+              <a:pPr algn="r">
+                <a:lnSpc>
+                  <a:spcPct val="130000"/>
+                </a:lnSpc>
+              </a:pPr>
+              <a:r>
+                <a:rPr lang="en-US" sz="1765" dirty="0">
+                  <a:latin typeface="+mj-lt"/>
+                  <a:cs typeface="Arial"/>
+                </a:rPr>
+                <a:t>/</a:t>
+              </a:r>
+              <a:r>
+                <a:rPr lang="en-US" sz="1765" dirty="0" err="1">
+                  <a:latin typeface="+mj-lt"/>
+                  <a:cs typeface="Arial"/>
+                </a:rPr>
+                <a:t>JavierSuarezRuiz</a:t>
+              </a:r>
+              <a:endParaRPr lang="en-US" sz="1765" dirty="0">
+                <a:latin typeface="+mj-lt"/>
+                <a:cs typeface="Arial"/>
+              </a:endParaRPr>
+            </a:p>
+          </p:txBody>
+        </p:sp>
+      </p:grpSp>
+      <p:pic>
+        <p:nvPicPr>
+          <p:cNvPr id="1026" name="Picture 2" descr="See the source image">
+            <a:extLst>
+              <a:ext uri="{FF2B5EF4-FFF2-40B4-BE49-F238E27FC236}">
+                <a16:creationId xmlns:a16="http://schemas.microsoft.com/office/drawing/2014/main" id="{9B5CF540-6DA5-4412-A609-5262A53EA2F9}"/>
+              </a:ext>
+            </a:extLst>
+          </p:cNvPr>
+          <p:cNvPicPr>
+            <a:picLocks noChangeAspect="1" noChangeArrowheads="1"/>
+          </p:cNvPicPr>
+          <p:nvPr/>
+        </p:nvPicPr>
+        <p:blipFill>
+          <a:blip r:embed="rId3">
+            <a:extLst>
+              <a:ext uri="{28A0092B-C50C-407E-A947-70E740481C1C}">
+                <a14:useLocalDpi xmlns:a14="http://schemas.microsoft.com/office/drawing/2010/main" val="0"/>
+              </a:ext>
+            </a:extLst>
+          </a:blip>
+          <a:srcRect/>
+          <a:stretch>
+            <a:fillRect/>
+          </a:stretch>
+        </p:blipFill>
+        <p:spPr bwMode="auto">
+          <a:xfrm>
+            <a:off x="8680990" y="5901403"/>
+            <a:ext cx="326511" cy="326511"/>
+          </a:xfrm>
+          <a:prstGeom prst="rect">
+            <a:avLst/>
+          </a:prstGeom>
+          <a:noFill/>
+          <a:extLst>
+            <a:ext uri="{909E8E84-426E-40DD-AFC4-6F175D3DCCD1}">
+              <a14:hiddenFill xmlns:a14="http://schemas.microsoft.com/office/drawing/2010/main">
+                <a:solidFill>
+                  <a:srgbClr val="FFFFFF"/>
+                </a:solidFill>
+              </a14:hiddenFill>
+            </a:ext>
+          </a:extLst>
+        </p:spPr>
+      </p:pic>
+      <p:pic>
+        <p:nvPicPr>
+          <p:cNvPr id="1028" name="Picture 4" descr="See the source image">
+            <a:extLst>
+              <a:ext uri="{FF2B5EF4-FFF2-40B4-BE49-F238E27FC236}">
+                <a16:creationId xmlns:a16="http://schemas.microsoft.com/office/drawing/2014/main" id="{5010391C-E630-4CE0-AF40-750F7E85C5C9}"/>
+              </a:ext>
+            </a:extLst>
+          </p:cNvPr>
+          <p:cNvPicPr>
+            <a:picLocks noChangeAspect="1" noChangeArrowheads="1"/>
+          </p:cNvPicPr>
+          <p:nvPr/>
+        </p:nvPicPr>
+        <p:blipFill>
+          <a:blip r:embed="rId4">
+            <a:extLst>
+              <a:ext uri="{28A0092B-C50C-407E-A947-70E740481C1C}">
+                <a14:useLocalDpi xmlns:a14="http://schemas.microsoft.com/office/drawing/2010/main" val="0"/>
+              </a:ext>
+            </a:extLst>
+          </a:blip>
+          <a:srcRect/>
+          <a:stretch>
+            <a:fillRect/>
+          </a:stretch>
+        </p:blipFill>
+        <p:spPr bwMode="auto">
+          <a:xfrm>
+            <a:off x="8628652" y="6208539"/>
+            <a:ext cx="431185" cy="431185"/>
+          </a:xfrm>
+          <a:prstGeom prst="rect">
+            <a:avLst/>
+          </a:prstGeom>
+          <a:noFill/>
+          <a:extLst>
+            <a:ext uri="{909E8E84-426E-40DD-AFC4-6F175D3DCCD1}">
+              <a14:hiddenFill xmlns:a14="http://schemas.microsoft.com/office/drawing/2010/main">
+                <a:solidFill>
+                  <a:srgbClr val="FFFFFF"/>
+                </a:solidFill>
+              </a14:hiddenFill>
+            </a:ext>
+          </a:extLst>
+        </p:spPr>
+      </p:pic>
+      <p:pic>
+        <p:nvPicPr>
+          <p:cNvPr id="17" name="Picture 16" descr="A picture containing text, vector graphics&#10;&#10;Description automatically generated">
+            <a:extLst>
+              <a:ext uri="{FF2B5EF4-FFF2-40B4-BE49-F238E27FC236}">
+                <a16:creationId xmlns:a16="http://schemas.microsoft.com/office/drawing/2014/main" id="{10A87296-42B9-4C80-97B7-10D50F17BA4D}"/>
+              </a:ext>
+            </a:extLst>
+          </p:cNvPr>
+          <p:cNvPicPr>
+            <a:picLocks noChangeAspect="1"/>
+          </p:cNvPicPr>
+          <p:nvPr/>
+        </p:nvPicPr>
+        <p:blipFill>
+          <a:blip r:embed="rId5"/>
+          <a:stretch>
+            <a:fillRect/>
+          </a:stretch>
+        </p:blipFill>
+        <p:spPr>
+          <a:xfrm>
+            <a:off x="-79447" y="4510680"/>
+            <a:ext cx="2026069" cy="2029562"/>
+          </a:xfrm>
+          <a:prstGeom prst="rect">
+            <a:avLst/>
+          </a:prstGeom>
+        </p:spPr>
+      </p:pic>
+    </p:spTree>
+    <p:extLst>
+      <p:ext uri="{BB962C8B-B14F-4D97-AF65-F5344CB8AC3E}">
+        <p14:creationId xmlns:p14="http://schemas.microsoft.com/office/powerpoint/2010/main" val="1975960378"/>
+      </p:ext>
+    </p:extLst>
+  </p:cSld>
+  <p:clrMapOvr>
+    <a:masterClrMapping/>
+  </p:clrMapOvr>
+  <p:transition>
+    <p:fade/>
+  </p:transition>
+</p:sld>
+</file>
+
+<file path=ppt/slides/slide2.xml><?xml version="1.0" encoding="utf-8"?>
+<p:sld xmlns:a="http://schemas.openxmlformats.org/drawingml/2006/main" xmlns:r="http://schemas.openxmlformats.org/officeDocument/2006/relationships" xmlns:p="http://schemas.openxmlformats.org/presentationml/2006/main">
+  <p:cSld>
+    <p:spTree>
+      <p:nvGrpSpPr>
+        <p:cNvPr id="1" name=""/>
+        <p:cNvGrpSpPr/>
+        <p:nvPr/>
+      </p:nvGrpSpPr>
+      <p:grpSpPr>
+        <a:xfrm>
+          <a:off x="0" y="0"/>
+          <a:ext cx="0" cy="0"/>
+          <a:chOff x="0" y="0"/>
+          <a:chExt cx="0" cy="0"/>
+        </a:xfrm>
+      </p:grpSpPr>
+      <p:pic>
+        <p:nvPicPr>
+          <p:cNvPr id="3" name="Picture 2" descr="Graphical user interface, application, Teams&#10;&#10;Description automatically generated">
+            <a:extLst>
+              <a:ext uri="{FF2B5EF4-FFF2-40B4-BE49-F238E27FC236}">
+                <a16:creationId xmlns:a16="http://schemas.microsoft.com/office/drawing/2014/main" id="{0FA823B1-86A2-4A3F-8713-882F23E7AEE5}"/>
+              </a:ext>
+            </a:extLst>
+          </p:cNvPr>
+          <p:cNvPicPr>
+            <a:picLocks noChangeAspect="1"/>
+          </p:cNvPicPr>
+          <p:nvPr/>
+        </p:nvPicPr>
+        <p:blipFill>
+          <a:blip r:embed="rId2"/>
+          <a:stretch>
+            <a:fillRect/>
+          </a:stretch>
+        </p:blipFill>
+        <p:spPr>
+          <a:xfrm>
+            <a:off x="0" y="0"/>
+            <a:ext cx="12192000" cy="6858000"/>
+          </a:xfrm>
+          <a:prstGeom prst="rect">
+            <a:avLst/>
+          </a:prstGeom>
+        </p:spPr>
+      </p:pic>
+    </p:spTree>
+    <p:extLst>
+      <p:ext uri="{BB962C8B-B14F-4D97-AF65-F5344CB8AC3E}">
+        <p14:creationId xmlns:p14="http://schemas.microsoft.com/office/powerpoint/2010/main" val="3918130279"/>
+      </p:ext>
+    </p:extLst>
+  </p:cSld>
+  <p:clrMapOvr>
+    <a:masterClrMapping/>
+  </p:clrMapOvr>
+  <p:transition>
+    <p:fade/>
+  </p:transition>
+</p:sld>
+</file>
+
+<file path=ppt/slides/slide3.xml><?xml version="1.0" encoding="utf-8"?>
+<p:sld xmlns:a="http://schemas.openxmlformats.org/drawingml/2006/main" xmlns:r="http://schemas.openxmlformats.org/officeDocument/2006/relationships" xmlns:p="http://schemas.openxmlformats.org/presentationml/2006/main">
+  <p:cSld>
+    <p:spTree>
+      <p:nvGrpSpPr>
+        <p:cNvPr id="1" name=""/>
+        <p:cNvGrpSpPr/>
+        <p:nvPr/>
+      </p:nvGrpSpPr>
+      <p:grpSpPr>
+        <a:xfrm>
+          <a:off x="0" y="0"/>
+          <a:ext cx="0" cy="0"/>
+          <a:chOff x="0" y="0"/>
+          <a:chExt cx="0" cy="0"/>
+        </a:xfrm>
+      </p:grpSpPr>
+      <p:sp>
+        <p:nvSpPr>
+          <p:cNvPr id="2" name="Title 1">
+            <a:extLst>
+              <a:ext uri="{FF2B5EF4-FFF2-40B4-BE49-F238E27FC236}">
+                <a16:creationId xmlns:a16="http://schemas.microsoft.com/office/drawing/2014/main" id="{243FAE69-6AB9-4165-AE0C-478D4EEED379}"/>
+              </a:ext>
+            </a:extLst>
+          </p:cNvPr>
+          <p:cNvSpPr>
+            <a:spLocks noGrp="1"/>
+          </p:cNvSpPr>
+          <p:nvPr>
+            <p:ph type="title"/>
+          </p:nvPr>
+        </p:nvSpPr>
+        <p:spPr/>
+        <p:txBody>
+          <a:bodyPr/>
+          <a:lstStyle/>
+          <a:p>
+            <a:r>
+              <a:rPr lang="en-US" dirty="0"/>
+              <a:t>¿</a:t>
+            </a:r>
+            <a:r>
+              <a:rPr lang="en-US" dirty="0" err="1"/>
+              <a:t>Qué</a:t>
+            </a:r>
+            <a:r>
+              <a:rPr lang="en-US" dirty="0"/>
+              <a:t> </a:t>
+            </a:r>
+            <a:r>
+              <a:rPr lang="en-US" dirty="0" err="1"/>
+              <a:t>vamos</a:t>
+            </a:r>
+            <a:r>
+              <a:rPr lang="en-US" dirty="0"/>
+              <a:t> a </a:t>
+            </a:r>
+            <a:r>
+              <a:rPr lang="en-US" dirty="0" err="1"/>
+              <a:t>ver</a:t>
+            </a:r>
+            <a:r>
+              <a:rPr lang="en-US" dirty="0"/>
+              <a:t>?</a:t>
+            </a:r>
+          </a:p>
+        </p:txBody>
+      </p:sp>
+      <p:sp>
+        <p:nvSpPr>
+          <p:cNvPr id="4" name="TextBox 3">
+            <a:extLst>
+              <a:ext uri="{FF2B5EF4-FFF2-40B4-BE49-F238E27FC236}">
+                <a16:creationId xmlns:a16="http://schemas.microsoft.com/office/drawing/2014/main" id="{526BEDB7-C084-405A-9360-8255E0C5982C}"/>
+              </a:ext>
+            </a:extLst>
+          </p:cNvPr>
+          <p:cNvSpPr txBox="1"/>
+          <p:nvPr/>
+        </p:nvSpPr>
+        <p:spPr>
+          <a:xfrm>
+            <a:off x="1165664" y="5665757"/>
+            <a:ext cx="6537488" cy="923330"/>
+          </a:xfrm>
+          <a:prstGeom prst="rect">
+            <a:avLst/>
+          </a:prstGeom>
+          <a:noFill/>
+        </p:spPr>
+        <p:txBody>
+          <a:bodyPr wrap="square">
+            <a:spAutoFit/>
+          </a:bodyPr>
+          <a:lstStyle/>
+          <a:p>
+            <a:r>
+              <a:rPr lang="en-US" dirty="0">
+                <a:hlinkClick r:id="rId2"/>
+              </a:rPr>
+              <a:t>dotnet-presentations/dotnet-</a:t>
+            </a:r>
+            <a:r>
+              <a:rPr lang="en-US" dirty="0" err="1">
+                <a:hlinkClick r:id="rId2"/>
+              </a:rPr>
+              <a:t>maui</a:t>
+            </a:r>
+            <a:r>
+              <a:rPr lang="en-US" dirty="0">
+                <a:hlinkClick r:id="rId2"/>
+              </a:rPr>
+              <a:t>-workshop: A full day workshop on how to build apps with .NET MAUI for iOS, Android, macOS, and Windows (github.com)</a:t>
+            </a:r>
+            <a:endParaRPr lang="en-US" dirty="0"/>
+          </a:p>
+        </p:txBody>
+      </p:sp>
+    </p:spTree>
+    <p:extLst>
+      <p:ext uri="{BB962C8B-B14F-4D97-AF65-F5344CB8AC3E}">
+        <p14:creationId xmlns:p14="http://schemas.microsoft.com/office/powerpoint/2010/main" val="3054429260"/>
+      </p:ext>
+    </p:extLst>
+  </p:cSld>
+  <p:clrMapOvr>
+    <a:masterClrMapping/>
+  </p:clrMapOvr>
+  <p:transition>
+    <p:fade/>
+  </p:transition>
+</p:sld>
+</file>
+
+<file path=ppt/slides/slide4.xml><?xml version="1.0" encoding="utf-8"?>
 <p:sld xmlns:a="http://schemas.openxmlformats.org/drawingml/2006/main" xmlns:r="http://schemas.openxmlformats.org/officeDocument/2006/relationships" xmlns:p="http://schemas.openxmlformats.org/presentationml/2006/main">
   <p:cSld>
     <p:spTree>
@@ -16973,6 +14582,2894 @@
   <p:transition>
     <p:fade/>
   </p:transition>
+</p:sld>
+</file>
+
+<file path=ppt/slides/slide5.xml><?xml version="1.0" encoding="utf-8"?>
+<p:sld xmlns:a="http://schemas.openxmlformats.org/drawingml/2006/main" xmlns:r="http://schemas.openxmlformats.org/officeDocument/2006/relationships" xmlns:p="http://schemas.openxmlformats.org/presentationml/2006/main">
+  <p:cSld>
+    <p:spTree>
+      <p:nvGrpSpPr>
+        <p:cNvPr id="1" name=""/>
+        <p:cNvGrpSpPr/>
+        <p:nvPr/>
+      </p:nvGrpSpPr>
+      <p:grpSpPr>
+        <a:xfrm>
+          <a:off x="0" y="0"/>
+          <a:ext cx="0" cy="0"/>
+          <a:chOff x="0" y="0"/>
+          <a:chExt cx="0" cy="0"/>
+        </a:xfrm>
+      </p:grpSpPr>
+      <p:sp>
+        <p:nvSpPr>
+          <p:cNvPr id="5" name="Text Placeholder 4"/>
+          <p:cNvSpPr>
+            <a:spLocks noGrp="1"/>
+          </p:cNvSpPr>
+          <p:nvPr>
+            <p:ph type="body" sz="quarter" idx="10"/>
+          </p:nvPr>
+        </p:nvSpPr>
+        <p:spPr>
+          <a:xfrm>
+            <a:off x="419660" y="1390113"/>
+            <a:ext cx="11269577" cy="5178376"/>
+          </a:xfrm>
+        </p:spPr>
+        <p:txBody>
+          <a:bodyPr/>
+          <a:lstStyle/>
+          <a:p>
+            <a:pPr marL="560241" indent="-560241">
+              <a:lnSpc>
+                <a:spcPts val="4800"/>
+              </a:lnSpc>
+              <a:buFont typeface="Arial" charset="0"/>
+              <a:buChar char="•"/>
+            </a:pPr>
+            <a:r>
+              <a:rPr lang="en-US" sz="3600" dirty="0" err="1"/>
+              <a:t>Conocimientos</a:t>
+            </a:r>
+            <a:r>
+              <a:rPr lang="en-US" sz="3600" dirty="0"/>
+              <a:t> </a:t>
+            </a:r>
+            <a:r>
+              <a:rPr lang="en-US" sz="3600" dirty="0" err="1"/>
+              <a:t>básicos</a:t>
+            </a:r>
+            <a:r>
+              <a:rPr lang="en-US" sz="3600" dirty="0"/>
+              <a:t> de C# y .NET (</a:t>
+            </a:r>
+            <a:r>
+              <a:rPr lang="en-US" sz="3600" dirty="0" err="1"/>
+              <a:t>delegados</a:t>
+            </a:r>
+            <a:r>
+              <a:rPr lang="en-US" sz="3600" dirty="0"/>
+              <a:t> y </a:t>
+            </a:r>
+            <a:r>
+              <a:rPr lang="en-US" sz="3600" dirty="0" err="1"/>
+              <a:t>eventos</a:t>
+            </a:r>
+            <a:r>
+              <a:rPr lang="en-US" sz="3600" dirty="0"/>
+              <a:t>, async/await, </a:t>
+            </a:r>
+            <a:r>
+              <a:rPr lang="en-US" sz="3600" dirty="0" err="1"/>
+              <a:t>etc</a:t>
+            </a:r>
+            <a:r>
+              <a:rPr lang="en-US" sz="3600" dirty="0"/>
+              <a:t>).</a:t>
+            </a:r>
+          </a:p>
+          <a:p>
+            <a:pPr marL="560241" indent="-560241">
+              <a:lnSpc>
+                <a:spcPts val="4800"/>
+              </a:lnSpc>
+              <a:buFont typeface="Arial" charset="0"/>
+              <a:buChar char="•"/>
+            </a:pPr>
+            <a:r>
+              <a:rPr lang="en-US" sz="3600" dirty="0" err="1"/>
+              <a:t>Conocimientos</a:t>
+            </a:r>
+            <a:r>
+              <a:rPr lang="en-US" sz="3600" dirty="0"/>
+              <a:t> </a:t>
+            </a:r>
+            <a:r>
+              <a:rPr lang="en-US" sz="3600" dirty="0" err="1"/>
+              <a:t>básicos</a:t>
+            </a:r>
+            <a:r>
+              <a:rPr lang="en-US" sz="3600" dirty="0"/>
+              <a:t>  de Visual Studio.</a:t>
+            </a:r>
+          </a:p>
+          <a:p>
+            <a:pPr marL="560241" indent="-560241">
+              <a:lnSpc>
+                <a:spcPts val="4800"/>
+              </a:lnSpc>
+              <a:buFont typeface="Arial" charset="0"/>
+              <a:buChar char="•"/>
+            </a:pPr>
+            <a:r>
+              <a:rPr lang="en-US" sz="3600" dirty="0" err="1"/>
+              <a:t>Ganas</a:t>
+            </a:r>
+            <a:r>
+              <a:rPr lang="en-US" sz="3600" dirty="0"/>
+              <a:t> de </a:t>
+            </a:r>
+            <a:r>
+              <a:rPr lang="en-US" sz="3600" dirty="0" err="1"/>
+              <a:t>aprender</a:t>
+            </a:r>
+            <a:r>
+              <a:rPr lang="en-US" sz="3600" dirty="0"/>
+              <a:t>!</a:t>
+            </a:r>
+          </a:p>
+        </p:txBody>
+      </p:sp>
+      <p:sp>
+        <p:nvSpPr>
+          <p:cNvPr id="2" name="Title 1"/>
+          <p:cNvSpPr>
+            <a:spLocks noGrp="1"/>
+          </p:cNvSpPr>
+          <p:nvPr>
+            <p:ph type="title"/>
+          </p:nvPr>
+        </p:nvSpPr>
+        <p:spPr>
+          <a:xfrm>
+            <a:off x="419660" y="289511"/>
+            <a:ext cx="11564484" cy="899665"/>
+          </a:xfrm>
+        </p:spPr>
+        <p:txBody>
+          <a:bodyPr/>
+          <a:lstStyle/>
+          <a:p>
+            <a:r>
+              <a:rPr lang="es-ES" dirty="0"/>
+              <a:t>P</a:t>
+            </a:r>
+            <a:r>
+              <a:rPr lang="en-US" dirty="0" err="1"/>
+              <a:t>rerequisitos</a:t>
+            </a:r>
+            <a:endParaRPr lang="en-US" dirty="0"/>
+          </a:p>
+        </p:txBody>
+      </p:sp>
+    </p:spTree>
+    <p:extLst>
+      <p:ext uri="{BB962C8B-B14F-4D97-AF65-F5344CB8AC3E}">
+        <p14:creationId xmlns:p14="http://schemas.microsoft.com/office/powerpoint/2010/main" val="3637288613"/>
+      </p:ext>
+    </p:extLst>
+  </p:cSld>
+  <p:clrMapOvr>
+    <a:masterClrMapping/>
+  </p:clrMapOvr>
+  <p:transition>
+    <p:fade/>
+  </p:transition>
+  <p:timing>
+    <p:tnLst>
+      <p:par>
+        <p:cTn id="1" dur="indefinite" restart="never" nodeType="tmRoot">
+          <p:childTnLst>
+            <p:seq concurrent="1" nextAc="seek">
+              <p:cTn id="2" dur="indefinite" nodeType="mainSeq">
+                <p:childTnLst>
+                  <p:par>
+                    <p:cTn id="3" fill="hold">
+                      <p:stCondLst>
+                        <p:cond delay="indefinite"/>
+                        <p:cond evt="onBegin" delay="0">
+                          <p:tn val="2"/>
+                        </p:cond>
+                      </p:stCondLst>
+                      <p:childTnLst>
+                        <p:par>
+                          <p:cTn id="4" fill="hold">
+                            <p:stCondLst>
+                              <p:cond delay="0"/>
+                            </p:stCondLst>
+                            <p:childTnLst>
+                              <p:par>
+                                <p:cTn id="5" presetID="10" presetClass="entr" presetSubtype="0" fill="hold" grpId="0" nodeType="withEffect">
+                                  <p:stCondLst>
+                                    <p:cond delay="0"/>
+                                  </p:stCondLst>
+                                  <p:childTnLst>
+                                    <p:set>
+                                      <p:cBhvr>
+                                        <p:cTn id="6" dur="1" fill="hold">
+                                          <p:stCondLst>
+                                            <p:cond delay="0"/>
+                                          </p:stCondLst>
+                                        </p:cTn>
+                                        <p:tgtEl>
+                                          <p:spTgt spid="5">
+                                            <p:txEl>
+                                              <p:pRg st="0" end="0"/>
+                                            </p:txEl>
+                                          </p:spTgt>
+                                        </p:tgtEl>
+                                        <p:attrNameLst>
+                                          <p:attrName>style.visibility</p:attrName>
+                                        </p:attrNameLst>
+                                      </p:cBhvr>
+                                      <p:to>
+                                        <p:strVal val="visible"/>
+                                      </p:to>
+                                    </p:set>
+                                    <p:animEffect transition="in" filter="fade">
+                                      <p:cBhvr>
+                                        <p:cTn id="7" dur="500"/>
+                                        <p:tgtEl>
+                                          <p:spTgt spid="5">
+                                            <p:txEl>
+                                              <p:pRg st="0" end="0"/>
+                                            </p:txEl>
+                                          </p:spTgt>
+                                        </p:tgtEl>
+                                      </p:cBhvr>
+                                    </p:animEffect>
+                                  </p:childTnLst>
+                                </p:cTn>
+                              </p:par>
+                            </p:childTnLst>
+                          </p:cTn>
+                        </p:par>
+                      </p:childTnLst>
+                    </p:cTn>
+                  </p:par>
+                  <p:par>
+                    <p:cTn id="8" fill="hold">
+                      <p:stCondLst>
+                        <p:cond delay="indefinite"/>
+                      </p:stCondLst>
+                      <p:childTnLst>
+                        <p:par>
+                          <p:cTn id="9" fill="hold">
+                            <p:stCondLst>
+                              <p:cond delay="0"/>
+                            </p:stCondLst>
+                            <p:childTnLst>
+                              <p:par>
+                                <p:cTn id="10" presetID="10" presetClass="entr" presetSubtype="0" fill="hold" grpId="0" nodeType="clickEffect">
+                                  <p:stCondLst>
+                                    <p:cond delay="0"/>
+                                  </p:stCondLst>
+                                  <p:childTnLst>
+                                    <p:set>
+                                      <p:cBhvr>
+                                        <p:cTn id="11" dur="1" fill="hold">
+                                          <p:stCondLst>
+                                            <p:cond delay="0"/>
+                                          </p:stCondLst>
+                                        </p:cTn>
+                                        <p:tgtEl>
+                                          <p:spTgt spid="5">
+                                            <p:txEl>
+                                              <p:pRg st="1" end="1"/>
+                                            </p:txEl>
+                                          </p:spTgt>
+                                        </p:tgtEl>
+                                        <p:attrNameLst>
+                                          <p:attrName>style.visibility</p:attrName>
+                                        </p:attrNameLst>
+                                      </p:cBhvr>
+                                      <p:to>
+                                        <p:strVal val="visible"/>
+                                      </p:to>
+                                    </p:set>
+                                    <p:animEffect transition="in" filter="fade">
+                                      <p:cBhvr>
+                                        <p:cTn id="12" dur="500"/>
+                                        <p:tgtEl>
+                                          <p:spTgt spid="5">
+                                            <p:txEl>
+                                              <p:pRg st="1" end="1"/>
+                                            </p:txEl>
+                                          </p:spTgt>
+                                        </p:tgtEl>
+                                      </p:cBhvr>
+                                    </p:animEffect>
+                                  </p:childTnLst>
+                                </p:cTn>
+                              </p:par>
+                            </p:childTnLst>
+                          </p:cTn>
+                        </p:par>
+                      </p:childTnLst>
+                    </p:cTn>
+                  </p:par>
+                  <p:par>
+                    <p:cTn id="13" fill="hold">
+                      <p:stCondLst>
+                        <p:cond delay="indefinite"/>
+                      </p:stCondLst>
+                      <p:childTnLst>
+                        <p:par>
+                          <p:cTn id="14" fill="hold">
+                            <p:stCondLst>
+                              <p:cond delay="0"/>
+                            </p:stCondLst>
+                            <p:childTnLst>
+                              <p:par>
+                                <p:cTn id="15" presetID="10" presetClass="entr" presetSubtype="0" fill="hold" grpId="0" nodeType="clickEffect">
+                                  <p:stCondLst>
+                                    <p:cond delay="0"/>
+                                  </p:stCondLst>
+                                  <p:childTnLst>
+                                    <p:set>
+                                      <p:cBhvr>
+                                        <p:cTn id="16" dur="1" fill="hold">
+                                          <p:stCondLst>
+                                            <p:cond delay="0"/>
+                                          </p:stCondLst>
+                                        </p:cTn>
+                                        <p:tgtEl>
+                                          <p:spTgt spid="5">
+                                            <p:txEl>
+                                              <p:pRg st="2" end="2"/>
+                                            </p:txEl>
+                                          </p:spTgt>
+                                        </p:tgtEl>
+                                        <p:attrNameLst>
+                                          <p:attrName>style.visibility</p:attrName>
+                                        </p:attrNameLst>
+                                      </p:cBhvr>
+                                      <p:to>
+                                        <p:strVal val="visible"/>
+                                      </p:to>
+                                    </p:set>
+                                    <p:animEffect transition="in" filter="fade">
+                                      <p:cBhvr>
+                                        <p:cTn id="17" dur="500"/>
+                                        <p:tgtEl>
+                                          <p:spTgt spid="5">
+                                            <p:txEl>
+                                              <p:pRg st="2" end="2"/>
+                                            </p:txEl>
+                                          </p:spTgt>
+                                        </p:tgtEl>
+                                      </p:cBhvr>
+                                    </p:animEffect>
+                                  </p:childTnLst>
+                                </p:cTn>
+                              </p:par>
+                            </p:childTnLst>
+                          </p:cTn>
+                        </p:par>
+                      </p:childTnLst>
+                    </p:cTn>
+                  </p:par>
+                </p:childTnLst>
+              </p:cTn>
+              <p:prevCondLst>
+                <p:cond evt="onPrev" delay="0">
+                  <p:tgtEl>
+                    <p:sldTgt/>
+                  </p:tgtEl>
+                </p:cond>
+              </p:prevCondLst>
+              <p:nextCondLst>
+                <p:cond evt="onNext" delay="0">
+                  <p:tgtEl>
+                    <p:sldTgt/>
+                  </p:tgtEl>
+                </p:cond>
+              </p:nextCondLst>
+            </p:seq>
+          </p:childTnLst>
+        </p:cTn>
+      </p:par>
+    </p:tnLst>
+    <p:bldLst>
+      <p:bldP spid="5" grpId="0" build="p"/>
+    </p:bldLst>
+  </p:timing>
+</p:sld>
+</file>
+
+<file path=ppt/slides/slide6.xml><?xml version="1.0" encoding="utf-8"?>
+<p:sld xmlns:a="http://schemas.openxmlformats.org/drawingml/2006/main" xmlns:r="http://schemas.openxmlformats.org/officeDocument/2006/relationships" xmlns:p="http://schemas.openxmlformats.org/presentationml/2006/main">
+  <p:cSld>
+    <p:spTree>
+      <p:nvGrpSpPr>
+        <p:cNvPr id="1" name=""/>
+        <p:cNvGrpSpPr/>
+        <p:nvPr/>
+      </p:nvGrpSpPr>
+      <p:grpSpPr>
+        <a:xfrm>
+          <a:off x="0" y="0"/>
+          <a:ext cx="0" cy="0"/>
+          <a:chOff x="0" y="0"/>
+          <a:chExt cx="0" cy="0"/>
+        </a:xfrm>
+      </p:grpSpPr>
+      <p:sp>
+        <p:nvSpPr>
+          <p:cNvPr id="5" name="Text Placeholder 4"/>
+          <p:cNvSpPr>
+            <a:spLocks noGrp="1"/>
+          </p:cNvSpPr>
+          <p:nvPr>
+            <p:ph type="body" sz="quarter" idx="10"/>
+          </p:nvPr>
+        </p:nvSpPr>
+        <p:spPr>
+          <a:xfrm>
+            <a:off x="419660" y="1572993"/>
+            <a:ext cx="12943442" cy="4519081"/>
+          </a:xfrm>
+        </p:spPr>
+        <p:txBody>
+          <a:bodyPr/>
+          <a:lstStyle/>
+          <a:p>
+            <a:pPr marL="560241" indent="-560241">
+              <a:lnSpc>
+                <a:spcPts val="4800"/>
+              </a:lnSpc>
+              <a:buFont typeface="Arial" charset="0"/>
+              <a:buChar char="•"/>
+            </a:pPr>
+            <a:r>
+              <a:rPr lang="en-US" sz="4000" dirty="0" err="1"/>
+              <a:t>Bienvenid</a:t>
+            </a:r>
+            <a:r>
+              <a:rPr lang="en-US" sz="4000" dirty="0"/>
+              <a:t>@ al taller</a:t>
+            </a:r>
+            <a:endParaRPr lang="en-US" sz="2432" dirty="0"/>
+          </a:p>
+          <a:p>
+            <a:pPr marL="560241" indent="-560241">
+              <a:lnSpc>
+                <a:spcPts val="4800"/>
+              </a:lnSpc>
+              <a:buFont typeface="Arial" charset="0"/>
+              <a:buChar char="•"/>
+            </a:pPr>
+            <a:r>
+              <a:rPr lang="en-US" sz="4000" dirty="0"/>
+              <a:t>¿</a:t>
+            </a:r>
+            <a:r>
+              <a:rPr lang="en-US" sz="4000" dirty="0" err="1"/>
+              <a:t>Qué</a:t>
+            </a:r>
+            <a:r>
+              <a:rPr lang="en-US" sz="4000" dirty="0"/>
+              <a:t> es .NET MAUI?</a:t>
+            </a:r>
+          </a:p>
+          <a:p>
+            <a:pPr marL="560241" indent="-560241">
+              <a:lnSpc>
+                <a:spcPts val="4800"/>
+              </a:lnSpc>
+              <a:buFont typeface="Arial" charset="0"/>
+              <a:buChar char="•"/>
+            </a:pPr>
+            <a:r>
+              <a:rPr lang="en-US" sz="4000" dirty="0"/>
+              <a:t>¿Por </a:t>
+            </a:r>
+            <a:r>
+              <a:rPr lang="en-US" sz="4000" dirty="0" err="1"/>
+              <a:t>qué</a:t>
+            </a:r>
+            <a:r>
+              <a:rPr lang="en-US" sz="4000" dirty="0"/>
+              <a:t> .NET MAUI?</a:t>
+            </a:r>
+          </a:p>
+          <a:p>
+            <a:pPr marL="560241" indent="-560241">
+              <a:lnSpc>
+                <a:spcPts val="4800"/>
+              </a:lnSpc>
+              <a:buFont typeface="Arial" charset="0"/>
+              <a:buChar char="•"/>
+            </a:pPr>
+            <a:r>
+              <a:rPr lang="en-US" sz="4000" dirty="0" err="1"/>
+              <a:t>Anatomía</a:t>
+            </a:r>
+            <a:r>
+              <a:rPr lang="en-US" sz="4000" dirty="0"/>
+              <a:t> de una App .NET MAUI</a:t>
+            </a:r>
+          </a:p>
+          <a:p>
+            <a:pPr marL="560241" indent="-560241">
+              <a:lnSpc>
+                <a:spcPts val="4800"/>
+              </a:lnSpc>
+              <a:buFont typeface="Arial" charset="0"/>
+              <a:buChar char="•"/>
+            </a:pPr>
+            <a:r>
+              <a:rPr lang="en-US" sz="4000" dirty="0" err="1"/>
+              <a:t>Prerequisitos</a:t>
+            </a:r>
+            <a:endParaRPr lang="en-US" sz="4000" dirty="0"/>
+          </a:p>
+          <a:p>
+            <a:pPr marL="560241" indent="-560241">
+              <a:lnSpc>
+                <a:spcPts val="4800"/>
+              </a:lnSpc>
+              <a:buFont typeface="Arial" charset="0"/>
+              <a:buChar char="•"/>
+            </a:pPr>
+            <a:r>
+              <a:rPr lang="en-US" sz="4000" dirty="0" err="1"/>
+              <a:t>Instalación</a:t>
+            </a:r>
+            <a:r>
+              <a:rPr lang="en-US" sz="4000" dirty="0"/>
+              <a:t> </a:t>
+            </a:r>
+            <a:r>
+              <a:rPr lang="en-US" sz="4000" dirty="0" err="1"/>
+              <a:t>en</a:t>
+            </a:r>
+            <a:r>
+              <a:rPr lang="en-US" sz="4000" dirty="0"/>
+              <a:t> Windows</a:t>
+            </a:r>
+          </a:p>
+        </p:txBody>
+      </p:sp>
+      <p:sp>
+        <p:nvSpPr>
+          <p:cNvPr id="2" name="Title 1"/>
+          <p:cNvSpPr>
+            <a:spLocks noGrp="1"/>
+          </p:cNvSpPr>
+          <p:nvPr>
+            <p:ph type="title"/>
+          </p:nvPr>
+        </p:nvSpPr>
+        <p:spPr>
+          <a:xfrm>
+            <a:off x="419660" y="289511"/>
+            <a:ext cx="11564484" cy="899665"/>
+          </a:xfrm>
+        </p:spPr>
+        <p:txBody>
+          <a:bodyPr/>
+          <a:lstStyle/>
+          <a:p>
+            <a:r>
+              <a:rPr lang="en-US" dirty="0"/>
+              <a:t>¿</a:t>
+            </a:r>
+            <a:r>
+              <a:rPr lang="en-US" dirty="0" err="1"/>
+              <a:t>Qué</a:t>
+            </a:r>
+            <a:r>
+              <a:rPr lang="en-US" dirty="0"/>
+              <a:t> </a:t>
+            </a:r>
+            <a:r>
+              <a:rPr lang="en-US" dirty="0" err="1"/>
+              <a:t>vamos</a:t>
+            </a:r>
+            <a:r>
+              <a:rPr lang="en-US" dirty="0"/>
+              <a:t> a </a:t>
+            </a:r>
+            <a:r>
+              <a:rPr lang="en-US" dirty="0" err="1"/>
+              <a:t>ver</a:t>
+            </a:r>
+            <a:r>
+              <a:rPr lang="en-US" dirty="0"/>
+              <a:t>?</a:t>
+            </a:r>
+          </a:p>
+        </p:txBody>
+      </p:sp>
+    </p:spTree>
+    <p:extLst>
+      <p:ext uri="{BB962C8B-B14F-4D97-AF65-F5344CB8AC3E}">
+        <p14:creationId xmlns:p14="http://schemas.microsoft.com/office/powerpoint/2010/main" val="4148325647"/>
+      </p:ext>
+    </p:extLst>
+  </p:cSld>
+  <p:clrMapOvr>
+    <a:masterClrMapping/>
+  </p:clrMapOvr>
+  <p:transition>
+    <p:fade/>
+  </p:transition>
+  <p:timing>
+    <p:tnLst>
+      <p:par>
+        <p:cTn id="1" dur="indefinite" restart="never" nodeType="tmRoot">
+          <p:childTnLst>
+            <p:seq concurrent="1" nextAc="seek">
+              <p:cTn id="2" dur="indefinite" nodeType="mainSeq">
+                <p:childTnLst>
+                  <p:par>
+                    <p:cTn id="3" fill="hold">
+                      <p:stCondLst>
+                        <p:cond delay="indefinite"/>
+                        <p:cond evt="onBegin" delay="0">
+                          <p:tn val="2"/>
+                        </p:cond>
+                      </p:stCondLst>
+                      <p:childTnLst>
+                        <p:par>
+                          <p:cTn id="4" fill="hold">
+                            <p:stCondLst>
+                              <p:cond delay="0"/>
+                            </p:stCondLst>
+                            <p:childTnLst>
+                              <p:par>
+                                <p:cTn id="5" presetID="10" presetClass="entr" presetSubtype="0" fill="hold" grpId="0" nodeType="withEffect">
+                                  <p:stCondLst>
+                                    <p:cond delay="0"/>
+                                  </p:stCondLst>
+                                  <p:childTnLst>
+                                    <p:set>
+                                      <p:cBhvr>
+                                        <p:cTn id="6" dur="1" fill="hold">
+                                          <p:stCondLst>
+                                            <p:cond delay="0"/>
+                                          </p:stCondLst>
+                                        </p:cTn>
+                                        <p:tgtEl>
+                                          <p:spTgt spid="5">
+                                            <p:txEl>
+                                              <p:pRg st="0" end="0"/>
+                                            </p:txEl>
+                                          </p:spTgt>
+                                        </p:tgtEl>
+                                        <p:attrNameLst>
+                                          <p:attrName>style.visibility</p:attrName>
+                                        </p:attrNameLst>
+                                      </p:cBhvr>
+                                      <p:to>
+                                        <p:strVal val="visible"/>
+                                      </p:to>
+                                    </p:set>
+                                    <p:animEffect transition="in" filter="fade">
+                                      <p:cBhvr>
+                                        <p:cTn id="7" dur="500"/>
+                                        <p:tgtEl>
+                                          <p:spTgt spid="5">
+                                            <p:txEl>
+                                              <p:pRg st="0" end="0"/>
+                                            </p:txEl>
+                                          </p:spTgt>
+                                        </p:tgtEl>
+                                      </p:cBhvr>
+                                    </p:animEffect>
+                                  </p:childTnLst>
+                                </p:cTn>
+                              </p:par>
+                            </p:childTnLst>
+                          </p:cTn>
+                        </p:par>
+                      </p:childTnLst>
+                    </p:cTn>
+                  </p:par>
+                  <p:par>
+                    <p:cTn id="8" fill="hold">
+                      <p:stCondLst>
+                        <p:cond delay="indefinite"/>
+                      </p:stCondLst>
+                      <p:childTnLst>
+                        <p:par>
+                          <p:cTn id="9" fill="hold">
+                            <p:stCondLst>
+                              <p:cond delay="0"/>
+                            </p:stCondLst>
+                            <p:childTnLst>
+                              <p:par>
+                                <p:cTn id="10" presetID="10" presetClass="entr" presetSubtype="0" fill="hold" grpId="0" nodeType="clickEffect">
+                                  <p:stCondLst>
+                                    <p:cond delay="0"/>
+                                  </p:stCondLst>
+                                  <p:childTnLst>
+                                    <p:set>
+                                      <p:cBhvr>
+                                        <p:cTn id="11" dur="1" fill="hold">
+                                          <p:stCondLst>
+                                            <p:cond delay="0"/>
+                                          </p:stCondLst>
+                                        </p:cTn>
+                                        <p:tgtEl>
+                                          <p:spTgt spid="5">
+                                            <p:txEl>
+                                              <p:pRg st="1" end="1"/>
+                                            </p:txEl>
+                                          </p:spTgt>
+                                        </p:tgtEl>
+                                        <p:attrNameLst>
+                                          <p:attrName>style.visibility</p:attrName>
+                                        </p:attrNameLst>
+                                      </p:cBhvr>
+                                      <p:to>
+                                        <p:strVal val="visible"/>
+                                      </p:to>
+                                    </p:set>
+                                    <p:animEffect transition="in" filter="fade">
+                                      <p:cBhvr>
+                                        <p:cTn id="12" dur="500"/>
+                                        <p:tgtEl>
+                                          <p:spTgt spid="5">
+                                            <p:txEl>
+                                              <p:pRg st="1" end="1"/>
+                                            </p:txEl>
+                                          </p:spTgt>
+                                        </p:tgtEl>
+                                      </p:cBhvr>
+                                    </p:animEffect>
+                                  </p:childTnLst>
+                                </p:cTn>
+                              </p:par>
+                            </p:childTnLst>
+                          </p:cTn>
+                        </p:par>
+                      </p:childTnLst>
+                    </p:cTn>
+                  </p:par>
+                  <p:par>
+                    <p:cTn id="13" fill="hold">
+                      <p:stCondLst>
+                        <p:cond delay="indefinite"/>
+                      </p:stCondLst>
+                      <p:childTnLst>
+                        <p:par>
+                          <p:cTn id="14" fill="hold">
+                            <p:stCondLst>
+                              <p:cond delay="0"/>
+                            </p:stCondLst>
+                            <p:childTnLst>
+                              <p:par>
+                                <p:cTn id="15" presetID="10" presetClass="entr" presetSubtype="0" fill="hold" grpId="0" nodeType="clickEffect">
+                                  <p:stCondLst>
+                                    <p:cond delay="0"/>
+                                  </p:stCondLst>
+                                  <p:childTnLst>
+                                    <p:set>
+                                      <p:cBhvr>
+                                        <p:cTn id="16" dur="1" fill="hold">
+                                          <p:stCondLst>
+                                            <p:cond delay="0"/>
+                                          </p:stCondLst>
+                                        </p:cTn>
+                                        <p:tgtEl>
+                                          <p:spTgt spid="5">
+                                            <p:txEl>
+                                              <p:pRg st="2" end="2"/>
+                                            </p:txEl>
+                                          </p:spTgt>
+                                        </p:tgtEl>
+                                        <p:attrNameLst>
+                                          <p:attrName>style.visibility</p:attrName>
+                                        </p:attrNameLst>
+                                      </p:cBhvr>
+                                      <p:to>
+                                        <p:strVal val="visible"/>
+                                      </p:to>
+                                    </p:set>
+                                    <p:animEffect transition="in" filter="fade">
+                                      <p:cBhvr>
+                                        <p:cTn id="17" dur="500"/>
+                                        <p:tgtEl>
+                                          <p:spTgt spid="5">
+                                            <p:txEl>
+                                              <p:pRg st="2" end="2"/>
+                                            </p:txEl>
+                                          </p:spTgt>
+                                        </p:tgtEl>
+                                      </p:cBhvr>
+                                    </p:animEffect>
+                                  </p:childTnLst>
+                                </p:cTn>
+                              </p:par>
+                            </p:childTnLst>
+                          </p:cTn>
+                        </p:par>
+                      </p:childTnLst>
+                    </p:cTn>
+                  </p:par>
+                  <p:par>
+                    <p:cTn id="18" fill="hold">
+                      <p:stCondLst>
+                        <p:cond delay="indefinite"/>
+                      </p:stCondLst>
+                      <p:childTnLst>
+                        <p:par>
+                          <p:cTn id="19" fill="hold">
+                            <p:stCondLst>
+                              <p:cond delay="0"/>
+                            </p:stCondLst>
+                            <p:childTnLst>
+                              <p:par>
+                                <p:cTn id="20" presetID="10" presetClass="entr" presetSubtype="0" fill="hold" grpId="0" nodeType="clickEffect">
+                                  <p:stCondLst>
+                                    <p:cond delay="0"/>
+                                  </p:stCondLst>
+                                  <p:childTnLst>
+                                    <p:set>
+                                      <p:cBhvr>
+                                        <p:cTn id="21" dur="1" fill="hold">
+                                          <p:stCondLst>
+                                            <p:cond delay="0"/>
+                                          </p:stCondLst>
+                                        </p:cTn>
+                                        <p:tgtEl>
+                                          <p:spTgt spid="5">
+                                            <p:txEl>
+                                              <p:pRg st="3" end="3"/>
+                                            </p:txEl>
+                                          </p:spTgt>
+                                        </p:tgtEl>
+                                        <p:attrNameLst>
+                                          <p:attrName>style.visibility</p:attrName>
+                                        </p:attrNameLst>
+                                      </p:cBhvr>
+                                      <p:to>
+                                        <p:strVal val="visible"/>
+                                      </p:to>
+                                    </p:set>
+                                    <p:animEffect transition="in" filter="fade">
+                                      <p:cBhvr>
+                                        <p:cTn id="22" dur="500"/>
+                                        <p:tgtEl>
+                                          <p:spTgt spid="5">
+                                            <p:txEl>
+                                              <p:pRg st="3" end="3"/>
+                                            </p:txEl>
+                                          </p:spTgt>
+                                        </p:tgtEl>
+                                      </p:cBhvr>
+                                    </p:animEffect>
+                                  </p:childTnLst>
+                                </p:cTn>
+                              </p:par>
+                            </p:childTnLst>
+                          </p:cTn>
+                        </p:par>
+                      </p:childTnLst>
+                    </p:cTn>
+                  </p:par>
+                  <p:par>
+                    <p:cTn id="23" fill="hold">
+                      <p:stCondLst>
+                        <p:cond delay="indefinite"/>
+                      </p:stCondLst>
+                      <p:childTnLst>
+                        <p:par>
+                          <p:cTn id="24" fill="hold">
+                            <p:stCondLst>
+                              <p:cond delay="0"/>
+                            </p:stCondLst>
+                            <p:childTnLst>
+                              <p:par>
+                                <p:cTn id="25" presetID="10" presetClass="entr" presetSubtype="0" fill="hold" grpId="0" nodeType="clickEffect">
+                                  <p:stCondLst>
+                                    <p:cond delay="0"/>
+                                  </p:stCondLst>
+                                  <p:childTnLst>
+                                    <p:set>
+                                      <p:cBhvr>
+                                        <p:cTn id="26" dur="1" fill="hold">
+                                          <p:stCondLst>
+                                            <p:cond delay="0"/>
+                                          </p:stCondLst>
+                                        </p:cTn>
+                                        <p:tgtEl>
+                                          <p:spTgt spid="5">
+                                            <p:txEl>
+                                              <p:pRg st="4" end="4"/>
+                                            </p:txEl>
+                                          </p:spTgt>
+                                        </p:tgtEl>
+                                        <p:attrNameLst>
+                                          <p:attrName>style.visibility</p:attrName>
+                                        </p:attrNameLst>
+                                      </p:cBhvr>
+                                      <p:to>
+                                        <p:strVal val="visible"/>
+                                      </p:to>
+                                    </p:set>
+                                    <p:animEffect transition="in" filter="fade">
+                                      <p:cBhvr>
+                                        <p:cTn id="27" dur="500"/>
+                                        <p:tgtEl>
+                                          <p:spTgt spid="5">
+                                            <p:txEl>
+                                              <p:pRg st="4" end="4"/>
+                                            </p:txEl>
+                                          </p:spTgt>
+                                        </p:tgtEl>
+                                      </p:cBhvr>
+                                    </p:animEffect>
+                                  </p:childTnLst>
+                                </p:cTn>
+                              </p:par>
+                            </p:childTnLst>
+                          </p:cTn>
+                        </p:par>
+                      </p:childTnLst>
+                    </p:cTn>
+                  </p:par>
+                  <p:par>
+                    <p:cTn id="28" fill="hold">
+                      <p:stCondLst>
+                        <p:cond delay="indefinite"/>
+                      </p:stCondLst>
+                      <p:childTnLst>
+                        <p:par>
+                          <p:cTn id="29" fill="hold">
+                            <p:stCondLst>
+                              <p:cond delay="0"/>
+                            </p:stCondLst>
+                            <p:childTnLst>
+                              <p:par>
+                                <p:cTn id="30" presetID="10" presetClass="entr" presetSubtype="0" fill="hold" grpId="0" nodeType="clickEffect">
+                                  <p:stCondLst>
+                                    <p:cond delay="0"/>
+                                  </p:stCondLst>
+                                  <p:childTnLst>
+                                    <p:set>
+                                      <p:cBhvr>
+                                        <p:cTn id="31" dur="1" fill="hold">
+                                          <p:stCondLst>
+                                            <p:cond delay="0"/>
+                                          </p:stCondLst>
+                                        </p:cTn>
+                                        <p:tgtEl>
+                                          <p:spTgt spid="5">
+                                            <p:txEl>
+                                              <p:pRg st="5" end="5"/>
+                                            </p:txEl>
+                                          </p:spTgt>
+                                        </p:tgtEl>
+                                        <p:attrNameLst>
+                                          <p:attrName>style.visibility</p:attrName>
+                                        </p:attrNameLst>
+                                      </p:cBhvr>
+                                      <p:to>
+                                        <p:strVal val="visible"/>
+                                      </p:to>
+                                    </p:set>
+                                    <p:animEffect transition="in" filter="fade">
+                                      <p:cBhvr>
+                                        <p:cTn id="32" dur="500"/>
+                                        <p:tgtEl>
+                                          <p:spTgt spid="5">
+                                            <p:txEl>
+                                              <p:pRg st="5" end="5"/>
+                                            </p:txEl>
+                                          </p:spTgt>
+                                        </p:tgtEl>
+                                      </p:cBhvr>
+                                    </p:animEffect>
+                                  </p:childTnLst>
+                                </p:cTn>
+                              </p:par>
+                            </p:childTnLst>
+                          </p:cTn>
+                        </p:par>
+                      </p:childTnLst>
+                    </p:cTn>
+                  </p:par>
+                </p:childTnLst>
+              </p:cTn>
+              <p:prevCondLst>
+                <p:cond evt="onPrev" delay="0">
+                  <p:tgtEl>
+                    <p:sldTgt/>
+                  </p:tgtEl>
+                </p:cond>
+              </p:prevCondLst>
+              <p:nextCondLst>
+                <p:cond evt="onNext" delay="0">
+                  <p:tgtEl>
+                    <p:sldTgt/>
+                  </p:tgtEl>
+                </p:cond>
+              </p:nextCondLst>
+            </p:seq>
+          </p:childTnLst>
+        </p:cTn>
+      </p:par>
+    </p:tnLst>
+    <p:bldLst>
+      <p:bldP spid="5" grpId="0" build="p"/>
+    </p:bldLst>
+  </p:timing>
+</p:sld>
+</file>
+
+<file path=ppt/slides/slide7.xml><?xml version="1.0" encoding="utf-8"?>
+<p:sld xmlns:a="http://schemas.openxmlformats.org/drawingml/2006/main" xmlns:r="http://schemas.openxmlformats.org/officeDocument/2006/relationships" xmlns:p="http://schemas.openxmlformats.org/presentationml/2006/main">
+  <p:cSld>
+    <p:spTree>
+      <p:nvGrpSpPr>
+        <p:cNvPr id="1" name=""/>
+        <p:cNvGrpSpPr/>
+        <p:nvPr/>
+      </p:nvGrpSpPr>
+      <p:grpSpPr>
+        <a:xfrm>
+          <a:off x="0" y="0"/>
+          <a:ext cx="0" cy="0"/>
+          <a:chOff x="0" y="0"/>
+          <a:chExt cx="0" cy="0"/>
+        </a:xfrm>
+      </p:grpSpPr>
+      <p:sp>
+        <p:nvSpPr>
+          <p:cNvPr id="5" name="Text Placeholder 4"/>
+          <p:cNvSpPr>
+            <a:spLocks noGrp="1"/>
+          </p:cNvSpPr>
+          <p:nvPr>
+            <p:ph type="body" sz="quarter" idx="10"/>
+          </p:nvPr>
+        </p:nvSpPr>
+        <p:spPr>
+          <a:xfrm>
+            <a:off x="419660" y="1572993"/>
+            <a:ext cx="12943442" cy="4519081"/>
+          </a:xfrm>
+        </p:spPr>
+        <p:txBody>
+          <a:bodyPr/>
+          <a:lstStyle/>
+          <a:p>
+            <a:pPr marL="560241" indent="-560241">
+              <a:lnSpc>
+                <a:spcPts val="4800"/>
+              </a:lnSpc>
+              <a:buFont typeface="Arial" charset="0"/>
+              <a:buChar char="•"/>
+            </a:pPr>
+            <a:r>
+              <a:rPr lang="en-US" sz="4000" dirty="0" err="1"/>
+              <a:t>Resolución</a:t>
+            </a:r>
+            <a:r>
+              <a:rPr lang="en-US" sz="4000" dirty="0"/>
+              <a:t> de </a:t>
+            </a:r>
+            <a:r>
+              <a:rPr lang="en-US" sz="4000" dirty="0" err="1"/>
+              <a:t>problemas</a:t>
+            </a:r>
+            <a:endParaRPr lang="en-US" sz="2432" dirty="0"/>
+          </a:p>
+          <a:p>
+            <a:pPr marL="560241" indent="-560241">
+              <a:lnSpc>
+                <a:spcPts val="4800"/>
+              </a:lnSpc>
+              <a:buFont typeface="Arial" charset="0"/>
+              <a:buChar char="•"/>
+            </a:pPr>
+            <a:r>
+              <a:rPr lang="en-US" sz="4000" dirty="0"/>
+              <a:t>El </a:t>
+            </a:r>
+            <a:r>
+              <a:rPr lang="en-US" sz="4000" dirty="0" err="1"/>
+              <a:t>entorno</a:t>
+            </a:r>
+            <a:r>
+              <a:rPr lang="en-US" sz="4000" dirty="0"/>
+              <a:t> de </a:t>
+            </a:r>
+            <a:r>
+              <a:rPr lang="en-US" sz="4000" dirty="0" err="1"/>
+              <a:t>desarrollo</a:t>
+            </a:r>
+            <a:r>
+              <a:rPr lang="en-US" sz="4000" dirty="0"/>
+              <a:t> </a:t>
+            </a:r>
+            <a:r>
+              <a:rPr lang="en-US" sz="4000" dirty="0" err="1"/>
+              <a:t>en</a:t>
+            </a:r>
+            <a:r>
+              <a:rPr lang="en-US" sz="4000" dirty="0"/>
+              <a:t> macOS</a:t>
+            </a:r>
+          </a:p>
+          <a:p>
+            <a:pPr marL="560241" indent="-560241">
+              <a:lnSpc>
+                <a:spcPts val="4800"/>
+              </a:lnSpc>
+              <a:buFont typeface="Arial" charset="0"/>
+              <a:buChar char="•"/>
+            </a:pPr>
+            <a:r>
+              <a:rPr lang="en-US" sz="4000" dirty="0" err="1"/>
+              <a:t>Lanzar</a:t>
+            </a:r>
+            <a:r>
+              <a:rPr lang="en-US" sz="4000" dirty="0"/>
+              <a:t> Apps a </a:t>
+            </a:r>
+            <a:r>
+              <a:rPr lang="en-US" sz="4000" dirty="0" err="1"/>
+              <a:t>depuración</a:t>
+            </a:r>
+            <a:endParaRPr lang="en-US" sz="4000" dirty="0"/>
+          </a:p>
+          <a:p>
+            <a:pPr marL="560241" indent="-560241">
+              <a:lnSpc>
+                <a:spcPts val="4800"/>
+              </a:lnSpc>
+              <a:buFont typeface="Arial" charset="0"/>
+              <a:buChar char="•"/>
+            </a:pPr>
+            <a:r>
+              <a:rPr lang="en-US" sz="4000" dirty="0" err="1"/>
+              <a:t>Creando</a:t>
+            </a:r>
+            <a:r>
+              <a:rPr lang="en-US" sz="4000" dirty="0"/>
+              <a:t> una App </a:t>
+            </a:r>
+            <a:r>
+              <a:rPr lang="en-US" sz="4000" dirty="0" err="1"/>
+              <a:t>desde</a:t>
+            </a:r>
+            <a:r>
+              <a:rPr lang="en-US" sz="4000" dirty="0"/>
+              <a:t> cero</a:t>
+            </a:r>
+          </a:p>
+          <a:p>
+            <a:pPr marL="560241" indent="-560241">
+              <a:lnSpc>
+                <a:spcPts val="4800"/>
+              </a:lnSpc>
+              <a:buFont typeface="Arial" charset="0"/>
+              <a:buChar char="•"/>
+            </a:pPr>
+            <a:r>
+              <a:rPr lang="en-US" sz="4000" dirty="0"/>
+              <a:t>Proyecto </a:t>
+            </a:r>
+            <a:r>
+              <a:rPr lang="en-US" sz="4000" dirty="0" err="1"/>
+              <a:t>único</a:t>
+            </a:r>
+            <a:endParaRPr lang="en-US" sz="4000" dirty="0"/>
+          </a:p>
+          <a:p>
+            <a:pPr marL="560241" indent="-560241">
+              <a:lnSpc>
+                <a:spcPts val="4800"/>
+              </a:lnSpc>
+              <a:buFont typeface="Arial" charset="0"/>
+              <a:buChar char="•"/>
+            </a:pPr>
+            <a:r>
+              <a:rPr lang="en-US" sz="4000" dirty="0"/>
+              <a:t>Hot Reload</a:t>
+            </a:r>
+          </a:p>
+        </p:txBody>
+      </p:sp>
+      <p:sp>
+        <p:nvSpPr>
+          <p:cNvPr id="2" name="Title 1"/>
+          <p:cNvSpPr>
+            <a:spLocks noGrp="1"/>
+          </p:cNvSpPr>
+          <p:nvPr>
+            <p:ph type="title"/>
+          </p:nvPr>
+        </p:nvSpPr>
+        <p:spPr>
+          <a:xfrm>
+            <a:off x="419660" y="289511"/>
+            <a:ext cx="11564484" cy="899665"/>
+          </a:xfrm>
+        </p:spPr>
+        <p:txBody>
+          <a:bodyPr/>
+          <a:lstStyle/>
+          <a:p>
+            <a:r>
+              <a:rPr lang="en-US" dirty="0"/>
+              <a:t>¿</a:t>
+            </a:r>
+            <a:r>
+              <a:rPr lang="en-US" dirty="0" err="1"/>
+              <a:t>Qué</a:t>
+            </a:r>
+            <a:r>
+              <a:rPr lang="en-US" dirty="0"/>
+              <a:t> </a:t>
+            </a:r>
+            <a:r>
+              <a:rPr lang="en-US" dirty="0" err="1"/>
+              <a:t>vamos</a:t>
+            </a:r>
+            <a:r>
+              <a:rPr lang="en-US" dirty="0"/>
+              <a:t> a </a:t>
+            </a:r>
+            <a:r>
+              <a:rPr lang="en-US" dirty="0" err="1"/>
+              <a:t>ver</a:t>
+            </a:r>
+            <a:r>
+              <a:rPr lang="en-US" dirty="0"/>
+              <a:t>?</a:t>
+            </a:r>
+          </a:p>
+        </p:txBody>
+      </p:sp>
+    </p:spTree>
+    <p:extLst>
+      <p:ext uri="{BB962C8B-B14F-4D97-AF65-F5344CB8AC3E}">
+        <p14:creationId xmlns:p14="http://schemas.microsoft.com/office/powerpoint/2010/main" val="1857756970"/>
+      </p:ext>
+    </p:extLst>
+  </p:cSld>
+  <p:clrMapOvr>
+    <a:masterClrMapping/>
+  </p:clrMapOvr>
+  <p:transition>
+    <p:fade/>
+  </p:transition>
+  <p:timing>
+    <p:tnLst>
+      <p:par>
+        <p:cTn id="1" dur="indefinite" restart="never" nodeType="tmRoot">
+          <p:childTnLst>
+            <p:seq concurrent="1" nextAc="seek">
+              <p:cTn id="2" dur="indefinite" nodeType="mainSeq">
+                <p:childTnLst>
+                  <p:par>
+                    <p:cTn id="3" fill="hold">
+                      <p:stCondLst>
+                        <p:cond delay="indefinite"/>
+                        <p:cond evt="onBegin" delay="0">
+                          <p:tn val="2"/>
+                        </p:cond>
+                      </p:stCondLst>
+                      <p:childTnLst>
+                        <p:par>
+                          <p:cTn id="4" fill="hold">
+                            <p:stCondLst>
+                              <p:cond delay="0"/>
+                            </p:stCondLst>
+                            <p:childTnLst>
+                              <p:par>
+                                <p:cTn id="5" presetID="10" presetClass="entr" presetSubtype="0" fill="hold" grpId="0" nodeType="withEffect">
+                                  <p:stCondLst>
+                                    <p:cond delay="0"/>
+                                  </p:stCondLst>
+                                  <p:childTnLst>
+                                    <p:set>
+                                      <p:cBhvr>
+                                        <p:cTn id="6" dur="1" fill="hold">
+                                          <p:stCondLst>
+                                            <p:cond delay="0"/>
+                                          </p:stCondLst>
+                                        </p:cTn>
+                                        <p:tgtEl>
+                                          <p:spTgt spid="5">
+                                            <p:txEl>
+                                              <p:pRg st="0" end="0"/>
+                                            </p:txEl>
+                                          </p:spTgt>
+                                        </p:tgtEl>
+                                        <p:attrNameLst>
+                                          <p:attrName>style.visibility</p:attrName>
+                                        </p:attrNameLst>
+                                      </p:cBhvr>
+                                      <p:to>
+                                        <p:strVal val="visible"/>
+                                      </p:to>
+                                    </p:set>
+                                    <p:animEffect transition="in" filter="fade">
+                                      <p:cBhvr>
+                                        <p:cTn id="7" dur="500"/>
+                                        <p:tgtEl>
+                                          <p:spTgt spid="5">
+                                            <p:txEl>
+                                              <p:pRg st="0" end="0"/>
+                                            </p:txEl>
+                                          </p:spTgt>
+                                        </p:tgtEl>
+                                      </p:cBhvr>
+                                    </p:animEffect>
+                                  </p:childTnLst>
+                                </p:cTn>
+                              </p:par>
+                            </p:childTnLst>
+                          </p:cTn>
+                        </p:par>
+                      </p:childTnLst>
+                    </p:cTn>
+                  </p:par>
+                  <p:par>
+                    <p:cTn id="8" fill="hold">
+                      <p:stCondLst>
+                        <p:cond delay="indefinite"/>
+                      </p:stCondLst>
+                      <p:childTnLst>
+                        <p:par>
+                          <p:cTn id="9" fill="hold">
+                            <p:stCondLst>
+                              <p:cond delay="0"/>
+                            </p:stCondLst>
+                            <p:childTnLst>
+                              <p:par>
+                                <p:cTn id="10" presetID="10" presetClass="entr" presetSubtype="0" fill="hold" grpId="0" nodeType="clickEffect">
+                                  <p:stCondLst>
+                                    <p:cond delay="0"/>
+                                  </p:stCondLst>
+                                  <p:childTnLst>
+                                    <p:set>
+                                      <p:cBhvr>
+                                        <p:cTn id="11" dur="1" fill="hold">
+                                          <p:stCondLst>
+                                            <p:cond delay="0"/>
+                                          </p:stCondLst>
+                                        </p:cTn>
+                                        <p:tgtEl>
+                                          <p:spTgt spid="5">
+                                            <p:txEl>
+                                              <p:pRg st="1" end="1"/>
+                                            </p:txEl>
+                                          </p:spTgt>
+                                        </p:tgtEl>
+                                        <p:attrNameLst>
+                                          <p:attrName>style.visibility</p:attrName>
+                                        </p:attrNameLst>
+                                      </p:cBhvr>
+                                      <p:to>
+                                        <p:strVal val="visible"/>
+                                      </p:to>
+                                    </p:set>
+                                    <p:animEffect transition="in" filter="fade">
+                                      <p:cBhvr>
+                                        <p:cTn id="12" dur="500"/>
+                                        <p:tgtEl>
+                                          <p:spTgt spid="5">
+                                            <p:txEl>
+                                              <p:pRg st="1" end="1"/>
+                                            </p:txEl>
+                                          </p:spTgt>
+                                        </p:tgtEl>
+                                      </p:cBhvr>
+                                    </p:animEffect>
+                                  </p:childTnLst>
+                                </p:cTn>
+                              </p:par>
+                            </p:childTnLst>
+                          </p:cTn>
+                        </p:par>
+                      </p:childTnLst>
+                    </p:cTn>
+                  </p:par>
+                  <p:par>
+                    <p:cTn id="13" fill="hold">
+                      <p:stCondLst>
+                        <p:cond delay="indefinite"/>
+                      </p:stCondLst>
+                      <p:childTnLst>
+                        <p:par>
+                          <p:cTn id="14" fill="hold">
+                            <p:stCondLst>
+                              <p:cond delay="0"/>
+                            </p:stCondLst>
+                            <p:childTnLst>
+                              <p:par>
+                                <p:cTn id="15" presetID="10" presetClass="entr" presetSubtype="0" fill="hold" grpId="0" nodeType="clickEffect">
+                                  <p:stCondLst>
+                                    <p:cond delay="0"/>
+                                  </p:stCondLst>
+                                  <p:childTnLst>
+                                    <p:set>
+                                      <p:cBhvr>
+                                        <p:cTn id="16" dur="1" fill="hold">
+                                          <p:stCondLst>
+                                            <p:cond delay="0"/>
+                                          </p:stCondLst>
+                                        </p:cTn>
+                                        <p:tgtEl>
+                                          <p:spTgt spid="5">
+                                            <p:txEl>
+                                              <p:pRg st="2" end="2"/>
+                                            </p:txEl>
+                                          </p:spTgt>
+                                        </p:tgtEl>
+                                        <p:attrNameLst>
+                                          <p:attrName>style.visibility</p:attrName>
+                                        </p:attrNameLst>
+                                      </p:cBhvr>
+                                      <p:to>
+                                        <p:strVal val="visible"/>
+                                      </p:to>
+                                    </p:set>
+                                    <p:animEffect transition="in" filter="fade">
+                                      <p:cBhvr>
+                                        <p:cTn id="17" dur="500"/>
+                                        <p:tgtEl>
+                                          <p:spTgt spid="5">
+                                            <p:txEl>
+                                              <p:pRg st="2" end="2"/>
+                                            </p:txEl>
+                                          </p:spTgt>
+                                        </p:tgtEl>
+                                      </p:cBhvr>
+                                    </p:animEffect>
+                                  </p:childTnLst>
+                                </p:cTn>
+                              </p:par>
+                            </p:childTnLst>
+                          </p:cTn>
+                        </p:par>
+                      </p:childTnLst>
+                    </p:cTn>
+                  </p:par>
+                  <p:par>
+                    <p:cTn id="18" fill="hold">
+                      <p:stCondLst>
+                        <p:cond delay="indefinite"/>
+                      </p:stCondLst>
+                      <p:childTnLst>
+                        <p:par>
+                          <p:cTn id="19" fill="hold">
+                            <p:stCondLst>
+                              <p:cond delay="0"/>
+                            </p:stCondLst>
+                            <p:childTnLst>
+                              <p:par>
+                                <p:cTn id="20" presetID="10" presetClass="entr" presetSubtype="0" fill="hold" grpId="0" nodeType="clickEffect">
+                                  <p:stCondLst>
+                                    <p:cond delay="0"/>
+                                  </p:stCondLst>
+                                  <p:childTnLst>
+                                    <p:set>
+                                      <p:cBhvr>
+                                        <p:cTn id="21" dur="1" fill="hold">
+                                          <p:stCondLst>
+                                            <p:cond delay="0"/>
+                                          </p:stCondLst>
+                                        </p:cTn>
+                                        <p:tgtEl>
+                                          <p:spTgt spid="5">
+                                            <p:txEl>
+                                              <p:pRg st="3" end="3"/>
+                                            </p:txEl>
+                                          </p:spTgt>
+                                        </p:tgtEl>
+                                        <p:attrNameLst>
+                                          <p:attrName>style.visibility</p:attrName>
+                                        </p:attrNameLst>
+                                      </p:cBhvr>
+                                      <p:to>
+                                        <p:strVal val="visible"/>
+                                      </p:to>
+                                    </p:set>
+                                    <p:animEffect transition="in" filter="fade">
+                                      <p:cBhvr>
+                                        <p:cTn id="22" dur="500"/>
+                                        <p:tgtEl>
+                                          <p:spTgt spid="5">
+                                            <p:txEl>
+                                              <p:pRg st="3" end="3"/>
+                                            </p:txEl>
+                                          </p:spTgt>
+                                        </p:tgtEl>
+                                      </p:cBhvr>
+                                    </p:animEffect>
+                                  </p:childTnLst>
+                                </p:cTn>
+                              </p:par>
+                            </p:childTnLst>
+                          </p:cTn>
+                        </p:par>
+                      </p:childTnLst>
+                    </p:cTn>
+                  </p:par>
+                  <p:par>
+                    <p:cTn id="23" fill="hold">
+                      <p:stCondLst>
+                        <p:cond delay="indefinite"/>
+                      </p:stCondLst>
+                      <p:childTnLst>
+                        <p:par>
+                          <p:cTn id="24" fill="hold">
+                            <p:stCondLst>
+                              <p:cond delay="0"/>
+                            </p:stCondLst>
+                            <p:childTnLst>
+                              <p:par>
+                                <p:cTn id="25" presetID="10" presetClass="entr" presetSubtype="0" fill="hold" grpId="0" nodeType="clickEffect">
+                                  <p:stCondLst>
+                                    <p:cond delay="0"/>
+                                  </p:stCondLst>
+                                  <p:childTnLst>
+                                    <p:set>
+                                      <p:cBhvr>
+                                        <p:cTn id="26" dur="1" fill="hold">
+                                          <p:stCondLst>
+                                            <p:cond delay="0"/>
+                                          </p:stCondLst>
+                                        </p:cTn>
+                                        <p:tgtEl>
+                                          <p:spTgt spid="5">
+                                            <p:txEl>
+                                              <p:pRg st="4" end="4"/>
+                                            </p:txEl>
+                                          </p:spTgt>
+                                        </p:tgtEl>
+                                        <p:attrNameLst>
+                                          <p:attrName>style.visibility</p:attrName>
+                                        </p:attrNameLst>
+                                      </p:cBhvr>
+                                      <p:to>
+                                        <p:strVal val="visible"/>
+                                      </p:to>
+                                    </p:set>
+                                    <p:animEffect transition="in" filter="fade">
+                                      <p:cBhvr>
+                                        <p:cTn id="27" dur="500"/>
+                                        <p:tgtEl>
+                                          <p:spTgt spid="5">
+                                            <p:txEl>
+                                              <p:pRg st="4" end="4"/>
+                                            </p:txEl>
+                                          </p:spTgt>
+                                        </p:tgtEl>
+                                      </p:cBhvr>
+                                    </p:animEffect>
+                                  </p:childTnLst>
+                                </p:cTn>
+                              </p:par>
+                            </p:childTnLst>
+                          </p:cTn>
+                        </p:par>
+                      </p:childTnLst>
+                    </p:cTn>
+                  </p:par>
+                  <p:par>
+                    <p:cTn id="28" fill="hold">
+                      <p:stCondLst>
+                        <p:cond delay="indefinite"/>
+                      </p:stCondLst>
+                      <p:childTnLst>
+                        <p:par>
+                          <p:cTn id="29" fill="hold">
+                            <p:stCondLst>
+                              <p:cond delay="0"/>
+                            </p:stCondLst>
+                            <p:childTnLst>
+                              <p:par>
+                                <p:cTn id="30" presetID="10" presetClass="entr" presetSubtype="0" fill="hold" grpId="0" nodeType="clickEffect">
+                                  <p:stCondLst>
+                                    <p:cond delay="0"/>
+                                  </p:stCondLst>
+                                  <p:childTnLst>
+                                    <p:set>
+                                      <p:cBhvr>
+                                        <p:cTn id="31" dur="1" fill="hold">
+                                          <p:stCondLst>
+                                            <p:cond delay="0"/>
+                                          </p:stCondLst>
+                                        </p:cTn>
+                                        <p:tgtEl>
+                                          <p:spTgt spid="5">
+                                            <p:txEl>
+                                              <p:pRg st="5" end="5"/>
+                                            </p:txEl>
+                                          </p:spTgt>
+                                        </p:tgtEl>
+                                        <p:attrNameLst>
+                                          <p:attrName>style.visibility</p:attrName>
+                                        </p:attrNameLst>
+                                      </p:cBhvr>
+                                      <p:to>
+                                        <p:strVal val="visible"/>
+                                      </p:to>
+                                    </p:set>
+                                    <p:animEffect transition="in" filter="fade">
+                                      <p:cBhvr>
+                                        <p:cTn id="32" dur="500"/>
+                                        <p:tgtEl>
+                                          <p:spTgt spid="5">
+                                            <p:txEl>
+                                              <p:pRg st="5" end="5"/>
+                                            </p:txEl>
+                                          </p:spTgt>
+                                        </p:tgtEl>
+                                      </p:cBhvr>
+                                    </p:animEffect>
+                                  </p:childTnLst>
+                                </p:cTn>
+                              </p:par>
+                            </p:childTnLst>
+                          </p:cTn>
+                        </p:par>
+                      </p:childTnLst>
+                    </p:cTn>
+                  </p:par>
+                </p:childTnLst>
+              </p:cTn>
+              <p:prevCondLst>
+                <p:cond evt="onPrev" delay="0">
+                  <p:tgtEl>
+                    <p:sldTgt/>
+                  </p:tgtEl>
+                </p:cond>
+              </p:prevCondLst>
+              <p:nextCondLst>
+                <p:cond evt="onNext" delay="0">
+                  <p:tgtEl>
+                    <p:sldTgt/>
+                  </p:tgtEl>
+                </p:cond>
+              </p:nextCondLst>
+            </p:seq>
+          </p:childTnLst>
+        </p:cTn>
+      </p:par>
+    </p:tnLst>
+    <p:bldLst>
+      <p:bldP spid="5" grpId="0" build="p"/>
+    </p:bldLst>
+  </p:timing>
+</p:sld>
+</file>
+
+<file path=ppt/slides/slide8.xml><?xml version="1.0" encoding="utf-8"?>
+<p:sld xmlns:a="http://schemas.openxmlformats.org/drawingml/2006/main" xmlns:r="http://schemas.openxmlformats.org/officeDocument/2006/relationships" xmlns:p="http://schemas.openxmlformats.org/presentationml/2006/main">
+  <p:cSld>
+    <p:spTree>
+      <p:nvGrpSpPr>
+        <p:cNvPr id="1" name=""/>
+        <p:cNvGrpSpPr/>
+        <p:nvPr/>
+      </p:nvGrpSpPr>
+      <p:grpSpPr>
+        <a:xfrm>
+          <a:off x="0" y="0"/>
+          <a:ext cx="0" cy="0"/>
+          <a:chOff x="0" y="0"/>
+          <a:chExt cx="0" cy="0"/>
+        </a:xfrm>
+      </p:grpSpPr>
+      <p:sp>
+        <p:nvSpPr>
+          <p:cNvPr id="5" name="Text Placeholder 4"/>
+          <p:cNvSpPr>
+            <a:spLocks noGrp="1"/>
+          </p:cNvSpPr>
+          <p:nvPr>
+            <p:ph type="body" sz="quarter" idx="10"/>
+          </p:nvPr>
+        </p:nvSpPr>
+        <p:spPr>
+          <a:xfrm>
+            <a:off x="419660" y="1572993"/>
+            <a:ext cx="12943442" cy="4519081"/>
+          </a:xfrm>
+        </p:spPr>
+        <p:txBody>
+          <a:bodyPr/>
+          <a:lstStyle/>
+          <a:p>
+            <a:pPr marL="560241" indent="-560241">
+              <a:lnSpc>
+                <a:spcPts val="4800"/>
+              </a:lnSpc>
+              <a:buFont typeface="Arial" charset="0"/>
+              <a:buChar char="•"/>
+            </a:pPr>
+            <a:r>
+              <a:rPr lang="en-US" sz="4000" dirty="0" err="1"/>
+              <a:t>Gestión</a:t>
+            </a:r>
+            <a:r>
+              <a:rPr lang="en-US" sz="4000" dirty="0"/>
+              <a:t> de Assets</a:t>
+            </a:r>
+            <a:endParaRPr lang="en-US" sz="2432" dirty="0"/>
+          </a:p>
+          <a:p>
+            <a:pPr marL="560241" indent="-560241">
+              <a:lnSpc>
+                <a:spcPts val="4800"/>
+              </a:lnSpc>
+              <a:buFont typeface="Arial" charset="0"/>
+              <a:buChar char="•"/>
+            </a:pPr>
+            <a:r>
+              <a:rPr lang="en-US" sz="4000" dirty="0" err="1"/>
+              <a:t>MauiProgram</a:t>
+            </a:r>
+            <a:endParaRPr lang="en-US" sz="4000" dirty="0"/>
+          </a:p>
+          <a:p>
+            <a:pPr marL="560241" indent="-560241">
+              <a:lnSpc>
+                <a:spcPts val="4800"/>
+              </a:lnSpc>
+              <a:buFont typeface="Arial" charset="0"/>
+              <a:buChar char="•"/>
+            </a:pPr>
+            <a:r>
+              <a:rPr lang="en-US" sz="4000" dirty="0" err="1"/>
+              <a:t>Jerarquía</a:t>
+            </a:r>
+            <a:r>
+              <a:rPr lang="en-US" sz="4000" dirty="0"/>
+              <a:t> de </a:t>
+            </a:r>
+            <a:r>
+              <a:rPr lang="en-US" sz="4000" dirty="0" err="1"/>
+              <a:t>elementos</a:t>
+            </a:r>
+            <a:r>
+              <a:rPr lang="en-US" sz="4000" dirty="0"/>
+              <a:t> </a:t>
+            </a:r>
+            <a:r>
+              <a:rPr lang="en-US" sz="4000" dirty="0" err="1"/>
+              <a:t>visuales</a:t>
+            </a:r>
+            <a:endParaRPr lang="en-US" sz="4000" dirty="0"/>
+          </a:p>
+          <a:p>
+            <a:pPr marL="560241" indent="-560241">
+              <a:lnSpc>
+                <a:spcPts val="4800"/>
+              </a:lnSpc>
+              <a:buFont typeface="Arial" charset="0"/>
+              <a:buChar char="•"/>
+            </a:pPr>
+            <a:r>
+              <a:rPr lang="en-US" sz="4000" dirty="0"/>
+              <a:t>XAML</a:t>
+            </a:r>
+          </a:p>
+          <a:p>
+            <a:pPr marL="560241" indent="-560241">
+              <a:lnSpc>
+                <a:spcPts val="4800"/>
+              </a:lnSpc>
+              <a:buFont typeface="Arial" charset="0"/>
+              <a:buChar char="•"/>
+            </a:pPr>
+            <a:r>
+              <a:rPr lang="en-US" sz="4000" dirty="0"/>
+              <a:t>UI con C#</a:t>
+            </a:r>
+          </a:p>
+          <a:p>
+            <a:pPr marL="560241" indent="-560241">
+              <a:lnSpc>
+                <a:spcPts val="4800"/>
+              </a:lnSpc>
+              <a:buFont typeface="Arial" charset="0"/>
+              <a:buChar char="•"/>
+            </a:pPr>
+            <a:r>
+              <a:rPr lang="en-US" sz="4000" dirty="0"/>
+              <a:t>Layouts</a:t>
+            </a:r>
+          </a:p>
+        </p:txBody>
+      </p:sp>
+      <p:sp>
+        <p:nvSpPr>
+          <p:cNvPr id="2" name="Title 1"/>
+          <p:cNvSpPr>
+            <a:spLocks noGrp="1"/>
+          </p:cNvSpPr>
+          <p:nvPr>
+            <p:ph type="title"/>
+          </p:nvPr>
+        </p:nvSpPr>
+        <p:spPr>
+          <a:xfrm>
+            <a:off x="419660" y="289511"/>
+            <a:ext cx="11564484" cy="899665"/>
+          </a:xfrm>
+        </p:spPr>
+        <p:txBody>
+          <a:bodyPr/>
+          <a:lstStyle/>
+          <a:p>
+            <a:r>
+              <a:rPr lang="en-US" dirty="0"/>
+              <a:t>¿</a:t>
+            </a:r>
+            <a:r>
+              <a:rPr lang="en-US" dirty="0" err="1"/>
+              <a:t>Qué</a:t>
+            </a:r>
+            <a:r>
+              <a:rPr lang="en-US" dirty="0"/>
+              <a:t> </a:t>
+            </a:r>
+            <a:r>
+              <a:rPr lang="en-US" dirty="0" err="1"/>
+              <a:t>vamos</a:t>
+            </a:r>
+            <a:r>
+              <a:rPr lang="en-US" dirty="0"/>
+              <a:t> a </a:t>
+            </a:r>
+            <a:r>
+              <a:rPr lang="en-US" dirty="0" err="1"/>
+              <a:t>ver</a:t>
+            </a:r>
+            <a:r>
+              <a:rPr lang="en-US" dirty="0"/>
+              <a:t>?</a:t>
+            </a:r>
+          </a:p>
+        </p:txBody>
+      </p:sp>
+    </p:spTree>
+    <p:extLst>
+      <p:ext uri="{BB962C8B-B14F-4D97-AF65-F5344CB8AC3E}">
+        <p14:creationId xmlns:p14="http://schemas.microsoft.com/office/powerpoint/2010/main" val="433394855"/>
+      </p:ext>
+    </p:extLst>
+  </p:cSld>
+  <p:clrMapOvr>
+    <a:masterClrMapping/>
+  </p:clrMapOvr>
+  <p:transition>
+    <p:fade/>
+  </p:transition>
+  <p:timing>
+    <p:tnLst>
+      <p:par>
+        <p:cTn id="1" dur="indefinite" restart="never" nodeType="tmRoot">
+          <p:childTnLst>
+            <p:seq concurrent="1" nextAc="seek">
+              <p:cTn id="2" dur="indefinite" nodeType="mainSeq">
+                <p:childTnLst>
+                  <p:par>
+                    <p:cTn id="3" fill="hold">
+                      <p:stCondLst>
+                        <p:cond delay="indefinite"/>
+                        <p:cond evt="onBegin" delay="0">
+                          <p:tn val="2"/>
+                        </p:cond>
+                      </p:stCondLst>
+                      <p:childTnLst>
+                        <p:par>
+                          <p:cTn id="4" fill="hold">
+                            <p:stCondLst>
+                              <p:cond delay="0"/>
+                            </p:stCondLst>
+                            <p:childTnLst>
+                              <p:par>
+                                <p:cTn id="5" presetID="10" presetClass="entr" presetSubtype="0" fill="hold" grpId="0" nodeType="withEffect">
+                                  <p:stCondLst>
+                                    <p:cond delay="0"/>
+                                  </p:stCondLst>
+                                  <p:childTnLst>
+                                    <p:set>
+                                      <p:cBhvr>
+                                        <p:cTn id="6" dur="1" fill="hold">
+                                          <p:stCondLst>
+                                            <p:cond delay="0"/>
+                                          </p:stCondLst>
+                                        </p:cTn>
+                                        <p:tgtEl>
+                                          <p:spTgt spid="5">
+                                            <p:txEl>
+                                              <p:pRg st="0" end="0"/>
+                                            </p:txEl>
+                                          </p:spTgt>
+                                        </p:tgtEl>
+                                        <p:attrNameLst>
+                                          <p:attrName>style.visibility</p:attrName>
+                                        </p:attrNameLst>
+                                      </p:cBhvr>
+                                      <p:to>
+                                        <p:strVal val="visible"/>
+                                      </p:to>
+                                    </p:set>
+                                    <p:animEffect transition="in" filter="fade">
+                                      <p:cBhvr>
+                                        <p:cTn id="7" dur="500"/>
+                                        <p:tgtEl>
+                                          <p:spTgt spid="5">
+                                            <p:txEl>
+                                              <p:pRg st="0" end="0"/>
+                                            </p:txEl>
+                                          </p:spTgt>
+                                        </p:tgtEl>
+                                      </p:cBhvr>
+                                    </p:animEffect>
+                                  </p:childTnLst>
+                                </p:cTn>
+                              </p:par>
+                            </p:childTnLst>
+                          </p:cTn>
+                        </p:par>
+                      </p:childTnLst>
+                    </p:cTn>
+                  </p:par>
+                  <p:par>
+                    <p:cTn id="8" fill="hold">
+                      <p:stCondLst>
+                        <p:cond delay="indefinite"/>
+                      </p:stCondLst>
+                      <p:childTnLst>
+                        <p:par>
+                          <p:cTn id="9" fill="hold">
+                            <p:stCondLst>
+                              <p:cond delay="0"/>
+                            </p:stCondLst>
+                            <p:childTnLst>
+                              <p:par>
+                                <p:cTn id="10" presetID="10" presetClass="entr" presetSubtype="0" fill="hold" grpId="0" nodeType="clickEffect">
+                                  <p:stCondLst>
+                                    <p:cond delay="0"/>
+                                  </p:stCondLst>
+                                  <p:childTnLst>
+                                    <p:set>
+                                      <p:cBhvr>
+                                        <p:cTn id="11" dur="1" fill="hold">
+                                          <p:stCondLst>
+                                            <p:cond delay="0"/>
+                                          </p:stCondLst>
+                                        </p:cTn>
+                                        <p:tgtEl>
+                                          <p:spTgt spid="5">
+                                            <p:txEl>
+                                              <p:pRg st="1" end="1"/>
+                                            </p:txEl>
+                                          </p:spTgt>
+                                        </p:tgtEl>
+                                        <p:attrNameLst>
+                                          <p:attrName>style.visibility</p:attrName>
+                                        </p:attrNameLst>
+                                      </p:cBhvr>
+                                      <p:to>
+                                        <p:strVal val="visible"/>
+                                      </p:to>
+                                    </p:set>
+                                    <p:animEffect transition="in" filter="fade">
+                                      <p:cBhvr>
+                                        <p:cTn id="12" dur="500"/>
+                                        <p:tgtEl>
+                                          <p:spTgt spid="5">
+                                            <p:txEl>
+                                              <p:pRg st="1" end="1"/>
+                                            </p:txEl>
+                                          </p:spTgt>
+                                        </p:tgtEl>
+                                      </p:cBhvr>
+                                    </p:animEffect>
+                                  </p:childTnLst>
+                                </p:cTn>
+                              </p:par>
+                            </p:childTnLst>
+                          </p:cTn>
+                        </p:par>
+                      </p:childTnLst>
+                    </p:cTn>
+                  </p:par>
+                  <p:par>
+                    <p:cTn id="13" fill="hold">
+                      <p:stCondLst>
+                        <p:cond delay="indefinite"/>
+                      </p:stCondLst>
+                      <p:childTnLst>
+                        <p:par>
+                          <p:cTn id="14" fill="hold">
+                            <p:stCondLst>
+                              <p:cond delay="0"/>
+                            </p:stCondLst>
+                            <p:childTnLst>
+                              <p:par>
+                                <p:cTn id="15" presetID="10" presetClass="entr" presetSubtype="0" fill="hold" grpId="0" nodeType="clickEffect">
+                                  <p:stCondLst>
+                                    <p:cond delay="0"/>
+                                  </p:stCondLst>
+                                  <p:childTnLst>
+                                    <p:set>
+                                      <p:cBhvr>
+                                        <p:cTn id="16" dur="1" fill="hold">
+                                          <p:stCondLst>
+                                            <p:cond delay="0"/>
+                                          </p:stCondLst>
+                                        </p:cTn>
+                                        <p:tgtEl>
+                                          <p:spTgt spid="5">
+                                            <p:txEl>
+                                              <p:pRg st="2" end="2"/>
+                                            </p:txEl>
+                                          </p:spTgt>
+                                        </p:tgtEl>
+                                        <p:attrNameLst>
+                                          <p:attrName>style.visibility</p:attrName>
+                                        </p:attrNameLst>
+                                      </p:cBhvr>
+                                      <p:to>
+                                        <p:strVal val="visible"/>
+                                      </p:to>
+                                    </p:set>
+                                    <p:animEffect transition="in" filter="fade">
+                                      <p:cBhvr>
+                                        <p:cTn id="17" dur="500"/>
+                                        <p:tgtEl>
+                                          <p:spTgt spid="5">
+                                            <p:txEl>
+                                              <p:pRg st="2" end="2"/>
+                                            </p:txEl>
+                                          </p:spTgt>
+                                        </p:tgtEl>
+                                      </p:cBhvr>
+                                    </p:animEffect>
+                                  </p:childTnLst>
+                                </p:cTn>
+                              </p:par>
+                            </p:childTnLst>
+                          </p:cTn>
+                        </p:par>
+                      </p:childTnLst>
+                    </p:cTn>
+                  </p:par>
+                  <p:par>
+                    <p:cTn id="18" fill="hold">
+                      <p:stCondLst>
+                        <p:cond delay="indefinite"/>
+                      </p:stCondLst>
+                      <p:childTnLst>
+                        <p:par>
+                          <p:cTn id="19" fill="hold">
+                            <p:stCondLst>
+                              <p:cond delay="0"/>
+                            </p:stCondLst>
+                            <p:childTnLst>
+                              <p:par>
+                                <p:cTn id="20" presetID="10" presetClass="entr" presetSubtype="0" fill="hold" grpId="0" nodeType="clickEffect">
+                                  <p:stCondLst>
+                                    <p:cond delay="0"/>
+                                  </p:stCondLst>
+                                  <p:childTnLst>
+                                    <p:set>
+                                      <p:cBhvr>
+                                        <p:cTn id="21" dur="1" fill="hold">
+                                          <p:stCondLst>
+                                            <p:cond delay="0"/>
+                                          </p:stCondLst>
+                                        </p:cTn>
+                                        <p:tgtEl>
+                                          <p:spTgt spid="5">
+                                            <p:txEl>
+                                              <p:pRg st="3" end="3"/>
+                                            </p:txEl>
+                                          </p:spTgt>
+                                        </p:tgtEl>
+                                        <p:attrNameLst>
+                                          <p:attrName>style.visibility</p:attrName>
+                                        </p:attrNameLst>
+                                      </p:cBhvr>
+                                      <p:to>
+                                        <p:strVal val="visible"/>
+                                      </p:to>
+                                    </p:set>
+                                    <p:animEffect transition="in" filter="fade">
+                                      <p:cBhvr>
+                                        <p:cTn id="22" dur="500"/>
+                                        <p:tgtEl>
+                                          <p:spTgt spid="5">
+                                            <p:txEl>
+                                              <p:pRg st="3" end="3"/>
+                                            </p:txEl>
+                                          </p:spTgt>
+                                        </p:tgtEl>
+                                      </p:cBhvr>
+                                    </p:animEffect>
+                                  </p:childTnLst>
+                                </p:cTn>
+                              </p:par>
+                            </p:childTnLst>
+                          </p:cTn>
+                        </p:par>
+                      </p:childTnLst>
+                    </p:cTn>
+                  </p:par>
+                  <p:par>
+                    <p:cTn id="23" fill="hold">
+                      <p:stCondLst>
+                        <p:cond delay="indefinite"/>
+                      </p:stCondLst>
+                      <p:childTnLst>
+                        <p:par>
+                          <p:cTn id="24" fill="hold">
+                            <p:stCondLst>
+                              <p:cond delay="0"/>
+                            </p:stCondLst>
+                            <p:childTnLst>
+                              <p:par>
+                                <p:cTn id="25" presetID="10" presetClass="entr" presetSubtype="0" fill="hold" grpId="0" nodeType="clickEffect">
+                                  <p:stCondLst>
+                                    <p:cond delay="0"/>
+                                  </p:stCondLst>
+                                  <p:childTnLst>
+                                    <p:set>
+                                      <p:cBhvr>
+                                        <p:cTn id="26" dur="1" fill="hold">
+                                          <p:stCondLst>
+                                            <p:cond delay="0"/>
+                                          </p:stCondLst>
+                                        </p:cTn>
+                                        <p:tgtEl>
+                                          <p:spTgt spid="5">
+                                            <p:txEl>
+                                              <p:pRg st="4" end="4"/>
+                                            </p:txEl>
+                                          </p:spTgt>
+                                        </p:tgtEl>
+                                        <p:attrNameLst>
+                                          <p:attrName>style.visibility</p:attrName>
+                                        </p:attrNameLst>
+                                      </p:cBhvr>
+                                      <p:to>
+                                        <p:strVal val="visible"/>
+                                      </p:to>
+                                    </p:set>
+                                    <p:animEffect transition="in" filter="fade">
+                                      <p:cBhvr>
+                                        <p:cTn id="27" dur="500"/>
+                                        <p:tgtEl>
+                                          <p:spTgt spid="5">
+                                            <p:txEl>
+                                              <p:pRg st="4" end="4"/>
+                                            </p:txEl>
+                                          </p:spTgt>
+                                        </p:tgtEl>
+                                      </p:cBhvr>
+                                    </p:animEffect>
+                                  </p:childTnLst>
+                                </p:cTn>
+                              </p:par>
+                            </p:childTnLst>
+                          </p:cTn>
+                        </p:par>
+                      </p:childTnLst>
+                    </p:cTn>
+                  </p:par>
+                  <p:par>
+                    <p:cTn id="28" fill="hold">
+                      <p:stCondLst>
+                        <p:cond delay="indefinite"/>
+                      </p:stCondLst>
+                      <p:childTnLst>
+                        <p:par>
+                          <p:cTn id="29" fill="hold">
+                            <p:stCondLst>
+                              <p:cond delay="0"/>
+                            </p:stCondLst>
+                            <p:childTnLst>
+                              <p:par>
+                                <p:cTn id="30" presetID="10" presetClass="entr" presetSubtype="0" fill="hold" grpId="0" nodeType="clickEffect">
+                                  <p:stCondLst>
+                                    <p:cond delay="0"/>
+                                  </p:stCondLst>
+                                  <p:childTnLst>
+                                    <p:set>
+                                      <p:cBhvr>
+                                        <p:cTn id="31" dur="1" fill="hold">
+                                          <p:stCondLst>
+                                            <p:cond delay="0"/>
+                                          </p:stCondLst>
+                                        </p:cTn>
+                                        <p:tgtEl>
+                                          <p:spTgt spid="5">
+                                            <p:txEl>
+                                              <p:pRg st="5" end="5"/>
+                                            </p:txEl>
+                                          </p:spTgt>
+                                        </p:tgtEl>
+                                        <p:attrNameLst>
+                                          <p:attrName>style.visibility</p:attrName>
+                                        </p:attrNameLst>
+                                      </p:cBhvr>
+                                      <p:to>
+                                        <p:strVal val="visible"/>
+                                      </p:to>
+                                    </p:set>
+                                    <p:animEffect transition="in" filter="fade">
+                                      <p:cBhvr>
+                                        <p:cTn id="32" dur="500"/>
+                                        <p:tgtEl>
+                                          <p:spTgt spid="5">
+                                            <p:txEl>
+                                              <p:pRg st="5" end="5"/>
+                                            </p:txEl>
+                                          </p:spTgt>
+                                        </p:tgtEl>
+                                      </p:cBhvr>
+                                    </p:animEffect>
+                                  </p:childTnLst>
+                                </p:cTn>
+                              </p:par>
+                            </p:childTnLst>
+                          </p:cTn>
+                        </p:par>
+                      </p:childTnLst>
+                    </p:cTn>
+                  </p:par>
+                </p:childTnLst>
+              </p:cTn>
+              <p:prevCondLst>
+                <p:cond evt="onPrev" delay="0">
+                  <p:tgtEl>
+                    <p:sldTgt/>
+                  </p:tgtEl>
+                </p:cond>
+              </p:prevCondLst>
+              <p:nextCondLst>
+                <p:cond evt="onNext" delay="0">
+                  <p:tgtEl>
+                    <p:sldTgt/>
+                  </p:tgtEl>
+                </p:cond>
+              </p:nextCondLst>
+            </p:seq>
+          </p:childTnLst>
+        </p:cTn>
+      </p:par>
+    </p:tnLst>
+    <p:bldLst>
+      <p:bldP spid="5" grpId="0" build="p"/>
+    </p:bldLst>
+  </p:timing>
+</p:sld>
+</file>
+
+<file path=ppt/slides/slide9.xml><?xml version="1.0" encoding="utf-8"?>
+<p:sld xmlns:a="http://schemas.openxmlformats.org/drawingml/2006/main" xmlns:r="http://schemas.openxmlformats.org/officeDocument/2006/relationships" xmlns:p="http://schemas.openxmlformats.org/presentationml/2006/main">
+  <p:cSld>
+    <p:spTree>
+      <p:nvGrpSpPr>
+        <p:cNvPr id="1" name=""/>
+        <p:cNvGrpSpPr/>
+        <p:nvPr/>
+      </p:nvGrpSpPr>
+      <p:grpSpPr>
+        <a:xfrm>
+          <a:off x="0" y="0"/>
+          <a:ext cx="0" cy="0"/>
+          <a:chOff x="0" y="0"/>
+          <a:chExt cx="0" cy="0"/>
+        </a:xfrm>
+      </p:grpSpPr>
+      <p:sp>
+        <p:nvSpPr>
+          <p:cNvPr id="5" name="Text Placeholder 4"/>
+          <p:cNvSpPr>
+            <a:spLocks noGrp="1"/>
+          </p:cNvSpPr>
+          <p:nvPr>
+            <p:ph type="body" sz="quarter" idx="10"/>
+          </p:nvPr>
+        </p:nvSpPr>
+        <p:spPr>
+          <a:xfrm>
+            <a:off x="419660" y="1572993"/>
+            <a:ext cx="12943442" cy="4519081"/>
+          </a:xfrm>
+        </p:spPr>
+        <p:txBody>
+          <a:bodyPr/>
+          <a:lstStyle/>
+          <a:p>
+            <a:pPr marL="560241" indent="-560241">
+              <a:lnSpc>
+                <a:spcPts val="4800"/>
+              </a:lnSpc>
+              <a:buFont typeface="Arial" charset="0"/>
+              <a:buChar char="•"/>
+            </a:pPr>
+            <a:r>
+              <a:rPr lang="en-US" sz="4000" dirty="0"/>
+              <a:t>Nuestra </a:t>
+            </a:r>
+            <a:r>
+              <a:rPr lang="en-US" sz="4000" dirty="0" err="1"/>
+              <a:t>primera</a:t>
+            </a:r>
+            <a:r>
+              <a:rPr lang="en-US" sz="4000" dirty="0"/>
+              <a:t> UI</a:t>
+            </a:r>
+            <a:endParaRPr lang="en-US" sz="2432" dirty="0"/>
+          </a:p>
+          <a:p>
+            <a:pPr marL="560241" indent="-560241">
+              <a:lnSpc>
+                <a:spcPts val="4800"/>
+              </a:lnSpc>
+              <a:buFont typeface="Arial" charset="0"/>
+              <a:buChar char="•"/>
+            </a:pPr>
+            <a:r>
+              <a:rPr lang="en-US" sz="4000" dirty="0" err="1"/>
+              <a:t>Listados</a:t>
+            </a:r>
+            <a:endParaRPr lang="en-US" sz="4000" dirty="0"/>
+          </a:p>
+          <a:p>
+            <a:pPr marL="560241" indent="-560241">
+              <a:lnSpc>
+                <a:spcPts val="4800"/>
+              </a:lnSpc>
+              <a:buFont typeface="Arial" charset="0"/>
+              <a:buChar char="•"/>
+            </a:pPr>
+            <a:r>
+              <a:rPr lang="en-US" sz="4000" dirty="0" err="1"/>
+              <a:t>DataBinding</a:t>
+            </a:r>
+            <a:endParaRPr lang="en-US" sz="4000" dirty="0"/>
+          </a:p>
+          <a:p>
+            <a:pPr marL="560241" indent="-560241">
+              <a:lnSpc>
+                <a:spcPts val="4800"/>
+              </a:lnSpc>
+              <a:buFont typeface="Arial" charset="0"/>
+              <a:buChar char="•"/>
+            </a:pPr>
+            <a:r>
+              <a:rPr lang="en-US" sz="4000" dirty="0"/>
+              <a:t>MVVM</a:t>
+            </a:r>
+          </a:p>
+          <a:p>
+            <a:pPr marL="560241" indent="-560241">
+              <a:lnSpc>
+                <a:spcPts val="4800"/>
+              </a:lnSpc>
+              <a:buFont typeface="Arial" charset="0"/>
+              <a:buChar char="•"/>
+            </a:pPr>
+            <a:r>
+              <a:rPr lang="en-US" sz="4000" dirty="0" err="1"/>
+              <a:t>Navegación</a:t>
+            </a:r>
+            <a:r>
+              <a:rPr lang="en-US" sz="4000" dirty="0"/>
+              <a:t> </a:t>
+            </a:r>
+            <a:r>
+              <a:rPr lang="en-US" sz="4000" dirty="0" err="1"/>
+              <a:t>básica</a:t>
+            </a:r>
+            <a:endParaRPr lang="en-US" sz="4000" dirty="0"/>
+          </a:p>
+          <a:p>
+            <a:pPr marL="560241" indent="-560241">
+              <a:lnSpc>
+                <a:spcPts val="4800"/>
+              </a:lnSpc>
+              <a:buFont typeface="Arial" charset="0"/>
+              <a:buChar char="•"/>
+            </a:pPr>
+            <a:r>
+              <a:rPr lang="en-US" sz="4000" dirty="0" err="1"/>
+              <a:t>Introducción</a:t>
+            </a:r>
+            <a:r>
+              <a:rPr lang="en-US" sz="4000" dirty="0"/>
+              <a:t> a Shell</a:t>
+            </a:r>
+          </a:p>
+        </p:txBody>
+      </p:sp>
+      <p:sp>
+        <p:nvSpPr>
+          <p:cNvPr id="2" name="Title 1"/>
+          <p:cNvSpPr>
+            <a:spLocks noGrp="1"/>
+          </p:cNvSpPr>
+          <p:nvPr>
+            <p:ph type="title"/>
+          </p:nvPr>
+        </p:nvSpPr>
+        <p:spPr>
+          <a:xfrm>
+            <a:off x="419660" y="289511"/>
+            <a:ext cx="11564484" cy="899665"/>
+          </a:xfrm>
+        </p:spPr>
+        <p:txBody>
+          <a:bodyPr/>
+          <a:lstStyle/>
+          <a:p>
+            <a:r>
+              <a:rPr lang="en-US" dirty="0"/>
+              <a:t>¿</a:t>
+            </a:r>
+            <a:r>
+              <a:rPr lang="en-US" dirty="0" err="1"/>
+              <a:t>Qué</a:t>
+            </a:r>
+            <a:r>
+              <a:rPr lang="en-US" dirty="0"/>
+              <a:t> </a:t>
+            </a:r>
+            <a:r>
+              <a:rPr lang="en-US" dirty="0" err="1"/>
+              <a:t>vamos</a:t>
+            </a:r>
+            <a:r>
+              <a:rPr lang="en-US" dirty="0"/>
+              <a:t> a </a:t>
+            </a:r>
+            <a:r>
+              <a:rPr lang="en-US" dirty="0" err="1"/>
+              <a:t>ver</a:t>
+            </a:r>
+            <a:r>
+              <a:rPr lang="en-US" dirty="0"/>
+              <a:t>?</a:t>
+            </a:r>
+          </a:p>
+        </p:txBody>
+      </p:sp>
+    </p:spTree>
+    <p:extLst>
+      <p:ext uri="{BB962C8B-B14F-4D97-AF65-F5344CB8AC3E}">
+        <p14:creationId xmlns:p14="http://schemas.microsoft.com/office/powerpoint/2010/main" val="570359385"/>
+      </p:ext>
+    </p:extLst>
+  </p:cSld>
+  <p:clrMapOvr>
+    <a:masterClrMapping/>
+  </p:clrMapOvr>
+  <p:transition>
+    <p:fade/>
+  </p:transition>
+  <p:timing>
+    <p:tnLst>
+      <p:par>
+        <p:cTn id="1" dur="indefinite" restart="never" nodeType="tmRoot">
+          <p:childTnLst>
+            <p:seq concurrent="1" nextAc="seek">
+              <p:cTn id="2" dur="indefinite" nodeType="mainSeq">
+                <p:childTnLst>
+                  <p:par>
+                    <p:cTn id="3" fill="hold">
+                      <p:stCondLst>
+                        <p:cond delay="indefinite"/>
+                        <p:cond evt="onBegin" delay="0">
+                          <p:tn val="2"/>
+                        </p:cond>
+                      </p:stCondLst>
+                      <p:childTnLst>
+                        <p:par>
+                          <p:cTn id="4" fill="hold">
+                            <p:stCondLst>
+                              <p:cond delay="0"/>
+                            </p:stCondLst>
+                            <p:childTnLst>
+                              <p:par>
+                                <p:cTn id="5" presetID="10" presetClass="entr" presetSubtype="0" fill="hold" grpId="0" nodeType="withEffect">
+                                  <p:stCondLst>
+                                    <p:cond delay="0"/>
+                                  </p:stCondLst>
+                                  <p:childTnLst>
+                                    <p:set>
+                                      <p:cBhvr>
+                                        <p:cTn id="6" dur="1" fill="hold">
+                                          <p:stCondLst>
+                                            <p:cond delay="0"/>
+                                          </p:stCondLst>
+                                        </p:cTn>
+                                        <p:tgtEl>
+                                          <p:spTgt spid="5">
+                                            <p:txEl>
+                                              <p:pRg st="0" end="0"/>
+                                            </p:txEl>
+                                          </p:spTgt>
+                                        </p:tgtEl>
+                                        <p:attrNameLst>
+                                          <p:attrName>style.visibility</p:attrName>
+                                        </p:attrNameLst>
+                                      </p:cBhvr>
+                                      <p:to>
+                                        <p:strVal val="visible"/>
+                                      </p:to>
+                                    </p:set>
+                                    <p:animEffect transition="in" filter="fade">
+                                      <p:cBhvr>
+                                        <p:cTn id="7" dur="500"/>
+                                        <p:tgtEl>
+                                          <p:spTgt spid="5">
+                                            <p:txEl>
+                                              <p:pRg st="0" end="0"/>
+                                            </p:txEl>
+                                          </p:spTgt>
+                                        </p:tgtEl>
+                                      </p:cBhvr>
+                                    </p:animEffect>
+                                  </p:childTnLst>
+                                </p:cTn>
+                              </p:par>
+                            </p:childTnLst>
+                          </p:cTn>
+                        </p:par>
+                      </p:childTnLst>
+                    </p:cTn>
+                  </p:par>
+                  <p:par>
+                    <p:cTn id="8" fill="hold">
+                      <p:stCondLst>
+                        <p:cond delay="indefinite"/>
+                      </p:stCondLst>
+                      <p:childTnLst>
+                        <p:par>
+                          <p:cTn id="9" fill="hold">
+                            <p:stCondLst>
+                              <p:cond delay="0"/>
+                            </p:stCondLst>
+                            <p:childTnLst>
+                              <p:par>
+                                <p:cTn id="10" presetID="10" presetClass="entr" presetSubtype="0" fill="hold" grpId="0" nodeType="clickEffect">
+                                  <p:stCondLst>
+                                    <p:cond delay="0"/>
+                                  </p:stCondLst>
+                                  <p:childTnLst>
+                                    <p:set>
+                                      <p:cBhvr>
+                                        <p:cTn id="11" dur="1" fill="hold">
+                                          <p:stCondLst>
+                                            <p:cond delay="0"/>
+                                          </p:stCondLst>
+                                        </p:cTn>
+                                        <p:tgtEl>
+                                          <p:spTgt spid="5">
+                                            <p:txEl>
+                                              <p:pRg st="1" end="1"/>
+                                            </p:txEl>
+                                          </p:spTgt>
+                                        </p:tgtEl>
+                                        <p:attrNameLst>
+                                          <p:attrName>style.visibility</p:attrName>
+                                        </p:attrNameLst>
+                                      </p:cBhvr>
+                                      <p:to>
+                                        <p:strVal val="visible"/>
+                                      </p:to>
+                                    </p:set>
+                                    <p:animEffect transition="in" filter="fade">
+                                      <p:cBhvr>
+                                        <p:cTn id="12" dur="500"/>
+                                        <p:tgtEl>
+                                          <p:spTgt spid="5">
+                                            <p:txEl>
+                                              <p:pRg st="1" end="1"/>
+                                            </p:txEl>
+                                          </p:spTgt>
+                                        </p:tgtEl>
+                                      </p:cBhvr>
+                                    </p:animEffect>
+                                  </p:childTnLst>
+                                </p:cTn>
+                              </p:par>
+                            </p:childTnLst>
+                          </p:cTn>
+                        </p:par>
+                      </p:childTnLst>
+                    </p:cTn>
+                  </p:par>
+                  <p:par>
+                    <p:cTn id="13" fill="hold">
+                      <p:stCondLst>
+                        <p:cond delay="indefinite"/>
+                      </p:stCondLst>
+                      <p:childTnLst>
+                        <p:par>
+                          <p:cTn id="14" fill="hold">
+                            <p:stCondLst>
+                              <p:cond delay="0"/>
+                            </p:stCondLst>
+                            <p:childTnLst>
+                              <p:par>
+                                <p:cTn id="15" presetID="10" presetClass="entr" presetSubtype="0" fill="hold" grpId="0" nodeType="clickEffect">
+                                  <p:stCondLst>
+                                    <p:cond delay="0"/>
+                                  </p:stCondLst>
+                                  <p:childTnLst>
+                                    <p:set>
+                                      <p:cBhvr>
+                                        <p:cTn id="16" dur="1" fill="hold">
+                                          <p:stCondLst>
+                                            <p:cond delay="0"/>
+                                          </p:stCondLst>
+                                        </p:cTn>
+                                        <p:tgtEl>
+                                          <p:spTgt spid="5">
+                                            <p:txEl>
+                                              <p:pRg st="2" end="2"/>
+                                            </p:txEl>
+                                          </p:spTgt>
+                                        </p:tgtEl>
+                                        <p:attrNameLst>
+                                          <p:attrName>style.visibility</p:attrName>
+                                        </p:attrNameLst>
+                                      </p:cBhvr>
+                                      <p:to>
+                                        <p:strVal val="visible"/>
+                                      </p:to>
+                                    </p:set>
+                                    <p:animEffect transition="in" filter="fade">
+                                      <p:cBhvr>
+                                        <p:cTn id="17" dur="500"/>
+                                        <p:tgtEl>
+                                          <p:spTgt spid="5">
+                                            <p:txEl>
+                                              <p:pRg st="2" end="2"/>
+                                            </p:txEl>
+                                          </p:spTgt>
+                                        </p:tgtEl>
+                                      </p:cBhvr>
+                                    </p:animEffect>
+                                  </p:childTnLst>
+                                </p:cTn>
+                              </p:par>
+                            </p:childTnLst>
+                          </p:cTn>
+                        </p:par>
+                      </p:childTnLst>
+                    </p:cTn>
+                  </p:par>
+                  <p:par>
+                    <p:cTn id="18" fill="hold">
+                      <p:stCondLst>
+                        <p:cond delay="indefinite"/>
+                      </p:stCondLst>
+                      <p:childTnLst>
+                        <p:par>
+                          <p:cTn id="19" fill="hold">
+                            <p:stCondLst>
+                              <p:cond delay="0"/>
+                            </p:stCondLst>
+                            <p:childTnLst>
+                              <p:par>
+                                <p:cTn id="20" presetID="10" presetClass="entr" presetSubtype="0" fill="hold" grpId="0" nodeType="clickEffect">
+                                  <p:stCondLst>
+                                    <p:cond delay="0"/>
+                                  </p:stCondLst>
+                                  <p:childTnLst>
+                                    <p:set>
+                                      <p:cBhvr>
+                                        <p:cTn id="21" dur="1" fill="hold">
+                                          <p:stCondLst>
+                                            <p:cond delay="0"/>
+                                          </p:stCondLst>
+                                        </p:cTn>
+                                        <p:tgtEl>
+                                          <p:spTgt spid="5">
+                                            <p:txEl>
+                                              <p:pRg st="3" end="3"/>
+                                            </p:txEl>
+                                          </p:spTgt>
+                                        </p:tgtEl>
+                                        <p:attrNameLst>
+                                          <p:attrName>style.visibility</p:attrName>
+                                        </p:attrNameLst>
+                                      </p:cBhvr>
+                                      <p:to>
+                                        <p:strVal val="visible"/>
+                                      </p:to>
+                                    </p:set>
+                                    <p:animEffect transition="in" filter="fade">
+                                      <p:cBhvr>
+                                        <p:cTn id="22" dur="500"/>
+                                        <p:tgtEl>
+                                          <p:spTgt spid="5">
+                                            <p:txEl>
+                                              <p:pRg st="3" end="3"/>
+                                            </p:txEl>
+                                          </p:spTgt>
+                                        </p:tgtEl>
+                                      </p:cBhvr>
+                                    </p:animEffect>
+                                  </p:childTnLst>
+                                </p:cTn>
+                              </p:par>
+                            </p:childTnLst>
+                          </p:cTn>
+                        </p:par>
+                      </p:childTnLst>
+                    </p:cTn>
+                  </p:par>
+                  <p:par>
+                    <p:cTn id="23" fill="hold">
+                      <p:stCondLst>
+                        <p:cond delay="indefinite"/>
+                      </p:stCondLst>
+                      <p:childTnLst>
+                        <p:par>
+                          <p:cTn id="24" fill="hold">
+                            <p:stCondLst>
+                              <p:cond delay="0"/>
+                            </p:stCondLst>
+                            <p:childTnLst>
+                              <p:par>
+                                <p:cTn id="25" presetID="10" presetClass="entr" presetSubtype="0" fill="hold" grpId="0" nodeType="clickEffect">
+                                  <p:stCondLst>
+                                    <p:cond delay="0"/>
+                                  </p:stCondLst>
+                                  <p:childTnLst>
+                                    <p:set>
+                                      <p:cBhvr>
+                                        <p:cTn id="26" dur="1" fill="hold">
+                                          <p:stCondLst>
+                                            <p:cond delay="0"/>
+                                          </p:stCondLst>
+                                        </p:cTn>
+                                        <p:tgtEl>
+                                          <p:spTgt spid="5">
+                                            <p:txEl>
+                                              <p:pRg st="4" end="4"/>
+                                            </p:txEl>
+                                          </p:spTgt>
+                                        </p:tgtEl>
+                                        <p:attrNameLst>
+                                          <p:attrName>style.visibility</p:attrName>
+                                        </p:attrNameLst>
+                                      </p:cBhvr>
+                                      <p:to>
+                                        <p:strVal val="visible"/>
+                                      </p:to>
+                                    </p:set>
+                                    <p:animEffect transition="in" filter="fade">
+                                      <p:cBhvr>
+                                        <p:cTn id="27" dur="500"/>
+                                        <p:tgtEl>
+                                          <p:spTgt spid="5">
+                                            <p:txEl>
+                                              <p:pRg st="4" end="4"/>
+                                            </p:txEl>
+                                          </p:spTgt>
+                                        </p:tgtEl>
+                                      </p:cBhvr>
+                                    </p:animEffect>
+                                  </p:childTnLst>
+                                </p:cTn>
+                              </p:par>
+                            </p:childTnLst>
+                          </p:cTn>
+                        </p:par>
+                      </p:childTnLst>
+                    </p:cTn>
+                  </p:par>
+                  <p:par>
+                    <p:cTn id="28" fill="hold">
+                      <p:stCondLst>
+                        <p:cond delay="indefinite"/>
+                      </p:stCondLst>
+                      <p:childTnLst>
+                        <p:par>
+                          <p:cTn id="29" fill="hold">
+                            <p:stCondLst>
+                              <p:cond delay="0"/>
+                            </p:stCondLst>
+                            <p:childTnLst>
+                              <p:par>
+                                <p:cTn id="30" presetID="10" presetClass="entr" presetSubtype="0" fill="hold" grpId="0" nodeType="clickEffect">
+                                  <p:stCondLst>
+                                    <p:cond delay="0"/>
+                                  </p:stCondLst>
+                                  <p:childTnLst>
+                                    <p:set>
+                                      <p:cBhvr>
+                                        <p:cTn id="31" dur="1" fill="hold">
+                                          <p:stCondLst>
+                                            <p:cond delay="0"/>
+                                          </p:stCondLst>
+                                        </p:cTn>
+                                        <p:tgtEl>
+                                          <p:spTgt spid="5">
+                                            <p:txEl>
+                                              <p:pRg st="5" end="5"/>
+                                            </p:txEl>
+                                          </p:spTgt>
+                                        </p:tgtEl>
+                                        <p:attrNameLst>
+                                          <p:attrName>style.visibility</p:attrName>
+                                        </p:attrNameLst>
+                                      </p:cBhvr>
+                                      <p:to>
+                                        <p:strVal val="visible"/>
+                                      </p:to>
+                                    </p:set>
+                                    <p:animEffect transition="in" filter="fade">
+                                      <p:cBhvr>
+                                        <p:cTn id="32" dur="500"/>
+                                        <p:tgtEl>
+                                          <p:spTgt spid="5">
+                                            <p:txEl>
+                                              <p:pRg st="5" end="5"/>
+                                            </p:txEl>
+                                          </p:spTgt>
+                                        </p:tgtEl>
+                                      </p:cBhvr>
+                                    </p:animEffect>
+                                  </p:childTnLst>
+                                </p:cTn>
+                              </p:par>
+                            </p:childTnLst>
+                          </p:cTn>
+                        </p:par>
+                      </p:childTnLst>
+                    </p:cTn>
+                  </p:par>
+                </p:childTnLst>
+              </p:cTn>
+              <p:prevCondLst>
+                <p:cond evt="onPrev" delay="0">
+                  <p:tgtEl>
+                    <p:sldTgt/>
+                  </p:tgtEl>
+                </p:cond>
+              </p:prevCondLst>
+              <p:nextCondLst>
+                <p:cond evt="onNext" delay="0">
+                  <p:tgtEl>
+                    <p:sldTgt/>
+                  </p:tgtEl>
+                </p:cond>
+              </p:nextCondLst>
+            </p:seq>
+          </p:childTnLst>
+        </p:cTn>
+      </p:par>
+    </p:tnLst>
+    <p:bldLst>
+      <p:bldP spid="5" grpId="0" build="p"/>
+    </p:bldLst>
+  </p:timing>
 </p:sld>
 </file>
 
